--- a/The lazy and easily distracted report writer.pptx
+++ b/The lazy and easily distracted report writer.pptx
@@ -2216,7 +2216,7 @@
           </a:ln>
           <a:extLst>
             <a:ext uri="{C572A759-6A51-4108-AA02-DFA0A04FC94B}">
-              <ma14:wrappingTextBoxFlag xmlns="" xmlns:m="http://schemas.openxmlformats.org/officeDocument/2006/math" xmlns:a14="http://schemas.microsoft.com/office/drawing/2010/main" xmlns:ma14="http://schemas.microsoft.com/office/mac/drawingml/2011/main" val="1"/>
+              <ma14:wrappingTextBoxFlag xmlns:ma14="http://schemas.microsoft.com/office/mac/drawingml/2011/main" xmlns:a14="http://schemas.microsoft.com/office/drawing/2010/main" xmlns:m="http://schemas.openxmlformats.org/officeDocument/2006/math" xmlns="" val="1"/>
             </a:ext>
           </a:extLst>
         </p:spPr>
@@ -2255,7 +2255,7 @@
           </a:ln>
           <a:extLst>
             <a:ext uri="{C572A759-6A51-4108-AA02-DFA0A04FC94B}">
-              <ma14:wrappingTextBoxFlag xmlns="" xmlns:m="http://schemas.openxmlformats.org/officeDocument/2006/math" xmlns:a14="http://schemas.microsoft.com/office/drawing/2010/main" xmlns:ma14="http://schemas.microsoft.com/office/mac/drawingml/2011/main" val="1"/>
+              <ma14:wrappingTextBoxFlag xmlns:ma14="http://schemas.microsoft.com/office/mac/drawingml/2011/main" xmlns:a14="http://schemas.microsoft.com/office/drawing/2010/main" xmlns:m="http://schemas.openxmlformats.org/officeDocument/2006/math" xmlns="" val="1"/>
             </a:ext>
           </a:extLst>
         </p:spPr>
@@ -5910,22 +5910,14 @@
             </a:r>
             <a:r>
               <a:rPr lang="en-GB" dirty="0" smtClean="0"/>
-              <a:t> </a:t>
-            </a:r>
-            <a:r>
-              <a:rPr lang="en-GB" dirty="0" smtClean="0"/>
-              <a:t>scripts</a:t>
+              <a:t> scripts</a:t>
             </a:r>
             <a:br>
               <a:rPr lang="en-GB" dirty="0" smtClean="0"/>
             </a:br>
             <a:r>
               <a:rPr lang="en-GB" b="1" i="1" dirty="0" smtClean="0"/>
-              <a:t>(</a:t>
-            </a:r>
-            <a:r>
-              <a:rPr lang="en-GB" b="1" i="1" dirty="0" smtClean="0"/>
-              <a:t>for analysis)</a:t>
+              <a:t>(for analysis)</a:t>
             </a:r>
             <a:endParaRPr b="1" i="1" dirty="0"/>
           </a:p>
@@ -9544,23 +9536,7 @@
                   <a:cs typeface="Courier New" panose="02070309020205020404" pitchFamily="49" charset="0"/>
                   <a:sym typeface="Calibri"/>
                 </a:rPr>
-                <a:t> = </a:t>
-              </a:r>
-              <a:r>
-                <a:rPr kumimoji="0" lang="en-GB" sz="1800" b="1" i="0" u="none" strike="noStrike" cap="none" spc="0" normalizeH="0" dirty="0" smtClean="0">
-                  <a:ln>
-                    <a:noFill/>
-                  </a:ln>
-                  <a:solidFill>
-                    <a:srgbClr val="000000"/>
-                  </a:solidFill>
-                  <a:effectLst/>
-                  <a:uFillTx/>
-                  <a:latin typeface="Courier New" panose="02070309020205020404" pitchFamily="49" charset="0"/>
-                  <a:cs typeface="Courier New" panose="02070309020205020404" pitchFamily="49" charset="0"/>
-                  <a:sym typeface="Calibri"/>
-                </a:rPr>
-                <a:t>TRUE</a:t>
+                <a:t> = TRUE</a:t>
               </a:r>
               <a:r>
                 <a:rPr kumimoji="0" lang="en-GB" sz="1800" b="0" i="0" u="none" strike="noStrike" cap="none" spc="0" normalizeH="0" dirty="0" smtClean="0">
@@ -11303,24 +11279,7 @@
                 <a:cs typeface="+mn-cs"/>
                 <a:sym typeface="Calibri"/>
               </a:rPr>
-              <a:t>age) to </a:t>
-            </a:r>
-            <a:r>
-              <a:rPr kumimoji="0" lang="en-GB" sz="1800" b="0" i="0" u="none" strike="noStrike" cap="none" spc="0" normalizeH="0" baseline="0" dirty="0" smtClean="0">
-                <a:ln>
-                  <a:noFill/>
-                </a:ln>
-                <a:solidFill>
-                  <a:srgbClr val="000000"/>
-                </a:solidFill>
-                <a:effectLst/>
-                <a:uFillTx/>
-                <a:latin typeface="+mn-lt"/>
-                <a:ea typeface="+mn-ea"/>
-                <a:cs typeface="+mn-cs"/>
-                <a:sym typeface="Calibri"/>
-              </a:rPr>
-              <a:t>specify parameters and render a parameterised report </a:t>
+              <a:t>age) to specify parameters and render a parameterised report </a:t>
             </a:r>
             <a:r>
               <a:rPr lang="en-GB" dirty="0" smtClean="0"/>
@@ -11377,20 +11336,6 @@
               </a:rPr>
               <a:t>.</a:t>
             </a:r>
-            <a:endParaRPr kumimoji="0" lang="en-GB" sz="1800" b="0" i="0" u="none" strike="noStrike" cap="none" spc="0" normalizeH="0" baseline="0" dirty="0" smtClean="0">
-              <a:ln>
-                <a:noFill/>
-              </a:ln>
-              <a:solidFill>
-                <a:srgbClr val="000000"/>
-              </a:solidFill>
-              <a:effectLst/>
-              <a:uFillTx/>
-              <a:latin typeface="+mn-lt"/>
-              <a:ea typeface="+mn-ea"/>
-              <a:cs typeface="+mn-cs"/>
-              <a:sym typeface="Calibri"/>
-            </a:endParaRPr>
           </a:p>
           <a:p>
             <a:pPr marL="0" marR="0" indent="0" algn="l" defTabSz="914400" rtl="0" fontAlgn="auto" latinLnBrk="0" hangingPunct="0">
@@ -11443,10 +11388,10 @@
                 <a:cs typeface="+mn-cs"/>
                 <a:sym typeface="Calibri"/>
               </a:rPr>
-              <a:t>You </a:t>
-            </a:r>
-            <a:r>
-              <a:rPr kumimoji="0" lang="en-GB" sz="1800" b="0" i="0" u="none" strike="noStrike" cap="none" spc="0" normalizeH="0" baseline="0" dirty="0" smtClean="0">
+              <a:t>You can</a:t>
+            </a:r>
+            <a:r>
+              <a:rPr kumimoji="0" lang="en-GB" sz="1800" b="0" i="0" u="none" strike="noStrike" cap="none" spc="0" normalizeH="0" dirty="0" smtClean="0">
                 <a:ln>
                   <a:noFill/>
                 </a:ln>
@@ -11460,56 +11405,8 @@
                 <a:cs typeface="+mn-cs"/>
                 <a:sym typeface="Calibri"/>
               </a:rPr>
-              <a:t>can</a:t>
-            </a:r>
-            <a:r>
-              <a:rPr kumimoji="0" lang="en-GB" sz="1800" b="0" i="0" u="none" strike="noStrike" cap="none" spc="0" normalizeH="0" dirty="0" smtClean="0">
-                <a:ln>
-                  <a:noFill/>
-                </a:ln>
-                <a:solidFill>
-                  <a:srgbClr val="000000"/>
-                </a:solidFill>
-                <a:effectLst/>
-                <a:uFillTx/>
-                <a:latin typeface="+mn-lt"/>
-                <a:ea typeface="+mn-ea"/>
-                <a:cs typeface="+mn-cs"/>
-                <a:sym typeface="Calibri"/>
-              </a:rPr>
-              <a:t> </a:t>
-            </a:r>
-            <a:r>
-              <a:rPr kumimoji="0" lang="en-GB" sz="1800" b="0" i="0" u="none" strike="noStrike" cap="none" spc="0" normalizeH="0" dirty="0" smtClean="0">
-                <a:ln>
-                  <a:noFill/>
-                </a:ln>
-                <a:solidFill>
-                  <a:srgbClr val="000000"/>
-                </a:solidFill>
-                <a:effectLst/>
-                <a:uFillTx/>
-                <a:latin typeface="+mn-lt"/>
-                <a:ea typeface="+mn-ea"/>
-                <a:cs typeface="+mn-cs"/>
-                <a:sym typeface="Calibri"/>
-              </a:rPr>
-              <a:t>then have</a:t>
-            </a:r>
-            <a:endParaRPr kumimoji="0" lang="en-GB" sz="1800" b="0" i="0" u="none" strike="noStrike" cap="none" spc="0" normalizeH="0" dirty="0" smtClean="0">
-              <a:ln>
-                <a:noFill/>
-              </a:ln>
-              <a:solidFill>
-                <a:srgbClr val="000000"/>
-              </a:solidFill>
-              <a:effectLst/>
-              <a:uFillTx/>
-              <a:latin typeface="+mn-lt"/>
-              <a:ea typeface="+mn-ea"/>
-              <a:cs typeface="+mn-cs"/>
-              <a:sym typeface="Calibri"/>
-            </a:endParaRPr>
+              <a:t> then have</a:t>
+            </a:r>
           </a:p>
           <a:p>
             <a:pPr marL="0" marR="0" indent="0" algn="l" defTabSz="914400" rtl="0" fontAlgn="auto" latinLnBrk="0" hangingPunct="0">
@@ -12012,7 +11909,7 @@
           </a:ln>
           <a:extLst>
             <a:ext uri="{C572A759-6A51-4108-AA02-DFA0A04FC94B}">
-              <ma14:wrappingTextBoxFlag xmlns="" xmlns:m="http://schemas.openxmlformats.org/officeDocument/2006/math" xmlns:a14="http://schemas.microsoft.com/office/drawing/2010/main" xmlns:ma14="http://schemas.microsoft.com/office/mac/drawingml/2011/main" val="1"/>
+              <ma14:wrappingTextBoxFlag xmlns:ma14="http://schemas.microsoft.com/office/mac/drawingml/2011/main" xmlns:a14="http://schemas.microsoft.com/office/drawing/2010/main" xmlns:m="http://schemas.openxmlformats.org/officeDocument/2006/math" xmlns="" val="1"/>
             </a:ext>
           </a:extLst>
         </p:spPr>
@@ -12051,7 +11948,7 @@
           </a:ln>
           <a:extLst>
             <a:ext uri="{C572A759-6A51-4108-AA02-DFA0A04FC94B}">
-              <ma14:wrappingTextBoxFlag xmlns="" xmlns:m="http://schemas.openxmlformats.org/officeDocument/2006/math" xmlns:a14="http://schemas.microsoft.com/office/drawing/2010/main" xmlns:ma14="http://schemas.microsoft.com/office/mac/drawingml/2011/main" val="1"/>
+              <ma14:wrappingTextBoxFlag xmlns:ma14="http://schemas.microsoft.com/office/mac/drawingml/2011/main" xmlns:a14="http://schemas.microsoft.com/office/drawing/2010/main" xmlns:m="http://schemas.openxmlformats.org/officeDocument/2006/math" xmlns="" val="1"/>
             </a:ext>
           </a:extLst>
         </p:spPr>
@@ -12408,6 +12305,67 @@
                 <a:sym typeface="Calibri"/>
               </a:rPr>
               <a:t>MikeKSmith</a:t>
+            </a:r>
+            <a:endParaRPr kumimoji="0" lang="en-GB" sz="1800" b="0" i="0" u="none" strike="noStrike" cap="none" spc="0" normalizeH="0" baseline="0" dirty="0">
+              <a:ln>
+                <a:noFill/>
+              </a:ln>
+              <a:solidFill>
+                <a:srgbClr val="000000"/>
+              </a:solidFill>
+              <a:effectLst/>
+              <a:uFillTx/>
+              <a:latin typeface="+mn-lt"/>
+              <a:ea typeface="+mn-ea"/>
+              <a:cs typeface="+mn-cs"/>
+              <a:sym typeface="Calibri"/>
+            </a:endParaRPr>
+          </a:p>
+        </p:txBody>
+      </p:sp>
+      <p:sp>
+        <p:nvSpPr>
+          <p:cNvPr id="2" name="TextBox 1"/>
+          <p:cNvSpPr txBox="1"/>
+          <p:nvPr/>
+        </p:nvSpPr>
+        <p:spPr>
+          <a:xfrm>
+            <a:off x="179512" y="6228022"/>
+            <a:ext cx="4830808" cy="369330"/>
+          </a:xfrm>
+          <a:prstGeom prst="rect">
+            <a:avLst/>
+          </a:prstGeom>
+          <a:noFill/>
+          <a:ln w="12700" cap="flat">
+            <a:noFill/>
+            <a:miter lim="400000"/>
+          </a:ln>
+          <a:effectLst/>
+          <a:sp3d/>
+        </p:spPr>
+        <p:style>
+          <a:lnRef idx="0">
+            <a:scrgbClr r="0" g="0" b="0"/>
+          </a:lnRef>
+          <a:fillRef idx="0">
+            <a:scrgbClr r="0" g="0" b="0"/>
+          </a:fillRef>
+          <a:effectRef idx="0">
+            <a:scrgbClr r="0" g="0" b="0"/>
+          </a:effectRef>
+          <a:fontRef idx="none"/>
+        </p:style>
+        <p:txBody>
+          <a:bodyPr rot="0" spcFirstLastPara="1" vertOverflow="overflow" horzOverflow="overflow" vert="horz" wrap="none" lIns="45719" tIns="45719" rIns="45719" bIns="45719" numCol="1" spcCol="38100" rtlCol="0" anchor="t">
+            <a:spAutoFit/>
+          </a:bodyPr>
+          <a:lstStyle/>
+          <a:p>
+            <a:r>
+              <a:rPr lang="en-GB" dirty="0"/>
+              <a:t>https://github.com/MikeKSmith/RStudioConf2019</a:t>
             </a:r>
             <a:endParaRPr kumimoji="0" lang="en-GB" sz="1800" b="0" i="0" u="none" strike="noStrike" cap="none" spc="0" normalizeH="0" baseline="0" dirty="0">
               <a:ln>

--- a/The lazy and easily distracted report writer.pptx
+++ b/The lazy and easily distracted report writer.pptx
@@ -504,6 +504,2679 @@
 </p:notesMaster>
 </file>
 
+<file path=ppt/notesSlides/notesSlide1.xml><?xml version="1.0" encoding="utf-8"?>
+<p:notes xmlns:a="http://schemas.openxmlformats.org/drawingml/2006/main" xmlns:r="http://schemas.openxmlformats.org/officeDocument/2006/relationships" xmlns:p="http://schemas.openxmlformats.org/presentationml/2006/main">
+  <p:cSld>
+    <p:spTree>
+      <p:nvGrpSpPr>
+        <p:cNvPr id="1" name=""/>
+        <p:cNvGrpSpPr/>
+        <p:nvPr/>
+      </p:nvGrpSpPr>
+      <p:grpSpPr>
+        <a:xfrm>
+          <a:off x="0" y="0"/>
+          <a:ext cx="0" cy="0"/>
+          <a:chOff x="0" y="0"/>
+          <a:chExt cx="0" cy="0"/>
+        </a:xfrm>
+      </p:grpSpPr>
+      <p:sp>
+        <p:nvSpPr>
+          <p:cNvPr id="2" name="Slide Image Placeholder 1"/>
+          <p:cNvSpPr>
+            <a:spLocks noGrp="1" noRot="1" noChangeAspect="1"/>
+          </p:cNvSpPr>
+          <p:nvPr>
+            <p:ph type="sldImg"/>
+          </p:nvPr>
+        </p:nvSpPr>
+        <p:spPr/>
+      </p:sp>
+      <p:sp>
+        <p:nvSpPr>
+          <p:cNvPr id="3" name="Notes Placeholder 2"/>
+          <p:cNvSpPr>
+            <a:spLocks noGrp="1"/>
+          </p:cNvSpPr>
+          <p:nvPr>
+            <p:ph type="body" idx="1"/>
+          </p:nvPr>
+        </p:nvSpPr>
+        <p:spPr/>
+        <p:txBody>
+          <a:bodyPr/>
+          <a:lstStyle/>
+          <a:p>
+            <a:r>
+              <a:rPr lang="en-GB" dirty="0" smtClean="0"/>
+              <a:t>Thanks to the conference organisers</a:t>
+            </a:r>
+            <a:r>
+              <a:rPr lang="en-GB" baseline="0" dirty="0" smtClean="0"/>
+              <a:t> for inviting me to present today.</a:t>
+            </a:r>
+          </a:p>
+          <a:p>
+            <a:r>
+              <a:rPr lang="en-GB" baseline="0" dirty="0" smtClean="0"/>
+              <a:t>My name is Mike K Smith and I work for Pfizer R&amp;D UK Ltd in Sandwich, UK</a:t>
+            </a:r>
+          </a:p>
+          <a:p>
+            <a:endParaRPr lang="en-GB" baseline="0" dirty="0" smtClean="0"/>
+          </a:p>
+          <a:p>
+            <a:r>
+              <a:rPr lang="en-GB" baseline="0" dirty="0" smtClean="0"/>
+              <a:t>I’m going to talk to you today about being lazy and easily distracted, and how parameterised markdown reports can make life easier if you are similarly afflicted.</a:t>
+            </a:r>
+            <a:endParaRPr lang="en-GB" dirty="0"/>
+          </a:p>
+        </p:txBody>
+      </p:sp>
+    </p:spTree>
+    <p:extLst>
+      <p:ext uri="{BB962C8B-B14F-4D97-AF65-F5344CB8AC3E}">
+        <p14:creationId xmlns:p14="http://schemas.microsoft.com/office/powerpoint/2010/main" val="1222062068"/>
+      </p:ext>
+    </p:extLst>
+  </p:cSld>
+  <p:clrMapOvr>
+    <a:masterClrMapping/>
+  </p:clrMapOvr>
+</p:notes>
+</file>
+
+<file path=ppt/notesSlides/notesSlide10.xml><?xml version="1.0" encoding="utf-8"?>
+<p:notes xmlns:a="http://schemas.openxmlformats.org/drawingml/2006/main" xmlns:r="http://schemas.openxmlformats.org/officeDocument/2006/relationships" xmlns:p="http://schemas.openxmlformats.org/presentationml/2006/main">
+  <p:cSld>
+    <p:spTree>
+      <p:nvGrpSpPr>
+        <p:cNvPr id="1" name=""/>
+        <p:cNvGrpSpPr/>
+        <p:nvPr/>
+      </p:nvGrpSpPr>
+      <p:grpSpPr>
+        <a:xfrm>
+          <a:off x="0" y="0"/>
+          <a:ext cx="0" cy="0"/>
+          <a:chOff x="0" y="0"/>
+          <a:chExt cx="0" cy="0"/>
+        </a:xfrm>
+      </p:grpSpPr>
+      <p:sp>
+        <p:nvSpPr>
+          <p:cNvPr id="2" name="Slide Image Placeholder 1"/>
+          <p:cNvSpPr>
+            <a:spLocks noGrp="1" noRot="1" noChangeAspect="1"/>
+          </p:cNvSpPr>
+          <p:nvPr>
+            <p:ph type="sldImg"/>
+          </p:nvPr>
+        </p:nvSpPr>
+        <p:spPr/>
+      </p:sp>
+      <p:sp>
+        <p:nvSpPr>
+          <p:cNvPr id="3" name="Notes Placeholder 2"/>
+          <p:cNvSpPr>
+            <a:spLocks noGrp="1"/>
+          </p:cNvSpPr>
+          <p:nvPr>
+            <p:ph type="body" idx="1"/>
+          </p:nvPr>
+        </p:nvSpPr>
+        <p:spPr/>
+        <p:txBody>
+          <a:bodyPr/>
+          <a:lstStyle/>
+          <a:p>
+            <a:r>
+              <a:rPr lang="en-GB" dirty="0" smtClean="0"/>
+              <a:t>Then there may be some time to think carefully</a:t>
+            </a:r>
+            <a:r>
+              <a:rPr lang="en-GB" baseline="0" dirty="0" smtClean="0"/>
+              <a:t> and plan the next steps of my analysis</a:t>
+            </a:r>
+            <a:endParaRPr lang="en-GB" dirty="0"/>
+          </a:p>
+        </p:txBody>
+      </p:sp>
+    </p:spTree>
+    <p:extLst>
+      <p:ext uri="{BB962C8B-B14F-4D97-AF65-F5344CB8AC3E}">
+        <p14:creationId xmlns:p14="http://schemas.microsoft.com/office/powerpoint/2010/main" val="976780268"/>
+      </p:ext>
+    </p:extLst>
+  </p:cSld>
+  <p:clrMapOvr>
+    <a:masterClrMapping/>
+  </p:clrMapOvr>
+</p:notes>
+</file>
+
+<file path=ppt/notesSlides/notesSlide11.xml><?xml version="1.0" encoding="utf-8"?>
+<p:notes xmlns:a="http://schemas.openxmlformats.org/drawingml/2006/main" xmlns:r="http://schemas.openxmlformats.org/officeDocument/2006/relationships" xmlns:p="http://schemas.openxmlformats.org/presentationml/2006/main">
+  <p:cSld>
+    <p:spTree>
+      <p:nvGrpSpPr>
+        <p:cNvPr id="1" name=""/>
+        <p:cNvGrpSpPr/>
+        <p:nvPr/>
+      </p:nvGrpSpPr>
+      <p:grpSpPr>
+        <a:xfrm>
+          <a:off x="0" y="0"/>
+          <a:ext cx="0" cy="0"/>
+          <a:chOff x="0" y="0"/>
+          <a:chExt cx="0" cy="0"/>
+        </a:xfrm>
+      </p:grpSpPr>
+      <p:sp>
+        <p:nvSpPr>
+          <p:cNvPr id="2" name="Slide Image Placeholder 1"/>
+          <p:cNvSpPr>
+            <a:spLocks noGrp="1" noRot="1" noChangeAspect="1"/>
+          </p:cNvSpPr>
+          <p:nvPr>
+            <p:ph type="sldImg"/>
+          </p:nvPr>
+        </p:nvSpPr>
+        <p:spPr/>
+      </p:sp>
+      <p:sp>
+        <p:nvSpPr>
+          <p:cNvPr id="3" name="Notes Placeholder 2"/>
+          <p:cNvSpPr>
+            <a:spLocks noGrp="1"/>
+          </p:cNvSpPr>
+          <p:nvPr>
+            <p:ph type="body" idx="1"/>
+          </p:nvPr>
+        </p:nvSpPr>
+        <p:spPr/>
+        <p:txBody>
+          <a:bodyPr/>
+          <a:lstStyle/>
+          <a:p>
+            <a:r>
+              <a:rPr lang="en-GB" dirty="0" smtClean="0"/>
+              <a:t>Which may include revisiting the graphs I made earlier </a:t>
+            </a:r>
+          </a:p>
+          <a:p>
+            <a:endParaRPr lang="en-GB" dirty="0" smtClean="0"/>
+          </a:p>
+          <a:p>
+            <a:r>
+              <a:rPr lang="en-GB" dirty="0" smtClean="0"/>
+              <a:t>And perhaps fit a preliminary model to the data.</a:t>
+            </a:r>
+            <a:endParaRPr lang="en-GB" dirty="0"/>
+          </a:p>
+        </p:txBody>
+      </p:sp>
+    </p:spTree>
+    <p:extLst>
+      <p:ext uri="{BB962C8B-B14F-4D97-AF65-F5344CB8AC3E}">
+        <p14:creationId xmlns:p14="http://schemas.microsoft.com/office/powerpoint/2010/main" val="659470658"/>
+      </p:ext>
+    </p:extLst>
+  </p:cSld>
+  <p:clrMapOvr>
+    <a:masterClrMapping/>
+  </p:clrMapOvr>
+</p:notes>
+</file>
+
+<file path=ppt/notesSlides/notesSlide12.xml><?xml version="1.0" encoding="utf-8"?>
+<p:notes xmlns:a="http://schemas.openxmlformats.org/drawingml/2006/main" xmlns:r="http://schemas.openxmlformats.org/officeDocument/2006/relationships" xmlns:p="http://schemas.openxmlformats.org/presentationml/2006/main">
+  <p:cSld>
+    <p:spTree>
+      <p:nvGrpSpPr>
+        <p:cNvPr id="1" name=""/>
+        <p:cNvGrpSpPr/>
+        <p:nvPr/>
+      </p:nvGrpSpPr>
+      <p:grpSpPr>
+        <a:xfrm>
+          <a:off x="0" y="0"/>
+          <a:ext cx="0" cy="0"/>
+          <a:chOff x="0" y="0"/>
+          <a:chExt cx="0" cy="0"/>
+        </a:xfrm>
+      </p:grpSpPr>
+      <p:sp>
+        <p:nvSpPr>
+          <p:cNvPr id="2" name="Slide Image Placeholder 1"/>
+          <p:cNvSpPr>
+            <a:spLocks noGrp="1" noRot="1" noChangeAspect="1"/>
+          </p:cNvSpPr>
+          <p:nvPr>
+            <p:ph type="sldImg"/>
+          </p:nvPr>
+        </p:nvSpPr>
+        <p:spPr/>
+      </p:sp>
+      <p:sp>
+        <p:nvSpPr>
+          <p:cNvPr id="3" name="Notes Placeholder 2"/>
+          <p:cNvSpPr>
+            <a:spLocks noGrp="1"/>
+          </p:cNvSpPr>
+          <p:nvPr>
+            <p:ph type="body" idx="1"/>
+          </p:nvPr>
+        </p:nvSpPr>
+        <p:spPr/>
+        <p:txBody>
+          <a:bodyPr/>
+          <a:lstStyle/>
+          <a:p>
+            <a:r>
+              <a:rPr lang="en-GB" dirty="0" smtClean="0"/>
+              <a:t>The following day</a:t>
+            </a:r>
+            <a:r>
+              <a:rPr lang="en-GB" baseline="0" dirty="0" smtClean="0"/>
+              <a:t> I arrive at work to find an email saying that the team have found some issue with the data and have shared an updated version of the data.</a:t>
+            </a:r>
+          </a:p>
+          <a:p>
+            <a:r>
+              <a:rPr lang="en-GB" baseline="0" dirty="0" smtClean="0"/>
+              <a:t>Which is fine.</a:t>
+            </a:r>
+          </a:p>
+          <a:p>
+            <a:endParaRPr lang="en-GB" baseline="0" dirty="0" smtClean="0"/>
+          </a:p>
+          <a:p>
+            <a:r>
+              <a:rPr lang="en-GB" baseline="0" dirty="0" smtClean="0"/>
+              <a:t>So I change the input dataset and redo the analysis.</a:t>
+            </a:r>
+          </a:p>
+          <a:p>
+            <a:endParaRPr lang="en-GB" baseline="0" dirty="0" smtClean="0"/>
+          </a:p>
+          <a:p>
+            <a:r>
+              <a:rPr lang="en-GB" dirty="0" smtClean="0"/>
+              <a:t>Before I finish I check my results with the new dataset against those</a:t>
+            </a:r>
+            <a:r>
+              <a:rPr lang="en-GB" baseline="0" dirty="0" smtClean="0"/>
+              <a:t> from yesterday’s data to see what the impact was on inference.</a:t>
+            </a:r>
+            <a:endParaRPr lang="en-GB" dirty="0"/>
+          </a:p>
+        </p:txBody>
+      </p:sp>
+    </p:spTree>
+    <p:extLst>
+      <p:ext uri="{BB962C8B-B14F-4D97-AF65-F5344CB8AC3E}">
+        <p14:creationId xmlns:p14="http://schemas.microsoft.com/office/powerpoint/2010/main" val="2418398448"/>
+      </p:ext>
+    </p:extLst>
+  </p:cSld>
+  <p:clrMapOvr>
+    <a:masterClrMapping/>
+  </p:clrMapOvr>
+</p:notes>
+</file>
+
+<file path=ppt/notesSlides/notesSlide13.xml><?xml version="1.0" encoding="utf-8"?>
+<p:notes xmlns:a="http://schemas.openxmlformats.org/drawingml/2006/main" xmlns:r="http://schemas.openxmlformats.org/officeDocument/2006/relationships" xmlns:p="http://schemas.openxmlformats.org/presentationml/2006/main">
+  <p:cSld>
+    <p:spTree>
+      <p:nvGrpSpPr>
+        <p:cNvPr id="1" name=""/>
+        <p:cNvGrpSpPr/>
+        <p:nvPr/>
+      </p:nvGrpSpPr>
+      <p:grpSpPr>
+        <a:xfrm>
+          <a:off x="0" y="0"/>
+          <a:ext cx="0" cy="0"/>
+          <a:chOff x="0" y="0"/>
+          <a:chExt cx="0" cy="0"/>
+        </a:xfrm>
+      </p:grpSpPr>
+      <p:sp>
+        <p:nvSpPr>
+          <p:cNvPr id="2" name="Slide Image Placeholder 1"/>
+          <p:cNvSpPr>
+            <a:spLocks noGrp="1" noRot="1" noChangeAspect="1"/>
+          </p:cNvSpPr>
+          <p:nvPr>
+            <p:ph type="sldImg"/>
+          </p:nvPr>
+        </p:nvSpPr>
+        <p:spPr/>
+      </p:sp>
+      <p:sp>
+        <p:nvSpPr>
+          <p:cNvPr id="3" name="Notes Placeholder 2"/>
+          <p:cNvSpPr>
+            <a:spLocks noGrp="1"/>
+          </p:cNvSpPr>
+          <p:nvPr>
+            <p:ph type="body" idx="1"/>
+          </p:nvPr>
+        </p:nvSpPr>
+        <p:spPr/>
+        <p:txBody>
+          <a:bodyPr/>
+          <a:lstStyle/>
+          <a:p>
+            <a:r>
+              <a:rPr lang="en-GB" dirty="0" smtClean="0"/>
+              <a:t>I then have a discussion with my boss to brief him on what I’m</a:t>
+            </a:r>
+            <a:r>
+              <a:rPr lang="en-GB" baseline="0" dirty="0" smtClean="0"/>
+              <a:t> seeing and if all is well then I circulate the report…</a:t>
+            </a:r>
+          </a:p>
+          <a:p>
+            <a:endParaRPr lang="en-GB" baseline="0" dirty="0" smtClean="0"/>
+          </a:p>
+          <a:p>
+            <a:r>
+              <a:rPr lang="en-GB" baseline="0" dirty="0" smtClean="0"/>
+              <a:t>And we’re DONE.</a:t>
+            </a:r>
+          </a:p>
+          <a:p>
+            <a:endParaRPr lang="en-GB" baseline="0" dirty="0" smtClean="0"/>
+          </a:p>
+          <a:p>
+            <a:r>
+              <a:rPr lang="en-GB" baseline="0" dirty="0" smtClean="0"/>
+              <a:t>Hang on. Sorry. Were you distracted by the text in light grey? Yes? Ah, so it’s NOT just me then.</a:t>
+            </a:r>
+            <a:endParaRPr lang="en-GB" dirty="0"/>
+          </a:p>
+        </p:txBody>
+      </p:sp>
+    </p:spTree>
+    <p:extLst>
+      <p:ext uri="{BB962C8B-B14F-4D97-AF65-F5344CB8AC3E}">
+        <p14:creationId xmlns:p14="http://schemas.microsoft.com/office/powerpoint/2010/main" val="3787428507"/>
+      </p:ext>
+    </p:extLst>
+  </p:cSld>
+  <p:clrMapOvr>
+    <a:masterClrMapping/>
+  </p:clrMapOvr>
+</p:notes>
+</file>
+
+<file path=ppt/notesSlides/notesSlide14.xml><?xml version="1.0" encoding="utf-8"?>
+<p:notes xmlns:a="http://schemas.openxmlformats.org/drawingml/2006/main" xmlns:r="http://schemas.openxmlformats.org/officeDocument/2006/relationships" xmlns:p="http://schemas.openxmlformats.org/presentationml/2006/main">
+  <p:cSld>
+    <p:spTree>
+      <p:nvGrpSpPr>
+        <p:cNvPr id="1" name=""/>
+        <p:cNvGrpSpPr/>
+        <p:nvPr/>
+      </p:nvGrpSpPr>
+      <p:grpSpPr>
+        <a:xfrm>
+          <a:off x="0" y="0"/>
+          <a:ext cx="0" cy="0"/>
+          <a:chOff x="0" y="0"/>
+          <a:chExt cx="0" cy="0"/>
+        </a:xfrm>
+      </p:grpSpPr>
+      <p:sp>
+        <p:nvSpPr>
+          <p:cNvPr id="2" name="Slide Image Placeholder 1"/>
+          <p:cNvSpPr>
+            <a:spLocks noGrp="1" noRot="1" noChangeAspect="1"/>
+          </p:cNvSpPr>
+          <p:nvPr>
+            <p:ph type="sldImg"/>
+          </p:nvPr>
+        </p:nvSpPr>
+        <p:spPr/>
+      </p:sp>
+      <p:sp>
+        <p:nvSpPr>
+          <p:cNvPr id="3" name="Notes Placeholder 2"/>
+          <p:cNvSpPr>
+            <a:spLocks noGrp="1"/>
+          </p:cNvSpPr>
+          <p:nvPr>
+            <p:ph type="body" idx="1"/>
+          </p:nvPr>
+        </p:nvSpPr>
+        <p:spPr/>
+        <p:txBody>
+          <a:bodyPr/>
+          <a:lstStyle/>
+          <a:p>
+            <a:r>
+              <a:rPr lang="en-GB" dirty="0" smtClean="0"/>
+              <a:t>At this point I really should have a video clip of some tumbleweed,</a:t>
+            </a:r>
+            <a:r>
+              <a:rPr lang="en-GB" baseline="0" dirty="0" smtClean="0"/>
+              <a:t> because the project team I did this work for suddenly had competing priorities and my work was put on the back burner.</a:t>
+            </a:r>
+          </a:p>
+          <a:p>
+            <a:r>
+              <a:rPr lang="en-GB" baseline="0" dirty="0" smtClean="0"/>
+              <a:t>Like the REALLY back burner.</a:t>
+            </a:r>
+          </a:p>
+          <a:p>
+            <a:r>
+              <a:rPr lang="en-GB" baseline="0" dirty="0" smtClean="0"/>
+              <a:t>So back it’s probably in a different house. In a different country. In a locked room. With “Beware of the leopard” sign on the door.</a:t>
+            </a:r>
+          </a:p>
+          <a:p>
+            <a:endParaRPr lang="en-GB" baseline="0" dirty="0" smtClean="0"/>
+          </a:p>
+          <a:p>
+            <a:r>
+              <a:rPr lang="en-GB" baseline="0" dirty="0" smtClean="0"/>
+              <a:t>And at this point if they come back to me to ask about my analysis, I’m going to REALLY struggle to bring back to mind what I did 6 months ago.</a:t>
+            </a:r>
+          </a:p>
+          <a:p>
+            <a:endParaRPr lang="en-GB" dirty="0"/>
+          </a:p>
+        </p:txBody>
+      </p:sp>
+    </p:spTree>
+    <p:extLst>
+      <p:ext uri="{BB962C8B-B14F-4D97-AF65-F5344CB8AC3E}">
+        <p14:creationId xmlns:p14="http://schemas.microsoft.com/office/powerpoint/2010/main" val="2710593476"/>
+      </p:ext>
+    </p:extLst>
+  </p:cSld>
+  <p:clrMapOvr>
+    <a:masterClrMapping/>
+  </p:clrMapOvr>
+</p:notes>
+</file>
+
+<file path=ppt/notesSlides/notesSlide15.xml><?xml version="1.0" encoding="utf-8"?>
+<p:notes xmlns:a="http://schemas.openxmlformats.org/drawingml/2006/main" xmlns:r="http://schemas.openxmlformats.org/officeDocument/2006/relationships" xmlns:p="http://schemas.openxmlformats.org/presentationml/2006/main">
+  <p:cSld>
+    <p:spTree>
+      <p:nvGrpSpPr>
+        <p:cNvPr id="1" name=""/>
+        <p:cNvGrpSpPr/>
+        <p:nvPr/>
+      </p:nvGrpSpPr>
+      <p:grpSpPr>
+        <a:xfrm>
+          <a:off x="0" y="0"/>
+          <a:ext cx="0" cy="0"/>
+          <a:chOff x="0" y="0"/>
+          <a:chExt cx="0" cy="0"/>
+        </a:xfrm>
+      </p:grpSpPr>
+      <p:sp>
+        <p:nvSpPr>
+          <p:cNvPr id="2" name="Slide Image Placeholder 1"/>
+          <p:cNvSpPr>
+            <a:spLocks noGrp="1" noRot="1" noChangeAspect="1"/>
+          </p:cNvSpPr>
+          <p:nvPr>
+            <p:ph type="sldImg"/>
+          </p:nvPr>
+        </p:nvSpPr>
+        <p:spPr/>
+      </p:sp>
+      <p:sp>
+        <p:nvSpPr>
+          <p:cNvPr id="3" name="Notes Placeholder 2"/>
+          <p:cNvSpPr>
+            <a:spLocks noGrp="1"/>
+          </p:cNvSpPr>
+          <p:nvPr>
+            <p:ph type="body" idx="1"/>
+          </p:nvPr>
+        </p:nvSpPr>
+        <p:spPr/>
+        <p:txBody>
+          <a:bodyPr/>
+          <a:lstStyle/>
+          <a:p>
+            <a:r>
+              <a:rPr lang="en-GB" dirty="0" smtClean="0"/>
+              <a:t>So, to the rescue comes </a:t>
+            </a:r>
+            <a:r>
+              <a:rPr lang="en-GB" dirty="0" err="1" smtClean="0"/>
+              <a:t>rmarkdown</a:t>
+            </a:r>
+            <a:r>
+              <a:rPr lang="en-GB" dirty="0" smtClean="0"/>
+              <a:t> and notebooks.</a:t>
+            </a:r>
+            <a:endParaRPr lang="en-GB" dirty="0"/>
+          </a:p>
+        </p:txBody>
+      </p:sp>
+    </p:spTree>
+    <p:extLst>
+      <p:ext uri="{BB962C8B-B14F-4D97-AF65-F5344CB8AC3E}">
+        <p14:creationId xmlns:p14="http://schemas.microsoft.com/office/powerpoint/2010/main" val="2855465223"/>
+      </p:ext>
+    </p:extLst>
+  </p:cSld>
+  <p:clrMapOvr>
+    <a:masterClrMapping/>
+  </p:clrMapOvr>
+</p:notes>
+</file>
+
+<file path=ppt/notesSlides/notesSlide16.xml><?xml version="1.0" encoding="utf-8"?>
+<p:notes xmlns:a="http://schemas.openxmlformats.org/drawingml/2006/main" xmlns:r="http://schemas.openxmlformats.org/officeDocument/2006/relationships" xmlns:p="http://schemas.openxmlformats.org/presentationml/2006/main">
+  <p:cSld>
+    <p:spTree>
+      <p:nvGrpSpPr>
+        <p:cNvPr id="1" name=""/>
+        <p:cNvGrpSpPr/>
+        <p:nvPr/>
+      </p:nvGrpSpPr>
+      <p:grpSpPr>
+        <a:xfrm>
+          <a:off x="0" y="0"/>
+          <a:ext cx="0" cy="0"/>
+          <a:chOff x="0" y="0"/>
+          <a:chExt cx="0" cy="0"/>
+        </a:xfrm>
+      </p:grpSpPr>
+      <p:sp>
+        <p:nvSpPr>
+          <p:cNvPr id="2" name="Slide Image Placeholder 1"/>
+          <p:cNvSpPr>
+            <a:spLocks noGrp="1" noRot="1" noChangeAspect="1"/>
+          </p:cNvSpPr>
+          <p:nvPr>
+            <p:ph type="sldImg"/>
+          </p:nvPr>
+        </p:nvSpPr>
+        <p:spPr/>
+      </p:sp>
+      <p:sp>
+        <p:nvSpPr>
+          <p:cNvPr id="3" name="Notes Placeholder 2"/>
+          <p:cNvSpPr>
+            <a:spLocks noGrp="1"/>
+          </p:cNvSpPr>
+          <p:nvPr>
+            <p:ph type="body" idx="1"/>
+          </p:nvPr>
+        </p:nvSpPr>
+        <p:spPr/>
+        <p:txBody>
+          <a:bodyPr/>
+          <a:lstStyle/>
+          <a:p>
+            <a:r>
+              <a:rPr lang="en-GB" dirty="0" smtClean="0"/>
+              <a:t>First</a:t>
+            </a:r>
+            <a:r>
+              <a:rPr lang="en-GB" baseline="0" dirty="0" smtClean="0"/>
+              <a:t> rule of writing: who is your audience?</a:t>
+            </a:r>
+          </a:p>
+          <a:p>
+            <a:endParaRPr lang="en-GB" baseline="0" dirty="0" smtClean="0"/>
+          </a:p>
+          <a:p>
+            <a:r>
+              <a:rPr lang="en-GB" baseline="0" dirty="0" smtClean="0"/>
+              <a:t>Well in this case it was for the distracted version of me in the present. Notebooks allowed me to capture my thought process, code, outputs, assumptions, conclusions, To Do tasks, everything.</a:t>
+            </a:r>
+          </a:p>
+          <a:p>
+            <a:endParaRPr lang="en-GB" baseline="0" dirty="0" smtClean="0"/>
+          </a:p>
+          <a:p>
+            <a:r>
+              <a:rPr lang="en-GB" baseline="0" dirty="0" smtClean="0"/>
+              <a:t>And if I do a good job for me in the present, you just KNOW they’re going to be equally useful in 6 months time when I have to revisit this analysis and try to fathom just what it was that I was thinking back then.</a:t>
+            </a:r>
+          </a:p>
+          <a:p>
+            <a:endParaRPr lang="en-GB" baseline="0" dirty="0" smtClean="0"/>
+          </a:p>
+          <a:p>
+            <a:r>
+              <a:rPr lang="en-GB" baseline="0" dirty="0" smtClean="0"/>
+              <a:t>And there are some really nice features of markdown and </a:t>
+            </a:r>
+            <a:r>
+              <a:rPr lang="en-GB" baseline="0" dirty="0" err="1" smtClean="0"/>
+              <a:t>knitr</a:t>
+            </a:r>
+            <a:r>
+              <a:rPr lang="en-GB" baseline="0" dirty="0" smtClean="0"/>
+              <a:t> that allow me to tailor the report. </a:t>
+            </a:r>
+          </a:p>
+          <a:p>
+            <a:r>
+              <a:rPr lang="en-GB" baseline="0" dirty="0" smtClean="0"/>
+              <a:t>Quantitative folks might want to see the code – to review that what I’ve done and how – and they might also want to see more discussion around data transformations that I’ve done.</a:t>
+            </a:r>
+          </a:p>
+          <a:p>
+            <a:endParaRPr lang="en-GB" baseline="0" dirty="0" smtClean="0"/>
+          </a:p>
+          <a:p>
+            <a:r>
+              <a:rPr lang="en-GB" baseline="0" dirty="0" smtClean="0"/>
+              <a:t>But there may be non-quantitative folks who really don’t need to see detail, but just want to know the results to decide what to do next.</a:t>
+            </a:r>
+            <a:endParaRPr lang="en-GB" dirty="0"/>
+          </a:p>
+        </p:txBody>
+      </p:sp>
+    </p:spTree>
+    <p:extLst>
+      <p:ext uri="{BB962C8B-B14F-4D97-AF65-F5344CB8AC3E}">
+        <p14:creationId xmlns:p14="http://schemas.microsoft.com/office/powerpoint/2010/main" val="4077230238"/>
+      </p:ext>
+    </p:extLst>
+  </p:cSld>
+  <p:clrMapOvr>
+    <a:masterClrMapping/>
+  </p:clrMapOvr>
+</p:notes>
+</file>
+
+<file path=ppt/notesSlides/notesSlide17.xml><?xml version="1.0" encoding="utf-8"?>
+<p:notes xmlns:a="http://schemas.openxmlformats.org/drawingml/2006/main" xmlns:r="http://schemas.openxmlformats.org/officeDocument/2006/relationships" xmlns:p="http://schemas.openxmlformats.org/presentationml/2006/main">
+  <p:cSld>
+    <p:spTree>
+      <p:nvGrpSpPr>
+        <p:cNvPr id="1" name=""/>
+        <p:cNvGrpSpPr/>
+        <p:nvPr/>
+      </p:nvGrpSpPr>
+      <p:grpSpPr>
+        <a:xfrm>
+          <a:off x="0" y="0"/>
+          <a:ext cx="0" cy="0"/>
+          <a:chOff x="0" y="0"/>
+          <a:chExt cx="0" cy="0"/>
+        </a:xfrm>
+      </p:grpSpPr>
+      <p:sp>
+        <p:nvSpPr>
+          <p:cNvPr id="2" name="Slide Image Placeholder 1"/>
+          <p:cNvSpPr>
+            <a:spLocks noGrp="1" noRot="1" noChangeAspect="1"/>
+          </p:cNvSpPr>
+          <p:nvPr>
+            <p:ph type="sldImg"/>
+          </p:nvPr>
+        </p:nvSpPr>
+        <p:spPr/>
+      </p:sp>
+      <p:sp>
+        <p:nvSpPr>
+          <p:cNvPr id="3" name="Notes Placeholder 2"/>
+          <p:cNvSpPr>
+            <a:spLocks noGrp="1"/>
+          </p:cNvSpPr>
+          <p:nvPr>
+            <p:ph type="body" idx="1"/>
+          </p:nvPr>
+        </p:nvSpPr>
+        <p:spPr/>
+        <p:txBody>
+          <a:bodyPr/>
+          <a:lstStyle/>
+          <a:p>
+            <a:r>
+              <a:rPr lang="en-GB" dirty="0" smtClean="0"/>
+              <a:t>Now, a little word about the</a:t>
+            </a:r>
+            <a:r>
+              <a:rPr lang="en-GB" baseline="0" dirty="0" smtClean="0"/>
+              <a:t> notebook wars…</a:t>
+            </a:r>
+          </a:p>
+          <a:p>
+            <a:endParaRPr lang="en-GB" baseline="0" dirty="0" smtClean="0"/>
+          </a:p>
+          <a:p>
+            <a:r>
+              <a:rPr lang="en-GB" baseline="0" dirty="0" smtClean="0"/>
+              <a:t>Due to my inherent laziness, I’m shockingly bad at annotating my code in scripts, and notebooks keep me honest.</a:t>
+            </a:r>
+          </a:p>
+          <a:p>
+            <a:endParaRPr lang="en-GB" baseline="0" dirty="0" smtClean="0"/>
+          </a:p>
+          <a:p>
+            <a:r>
+              <a:rPr lang="en-GB" baseline="0" dirty="0" smtClean="0"/>
+              <a:t>Just to be clear, the advice here is just for using notebooks and </a:t>
+            </a:r>
+            <a:r>
+              <a:rPr lang="en-GB" baseline="0" dirty="0" err="1" smtClean="0"/>
+              <a:t>rmarkdown</a:t>
+            </a:r>
+            <a:r>
+              <a:rPr lang="en-GB" baseline="0" dirty="0" smtClean="0"/>
+              <a:t> for capturing ANALYSIS@</a:t>
+            </a:r>
+          </a:p>
+          <a:p>
+            <a:r>
+              <a:rPr lang="en-GB" baseline="0" dirty="0" smtClean="0"/>
+              <a:t>If you’re writing more comments than code, then use </a:t>
+            </a:r>
+            <a:r>
+              <a:rPr lang="en-GB" baseline="0" dirty="0" err="1" smtClean="0"/>
+              <a:t>rmarkdown</a:t>
+            </a:r>
+            <a:r>
+              <a:rPr lang="en-GB" baseline="0" dirty="0" smtClean="0"/>
+              <a:t> and notebooks.</a:t>
+            </a:r>
+          </a:p>
+          <a:p>
+            <a:r>
+              <a:rPr lang="en-GB" baseline="0" dirty="0" smtClean="0"/>
+              <a:t>If you’re writing more code than comments, then write more comments and use </a:t>
+            </a:r>
+            <a:r>
+              <a:rPr lang="en-GB" baseline="0" dirty="0" err="1" smtClean="0"/>
+              <a:t>rmarkdown</a:t>
+            </a:r>
+            <a:r>
+              <a:rPr lang="en-GB" baseline="0" dirty="0" smtClean="0"/>
+              <a:t> and notebooks.</a:t>
+            </a:r>
+          </a:p>
+        </p:txBody>
+      </p:sp>
+    </p:spTree>
+    <p:extLst>
+      <p:ext uri="{BB962C8B-B14F-4D97-AF65-F5344CB8AC3E}">
+        <p14:creationId xmlns:p14="http://schemas.microsoft.com/office/powerpoint/2010/main" val="1466351924"/>
+      </p:ext>
+    </p:extLst>
+  </p:cSld>
+  <p:clrMapOvr>
+    <a:masterClrMapping/>
+  </p:clrMapOvr>
+</p:notes>
+</file>
+
+<file path=ppt/notesSlides/notesSlide18.xml><?xml version="1.0" encoding="utf-8"?>
+<p:notes xmlns:a="http://schemas.openxmlformats.org/drawingml/2006/main" xmlns:r="http://schemas.openxmlformats.org/officeDocument/2006/relationships" xmlns:p="http://schemas.openxmlformats.org/presentationml/2006/main">
+  <p:cSld>
+    <p:spTree>
+      <p:nvGrpSpPr>
+        <p:cNvPr id="1" name=""/>
+        <p:cNvGrpSpPr/>
+        <p:nvPr/>
+      </p:nvGrpSpPr>
+      <p:grpSpPr>
+        <a:xfrm>
+          <a:off x="0" y="0"/>
+          <a:ext cx="0" cy="0"/>
+          <a:chOff x="0" y="0"/>
+          <a:chExt cx="0" cy="0"/>
+        </a:xfrm>
+      </p:grpSpPr>
+      <p:sp>
+        <p:nvSpPr>
+          <p:cNvPr id="2" name="Slide Image Placeholder 1"/>
+          <p:cNvSpPr>
+            <a:spLocks noGrp="1" noRot="1" noChangeAspect="1"/>
+          </p:cNvSpPr>
+          <p:nvPr>
+            <p:ph type="sldImg"/>
+          </p:nvPr>
+        </p:nvSpPr>
+        <p:spPr/>
+      </p:sp>
+      <p:sp>
+        <p:nvSpPr>
+          <p:cNvPr id="3" name="Notes Placeholder 2"/>
+          <p:cNvSpPr>
+            <a:spLocks noGrp="1"/>
+          </p:cNvSpPr>
+          <p:nvPr>
+            <p:ph type="body" idx="1"/>
+          </p:nvPr>
+        </p:nvSpPr>
+        <p:spPr/>
+        <p:txBody>
+          <a:bodyPr/>
+          <a:lstStyle/>
+          <a:p>
+            <a:r>
+              <a:rPr lang="en-GB" dirty="0" smtClean="0"/>
+              <a:t>I should also say at this point that while I was busy working on my exploratory</a:t>
+            </a:r>
+            <a:r>
+              <a:rPr lang="en-GB" baseline="0" dirty="0" smtClean="0"/>
+              <a:t> analysis for ONE endpoint, I just KNEW that I’d be asked to do the same for the other two endpoints.</a:t>
+            </a:r>
+            <a:endParaRPr lang="en-GB" dirty="0"/>
+          </a:p>
+        </p:txBody>
+      </p:sp>
+    </p:spTree>
+    <p:extLst>
+      <p:ext uri="{BB962C8B-B14F-4D97-AF65-F5344CB8AC3E}">
+        <p14:creationId xmlns:p14="http://schemas.microsoft.com/office/powerpoint/2010/main" val="3970231775"/>
+      </p:ext>
+    </p:extLst>
+  </p:cSld>
+  <p:clrMapOvr>
+    <a:masterClrMapping/>
+  </p:clrMapOvr>
+</p:notes>
+</file>
+
+<file path=ppt/notesSlides/notesSlide19.xml><?xml version="1.0" encoding="utf-8"?>
+<p:notes xmlns:a="http://schemas.openxmlformats.org/drawingml/2006/main" xmlns:r="http://schemas.openxmlformats.org/officeDocument/2006/relationships" xmlns:p="http://schemas.openxmlformats.org/presentationml/2006/main">
+  <p:cSld>
+    <p:spTree>
+      <p:nvGrpSpPr>
+        <p:cNvPr id="1" name=""/>
+        <p:cNvGrpSpPr/>
+        <p:nvPr/>
+      </p:nvGrpSpPr>
+      <p:grpSpPr>
+        <a:xfrm>
+          <a:off x="0" y="0"/>
+          <a:ext cx="0" cy="0"/>
+          <a:chOff x="0" y="0"/>
+          <a:chExt cx="0" cy="0"/>
+        </a:xfrm>
+      </p:grpSpPr>
+      <p:sp>
+        <p:nvSpPr>
+          <p:cNvPr id="2" name="Slide Image Placeholder 1"/>
+          <p:cNvSpPr>
+            <a:spLocks noGrp="1" noRot="1" noChangeAspect="1"/>
+          </p:cNvSpPr>
+          <p:nvPr>
+            <p:ph type="sldImg"/>
+          </p:nvPr>
+        </p:nvSpPr>
+        <p:spPr/>
+      </p:sp>
+      <p:sp>
+        <p:nvSpPr>
+          <p:cNvPr id="3" name="Notes Placeholder 2"/>
+          <p:cNvSpPr>
+            <a:spLocks noGrp="1"/>
+          </p:cNvSpPr>
+          <p:nvPr>
+            <p:ph type="body" idx="1"/>
+          </p:nvPr>
+        </p:nvSpPr>
+        <p:spPr/>
+        <p:txBody>
+          <a:bodyPr/>
+          <a:lstStyle/>
+          <a:p>
+            <a:r>
+              <a:rPr lang="en-GB" dirty="0" smtClean="0"/>
+              <a:t>Which brings</a:t>
+            </a:r>
+            <a:r>
+              <a:rPr lang="en-GB" baseline="0" dirty="0" smtClean="0"/>
+              <a:t> us to the “Rule of three”.</a:t>
+            </a:r>
+          </a:p>
+          <a:p>
+            <a:endParaRPr lang="en-GB" baseline="0" dirty="0" smtClean="0"/>
+          </a:p>
+          <a:p>
+            <a:r>
+              <a:rPr lang="en-GB" baseline="0" dirty="0" smtClean="0"/>
+              <a:t>Now, pop quiz: What do you do if you find yourself copying and pasting code more than 3 times?</a:t>
+            </a:r>
+          </a:p>
+          <a:p>
+            <a:r>
+              <a:rPr lang="en-GB" baseline="0" dirty="0" smtClean="0"/>
+              <a:t>Yep. Write and use a function.</a:t>
+            </a:r>
+          </a:p>
+          <a:p>
+            <a:endParaRPr lang="en-GB" baseline="0" dirty="0" smtClean="0"/>
+          </a:p>
+          <a:p>
+            <a:r>
+              <a:rPr lang="en-GB" baseline="0" dirty="0" smtClean="0"/>
+              <a:t>But what do you do if you have to perform an analysis across more than 3 endpoints?</a:t>
+            </a:r>
+          </a:p>
+          <a:p>
+            <a:r>
+              <a:rPr lang="en-GB" baseline="0" dirty="0" smtClean="0"/>
+              <a:t>Yes, that’s right. Use parameterised reports.</a:t>
+            </a:r>
+            <a:endParaRPr lang="en-GB" dirty="0"/>
+          </a:p>
+        </p:txBody>
+      </p:sp>
+    </p:spTree>
+    <p:extLst>
+      <p:ext uri="{BB962C8B-B14F-4D97-AF65-F5344CB8AC3E}">
+        <p14:creationId xmlns:p14="http://schemas.microsoft.com/office/powerpoint/2010/main" val="1903299681"/>
+      </p:ext>
+    </p:extLst>
+  </p:cSld>
+  <p:clrMapOvr>
+    <a:masterClrMapping/>
+  </p:clrMapOvr>
+</p:notes>
+</file>
+
+<file path=ppt/notesSlides/notesSlide2.xml><?xml version="1.0" encoding="utf-8"?>
+<p:notes xmlns:a="http://schemas.openxmlformats.org/drawingml/2006/main" xmlns:r="http://schemas.openxmlformats.org/officeDocument/2006/relationships" xmlns:p="http://schemas.openxmlformats.org/presentationml/2006/main">
+  <p:cSld>
+    <p:spTree>
+      <p:nvGrpSpPr>
+        <p:cNvPr id="1" name=""/>
+        <p:cNvGrpSpPr/>
+        <p:nvPr/>
+      </p:nvGrpSpPr>
+      <p:grpSpPr>
+        <a:xfrm>
+          <a:off x="0" y="0"/>
+          <a:ext cx="0" cy="0"/>
+          <a:chOff x="0" y="0"/>
+          <a:chExt cx="0" cy="0"/>
+        </a:xfrm>
+      </p:grpSpPr>
+      <p:sp>
+        <p:nvSpPr>
+          <p:cNvPr id="2" name="Slide Image Placeholder 1"/>
+          <p:cNvSpPr>
+            <a:spLocks noGrp="1" noRot="1" noChangeAspect="1"/>
+          </p:cNvSpPr>
+          <p:nvPr>
+            <p:ph type="sldImg"/>
+          </p:nvPr>
+        </p:nvSpPr>
+        <p:spPr/>
+      </p:sp>
+      <p:sp>
+        <p:nvSpPr>
+          <p:cNvPr id="3" name="Notes Placeholder 2"/>
+          <p:cNvSpPr>
+            <a:spLocks noGrp="1"/>
+          </p:cNvSpPr>
+          <p:nvPr>
+            <p:ph type="body" idx="1"/>
+          </p:nvPr>
+        </p:nvSpPr>
+        <p:spPr/>
+        <p:txBody>
+          <a:bodyPr/>
+          <a:lstStyle/>
+          <a:p>
+            <a:r>
+              <a:rPr lang="en-GB" dirty="0" smtClean="0"/>
+              <a:t>As a summary</a:t>
+            </a:r>
+            <a:r>
+              <a:rPr lang="en-GB" baseline="0" dirty="0" smtClean="0"/>
+              <a:t> of this presentation and partly as a disclaimer</a:t>
+            </a:r>
+          </a:p>
+          <a:p>
+            <a:r>
+              <a:rPr lang="en-GB" baseline="0" dirty="0" smtClean="0"/>
+              <a:t>I used </a:t>
+            </a:r>
+            <a:r>
+              <a:rPr lang="en-GB" baseline="0" dirty="0" err="1" smtClean="0"/>
+              <a:t>rmarkdown</a:t>
+            </a:r>
+            <a:r>
+              <a:rPr lang="en-GB" baseline="0" dirty="0" smtClean="0"/>
+              <a:t> notebooks to write up an exploratory data analysis which was shared to a drug development team consisting of both quantitative viewers – the statistician, the clinical pharmacologists (which included my manager) and also non-quantitative or potentially non-quantitative folks such as the clinician on the team.</a:t>
+            </a:r>
+          </a:p>
+          <a:p>
+            <a:endParaRPr lang="en-GB" baseline="0" dirty="0" smtClean="0"/>
+          </a:p>
+          <a:p>
+            <a:r>
+              <a:rPr lang="en-GB" baseline="0" dirty="0" smtClean="0"/>
+              <a:t>The analysis I’m presenting today is NOT that analysis, because of confidentiality of data, but what I WILL show has very similar attributes.</a:t>
+            </a:r>
+            <a:endParaRPr lang="en-GB" dirty="0"/>
+          </a:p>
+        </p:txBody>
+      </p:sp>
+    </p:spTree>
+    <p:extLst>
+      <p:ext uri="{BB962C8B-B14F-4D97-AF65-F5344CB8AC3E}">
+        <p14:creationId xmlns:p14="http://schemas.microsoft.com/office/powerpoint/2010/main" val="1455491980"/>
+      </p:ext>
+    </p:extLst>
+  </p:cSld>
+  <p:clrMapOvr>
+    <a:masterClrMapping/>
+  </p:clrMapOvr>
+</p:notes>
+</file>
+
+<file path=ppt/notesSlides/notesSlide20.xml><?xml version="1.0" encoding="utf-8"?>
+<p:notes xmlns:a="http://schemas.openxmlformats.org/drawingml/2006/main" xmlns:r="http://schemas.openxmlformats.org/officeDocument/2006/relationships" xmlns:p="http://schemas.openxmlformats.org/presentationml/2006/main">
+  <p:cSld>
+    <p:spTree>
+      <p:nvGrpSpPr>
+        <p:cNvPr id="1" name=""/>
+        <p:cNvGrpSpPr/>
+        <p:nvPr/>
+      </p:nvGrpSpPr>
+      <p:grpSpPr>
+        <a:xfrm>
+          <a:off x="0" y="0"/>
+          <a:ext cx="0" cy="0"/>
+          <a:chOff x="0" y="0"/>
+          <a:chExt cx="0" cy="0"/>
+        </a:xfrm>
+      </p:grpSpPr>
+      <p:sp>
+        <p:nvSpPr>
+          <p:cNvPr id="2" name="Slide Image Placeholder 1"/>
+          <p:cNvSpPr>
+            <a:spLocks noGrp="1" noRot="1" noChangeAspect="1"/>
+          </p:cNvSpPr>
+          <p:nvPr>
+            <p:ph type="sldImg"/>
+          </p:nvPr>
+        </p:nvSpPr>
+        <p:spPr/>
+      </p:sp>
+      <p:sp>
+        <p:nvSpPr>
+          <p:cNvPr id="3" name="Notes Placeholder 2"/>
+          <p:cNvSpPr>
+            <a:spLocks noGrp="1"/>
+          </p:cNvSpPr>
+          <p:nvPr>
+            <p:ph type="body" idx="1"/>
+          </p:nvPr>
+        </p:nvSpPr>
+        <p:spPr/>
+        <p:txBody>
+          <a:bodyPr/>
+          <a:lstStyle/>
+          <a:p>
+            <a:r>
+              <a:rPr lang="en-GB" dirty="0" smtClean="0"/>
+              <a:t>Before we</a:t>
+            </a:r>
+            <a:r>
+              <a:rPr lang="en-GB" baseline="0" dirty="0" smtClean="0"/>
+              <a:t> go further, let’s turn back to XKCD to get Randall Munroe’s advice about automation.</a:t>
+            </a:r>
+          </a:p>
+          <a:p>
+            <a:endParaRPr lang="en-GB" baseline="0" dirty="0" smtClean="0"/>
+          </a:p>
+          <a:p>
+            <a:r>
+              <a:rPr lang="en-GB" baseline="0" dirty="0" smtClean="0"/>
+              <a:t>In THEORY it ought to save us time in the long run if we spend some time automating the task.</a:t>
+            </a:r>
+          </a:p>
+          <a:p>
+            <a:endParaRPr lang="en-GB" baseline="0" dirty="0" smtClean="0"/>
+          </a:p>
+          <a:p>
+            <a:r>
+              <a:rPr lang="en-GB" baseline="0" dirty="0" smtClean="0"/>
+              <a:t>But the reality might be slightly different…</a:t>
+            </a:r>
+            <a:endParaRPr lang="en-GB" dirty="0"/>
+          </a:p>
+        </p:txBody>
+      </p:sp>
+    </p:spTree>
+    <p:extLst>
+      <p:ext uri="{BB962C8B-B14F-4D97-AF65-F5344CB8AC3E}">
+        <p14:creationId xmlns:p14="http://schemas.microsoft.com/office/powerpoint/2010/main" val="2911182578"/>
+      </p:ext>
+    </p:extLst>
+  </p:cSld>
+  <p:clrMapOvr>
+    <a:masterClrMapping/>
+  </p:clrMapOvr>
+</p:notes>
+</file>
+
+<file path=ppt/notesSlides/notesSlide21.xml><?xml version="1.0" encoding="utf-8"?>
+<p:notes xmlns:a="http://schemas.openxmlformats.org/drawingml/2006/main" xmlns:r="http://schemas.openxmlformats.org/officeDocument/2006/relationships" xmlns:p="http://schemas.openxmlformats.org/presentationml/2006/main">
+  <p:cSld>
+    <p:spTree>
+      <p:nvGrpSpPr>
+        <p:cNvPr id="1" name=""/>
+        <p:cNvGrpSpPr/>
+        <p:nvPr/>
+      </p:nvGrpSpPr>
+      <p:grpSpPr>
+        <a:xfrm>
+          <a:off x="0" y="0"/>
+          <a:ext cx="0" cy="0"/>
+          <a:chOff x="0" y="0"/>
+          <a:chExt cx="0" cy="0"/>
+        </a:xfrm>
+      </p:grpSpPr>
+      <p:sp>
+        <p:nvSpPr>
+          <p:cNvPr id="2" name="Slide Image Placeholder 1"/>
+          <p:cNvSpPr>
+            <a:spLocks noGrp="1" noRot="1" noChangeAspect="1"/>
+          </p:cNvSpPr>
+          <p:nvPr>
+            <p:ph type="sldImg"/>
+          </p:nvPr>
+        </p:nvSpPr>
+        <p:spPr/>
+      </p:sp>
+      <p:sp>
+        <p:nvSpPr>
+          <p:cNvPr id="3" name="Notes Placeholder 2"/>
+          <p:cNvSpPr>
+            <a:spLocks noGrp="1"/>
+          </p:cNvSpPr>
+          <p:nvPr>
+            <p:ph type="body" idx="1"/>
+          </p:nvPr>
+        </p:nvSpPr>
+        <p:spPr/>
+        <p:txBody>
+          <a:bodyPr/>
+          <a:lstStyle/>
+          <a:p>
+            <a:r>
+              <a:rPr lang="en-GB" dirty="0" smtClean="0"/>
+              <a:t>What makes parameterised reports work is the specification of the parameters in the YAML header.</a:t>
+            </a:r>
+          </a:p>
+          <a:p>
+            <a:r>
+              <a:rPr lang="en-GB" dirty="0" smtClean="0"/>
+              <a:t>We need to define the parameters, what they are called and if they have any default values.</a:t>
+            </a:r>
+          </a:p>
+          <a:p>
+            <a:endParaRPr lang="en-GB" dirty="0" smtClean="0"/>
+          </a:p>
+          <a:p>
+            <a:r>
+              <a:rPr lang="en-GB" dirty="0" smtClean="0"/>
+              <a:t>So in this report I</a:t>
+            </a:r>
+            <a:r>
+              <a:rPr lang="en-GB" baseline="0" dirty="0" smtClean="0"/>
+              <a:t> have a parameter called endpoint which will take the name of each possible endpoint for analysis.</a:t>
+            </a:r>
+          </a:p>
+          <a:p>
+            <a:r>
+              <a:rPr lang="en-GB" baseline="0" dirty="0" smtClean="0"/>
+              <a:t>You can see another option here which is to specify the unique choices for the endpoint.</a:t>
+            </a:r>
+          </a:p>
+          <a:p>
+            <a:endParaRPr lang="en-GB" baseline="0" dirty="0" smtClean="0"/>
+          </a:p>
+          <a:p>
+            <a:r>
+              <a:rPr lang="en-GB" baseline="0" dirty="0" smtClean="0"/>
+              <a:t>And I’ve also specified a </a:t>
+            </a:r>
+            <a:r>
+              <a:rPr lang="en-GB" baseline="0" dirty="0" err="1" smtClean="0"/>
+              <a:t>boolean</a:t>
+            </a:r>
+            <a:r>
+              <a:rPr lang="en-GB" baseline="0" dirty="0" smtClean="0"/>
+              <a:t> that allows me to control whether the report is for a quantitative audience or not.</a:t>
+            </a:r>
+            <a:endParaRPr lang="en-GB" dirty="0"/>
+          </a:p>
+        </p:txBody>
+      </p:sp>
+    </p:spTree>
+    <p:extLst>
+      <p:ext uri="{BB962C8B-B14F-4D97-AF65-F5344CB8AC3E}">
+        <p14:creationId xmlns:p14="http://schemas.microsoft.com/office/powerpoint/2010/main" val="276591125"/>
+      </p:ext>
+    </p:extLst>
+  </p:cSld>
+  <p:clrMapOvr>
+    <a:masterClrMapping/>
+  </p:clrMapOvr>
+</p:notes>
+</file>
+
+<file path=ppt/notesSlides/notesSlide22.xml><?xml version="1.0" encoding="utf-8"?>
+<p:notes xmlns:a="http://schemas.openxmlformats.org/drawingml/2006/main" xmlns:r="http://schemas.openxmlformats.org/officeDocument/2006/relationships" xmlns:p="http://schemas.openxmlformats.org/presentationml/2006/main">
+  <p:cSld>
+    <p:spTree>
+      <p:nvGrpSpPr>
+        <p:cNvPr id="1" name=""/>
+        <p:cNvGrpSpPr/>
+        <p:nvPr/>
+      </p:nvGrpSpPr>
+      <p:grpSpPr>
+        <a:xfrm>
+          <a:off x="0" y="0"/>
+          <a:ext cx="0" cy="0"/>
+          <a:chOff x="0" y="0"/>
+          <a:chExt cx="0" cy="0"/>
+        </a:xfrm>
+      </p:grpSpPr>
+      <p:sp>
+        <p:nvSpPr>
+          <p:cNvPr id="2" name="Slide Image Placeholder 1"/>
+          <p:cNvSpPr>
+            <a:spLocks noGrp="1" noRot="1" noChangeAspect="1"/>
+          </p:cNvSpPr>
+          <p:nvPr>
+            <p:ph type="sldImg"/>
+          </p:nvPr>
+        </p:nvSpPr>
+        <p:spPr/>
+      </p:sp>
+      <p:sp>
+        <p:nvSpPr>
+          <p:cNvPr id="3" name="Notes Placeholder 2"/>
+          <p:cNvSpPr>
+            <a:spLocks noGrp="1"/>
+          </p:cNvSpPr>
+          <p:nvPr>
+            <p:ph type="body" idx="1"/>
+          </p:nvPr>
+        </p:nvSpPr>
+        <p:spPr/>
+        <p:txBody>
+          <a:bodyPr/>
+          <a:lstStyle/>
+          <a:p>
+            <a:r>
+              <a:rPr lang="en-GB" dirty="0" smtClean="0"/>
+              <a:t>Then, when I knit</a:t>
+            </a:r>
+            <a:r>
+              <a:rPr lang="en-GB" baseline="0" dirty="0" smtClean="0"/>
+              <a:t> and render this report I can choose to knit with parameters </a:t>
+            </a:r>
+            <a:endParaRPr lang="en-GB" dirty="0"/>
+          </a:p>
+        </p:txBody>
+      </p:sp>
+    </p:spTree>
+    <p:extLst>
+      <p:ext uri="{BB962C8B-B14F-4D97-AF65-F5344CB8AC3E}">
+        <p14:creationId xmlns:p14="http://schemas.microsoft.com/office/powerpoint/2010/main" val="2956011542"/>
+      </p:ext>
+    </p:extLst>
+  </p:cSld>
+  <p:clrMapOvr>
+    <a:masterClrMapping/>
+  </p:clrMapOvr>
+</p:notes>
+</file>
+
+<file path=ppt/notesSlides/notesSlide23.xml><?xml version="1.0" encoding="utf-8"?>
+<p:notes xmlns:a="http://schemas.openxmlformats.org/drawingml/2006/main" xmlns:r="http://schemas.openxmlformats.org/officeDocument/2006/relationships" xmlns:p="http://schemas.openxmlformats.org/presentationml/2006/main">
+  <p:cSld>
+    <p:spTree>
+      <p:nvGrpSpPr>
+        <p:cNvPr id="1" name=""/>
+        <p:cNvGrpSpPr/>
+        <p:nvPr/>
+      </p:nvGrpSpPr>
+      <p:grpSpPr>
+        <a:xfrm>
+          <a:off x="0" y="0"/>
+          <a:ext cx="0" cy="0"/>
+          <a:chOff x="0" y="0"/>
+          <a:chExt cx="0" cy="0"/>
+        </a:xfrm>
+      </p:grpSpPr>
+      <p:sp>
+        <p:nvSpPr>
+          <p:cNvPr id="2" name="Slide Image Placeholder 1"/>
+          <p:cNvSpPr>
+            <a:spLocks noGrp="1" noRot="1" noChangeAspect="1"/>
+          </p:cNvSpPr>
+          <p:nvPr>
+            <p:ph type="sldImg"/>
+          </p:nvPr>
+        </p:nvSpPr>
+        <p:spPr/>
+      </p:sp>
+      <p:sp>
+        <p:nvSpPr>
+          <p:cNvPr id="3" name="Notes Placeholder 2"/>
+          <p:cNvSpPr>
+            <a:spLocks noGrp="1"/>
+          </p:cNvSpPr>
+          <p:nvPr>
+            <p:ph type="body" idx="1"/>
+          </p:nvPr>
+        </p:nvSpPr>
+        <p:spPr/>
+        <p:txBody>
+          <a:bodyPr/>
+          <a:lstStyle/>
+          <a:p>
+            <a:r>
+              <a:rPr lang="en-GB" dirty="0" smtClean="0"/>
+              <a:t>Which pops up a window</a:t>
+            </a:r>
+            <a:r>
+              <a:rPr lang="en-GB" baseline="0" dirty="0" smtClean="0"/>
+              <a:t> allowing me to select the parameters to be used in that render.</a:t>
+            </a:r>
+          </a:p>
+          <a:p>
+            <a:endParaRPr lang="en-GB" baseline="0" dirty="0" smtClean="0"/>
+          </a:p>
+          <a:p>
+            <a:r>
+              <a:rPr lang="en-GB" baseline="0" dirty="0" smtClean="0"/>
+              <a:t>I can also do this at the command line by passing in a list of parameter values as arguments to the render function.</a:t>
+            </a:r>
+            <a:endParaRPr lang="en-GB" dirty="0"/>
+          </a:p>
+        </p:txBody>
+      </p:sp>
+    </p:spTree>
+    <p:extLst>
+      <p:ext uri="{BB962C8B-B14F-4D97-AF65-F5344CB8AC3E}">
+        <p14:creationId xmlns:p14="http://schemas.microsoft.com/office/powerpoint/2010/main" val="2549064413"/>
+      </p:ext>
+    </p:extLst>
+  </p:cSld>
+  <p:clrMapOvr>
+    <a:masterClrMapping/>
+  </p:clrMapOvr>
+</p:notes>
+</file>
+
+<file path=ppt/notesSlides/notesSlide24.xml><?xml version="1.0" encoding="utf-8"?>
+<p:notes xmlns:a="http://schemas.openxmlformats.org/drawingml/2006/main" xmlns:r="http://schemas.openxmlformats.org/officeDocument/2006/relationships" xmlns:p="http://schemas.openxmlformats.org/presentationml/2006/main">
+  <p:cSld>
+    <p:spTree>
+      <p:nvGrpSpPr>
+        <p:cNvPr id="1" name=""/>
+        <p:cNvGrpSpPr/>
+        <p:nvPr/>
+      </p:nvGrpSpPr>
+      <p:grpSpPr>
+        <a:xfrm>
+          <a:off x="0" y="0"/>
+          <a:ext cx="0" cy="0"/>
+          <a:chOff x="0" y="0"/>
+          <a:chExt cx="0" cy="0"/>
+        </a:xfrm>
+      </p:grpSpPr>
+      <p:sp>
+        <p:nvSpPr>
+          <p:cNvPr id="2" name="Slide Image Placeholder 1"/>
+          <p:cNvSpPr>
+            <a:spLocks noGrp="1" noRot="1" noChangeAspect="1"/>
+          </p:cNvSpPr>
+          <p:nvPr>
+            <p:ph type="sldImg"/>
+          </p:nvPr>
+        </p:nvSpPr>
+        <p:spPr/>
+      </p:sp>
+      <p:sp>
+        <p:nvSpPr>
+          <p:cNvPr id="3" name="Notes Placeholder 2"/>
+          <p:cNvSpPr>
+            <a:spLocks noGrp="1"/>
+          </p:cNvSpPr>
+          <p:nvPr>
+            <p:ph type="body" idx="1"/>
+          </p:nvPr>
+        </p:nvSpPr>
+        <p:spPr/>
+        <p:txBody>
+          <a:bodyPr/>
+          <a:lstStyle/>
+          <a:p>
+            <a:r>
+              <a:rPr lang="en-GB" dirty="0" smtClean="0"/>
+              <a:t>Now the good thing is that we can use</a:t>
+            </a:r>
+            <a:r>
+              <a:rPr lang="en-GB" baseline="0" dirty="0" smtClean="0"/>
+              <a:t> the parameter throughout the markdown</a:t>
+            </a:r>
+          </a:p>
+          <a:p>
+            <a:r>
+              <a:rPr lang="en-GB" baseline="0" dirty="0" smtClean="0"/>
+              <a:t>Like here where I’ve used it in the markdown text, in the title for my plot, and as an axis label.</a:t>
+            </a:r>
+            <a:endParaRPr lang="en-GB" dirty="0"/>
+          </a:p>
+        </p:txBody>
+      </p:sp>
+    </p:spTree>
+    <p:extLst>
+      <p:ext uri="{BB962C8B-B14F-4D97-AF65-F5344CB8AC3E}">
+        <p14:creationId xmlns:p14="http://schemas.microsoft.com/office/powerpoint/2010/main" val="1932610262"/>
+      </p:ext>
+    </p:extLst>
+  </p:cSld>
+  <p:clrMapOvr>
+    <a:masterClrMapping/>
+  </p:clrMapOvr>
+</p:notes>
+</file>
+
+<file path=ppt/notesSlides/notesSlide25.xml><?xml version="1.0" encoding="utf-8"?>
+<p:notes xmlns:a="http://schemas.openxmlformats.org/drawingml/2006/main" xmlns:r="http://schemas.openxmlformats.org/officeDocument/2006/relationships" xmlns:p="http://schemas.openxmlformats.org/presentationml/2006/main">
+  <p:cSld>
+    <p:spTree>
+      <p:nvGrpSpPr>
+        <p:cNvPr id="1" name=""/>
+        <p:cNvGrpSpPr/>
+        <p:nvPr/>
+      </p:nvGrpSpPr>
+      <p:grpSpPr>
+        <a:xfrm>
+          <a:off x="0" y="0"/>
+          <a:ext cx="0" cy="0"/>
+          <a:chOff x="0" y="0"/>
+          <a:chExt cx="0" cy="0"/>
+        </a:xfrm>
+      </p:grpSpPr>
+      <p:sp>
+        <p:nvSpPr>
+          <p:cNvPr id="2" name="Slide Image Placeholder 1"/>
+          <p:cNvSpPr>
+            <a:spLocks noGrp="1" noRot="1" noChangeAspect="1"/>
+          </p:cNvSpPr>
+          <p:nvPr>
+            <p:ph type="sldImg"/>
+          </p:nvPr>
+        </p:nvSpPr>
+        <p:spPr/>
+      </p:sp>
+      <p:sp>
+        <p:nvSpPr>
+          <p:cNvPr id="3" name="Notes Placeholder 2"/>
+          <p:cNvSpPr>
+            <a:spLocks noGrp="1"/>
+          </p:cNvSpPr>
+          <p:nvPr>
+            <p:ph type="body" idx="1"/>
+          </p:nvPr>
+        </p:nvSpPr>
+        <p:spPr/>
+        <p:txBody>
+          <a:bodyPr/>
+          <a:lstStyle/>
+          <a:p>
+            <a:r>
+              <a:rPr lang="en-GB" dirty="0" smtClean="0"/>
+              <a:t>I</a:t>
+            </a:r>
+            <a:r>
+              <a:rPr lang="en-GB" baseline="0" dirty="0" smtClean="0"/>
+              <a:t> can also use the parameters in chunk settings so control what does and doesn’t happen in the rendering of my report.</a:t>
+            </a:r>
+          </a:p>
+          <a:p>
+            <a:endParaRPr lang="en-GB" baseline="0" dirty="0" smtClean="0"/>
+          </a:p>
+          <a:p>
+            <a:r>
+              <a:rPr lang="en-GB" baseline="0" dirty="0" smtClean="0"/>
+              <a:t>So here, if the audience is NOT quantitative then I’m going to hide all my code in the report.</a:t>
+            </a:r>
+            <a:endParaRPr lang="en-GB" dirty="0"/>
+          </a:p>
+        </p:txBody>
+      </p:sp>
+    </p:spTree>
+    <p:extLst>
+      <p:ext uri="{BB962C8B-B14F-4D97-AF65-F5344CB8AC3E}">
+        <p14:creationId xmlns:p14="http://schemas.microsoft.com/office/powerpoint/2010/main" val="4003740058"/>
+      </p:ext>
+    </p:extLst>
+  </p:cSld>
+  <p:clrMapOvr>
+    <a:masterClrMapping/>
+  </p:clrMapOvr>
+</p:notes>
+</file>
+
+<file path=ppt/notesSlides/notesSlide26.xml><?xml version="1.0" encoding="utf-8"?>
+<p:notes xmlns:a="http://schemas.openxmlformats.org/drawingml/2006/main" xmlns:r="http://schemas.openxmlformats.org/officeDocument/2006/relationships" xmlns:p="http://schemas.openxmlformats.org/presentationml/2006/main">
+  <p:cSld>
+    <p:spTree>
+      <p:nvGrpSpPr>
+        <p:cNvPr id="1" name=""/>
+        <p:cNvGrpSpPr/>
+        <p:nvPr/>
+      </p:nvGrpSpPr>
+      <p:grpSpPr>
+        <a:xfrm>
+          <a:off x="0" y="0"/>
+          <a:ext cx="0" cy="0"/>
+          <a:chOff x="0" y="0"/>
+          <a:chExt cx="0" cy="0"/>
+        </a:xfrm>
+      </p:grpSpPr>
+      <p:sp>
+        <p:nvSpPr>
+          <p:cNvPr id="2" name="Slide Image Placeholder 1"/>
+          <p:cNvSpPr>
+            <a:spLocks noGrp="1" noRot="1" noChangeAspect="1"/>
+          </p:cNvSpPr>
+          <p:nvPr>
+            <p:ph type="sldImg"/>
+          </p:nvPr>
+        </p:nvSpPr>
+        <p:spPr/>
+      </p:sp>
+      <p:sp>
+        <p:nvSpPr>
+          <p:cNvPr id="3" name="Notes Placeholder 2"/>
+          <p:cNvSpPr>
+            <a:spLocks noGrp="1"/>
+          </p:cNvSpPr>
+          <p:nvPr>
+            <p:ph type="body" idx="1"/>
+          </p:nvPr>
+        </p:nvSpPr>
+        <p:spPr/>
+        <p:txBody>
+          <a:bodyPr/>
+          <a:lstStyle/>
+          <a:p>
+            <a:r>
+              <a:rPr lang="en-GB" dirty="0" smtClean="0"/>
+              <a:t>I can also rename columns in my data from the endpoint</a:t>
+            </a:r>
+            <a:r>
+              <a:rPr lang="en-GB" baseline="0" dirty="0" smtClean="0"/>
+              <a:t> name to something generic that I can use in subsequent analysis steps for summarising and fitting models.</a:t>
+            </a:r>
+          </a:p>
+          <a:p>
+            <a:endParaRPr lang="en-GB" baseline="0" dirty="0" smtClean="0"/>
+          </a:p>
+          <a:p>
+            <a:r>
+              <a:rPr lang="en-GB" baseline="0" dirty="0" smtClean="0"/>
+              <a:t>I can control which chunks are run </a:t>
+            </a:r>
+          </a:p>
+          <a:p>
+            <a:endParaRPr lang="en-GB" baseline="0" dirty="0" smtClean="0"/>
+          </a:p>
+          <a:p>
+            <a:r>
+              <a:rPr lang="en-GB" baseline="0" dirty="0" smtClean="0"/>
+              <a:t>And also pull in text from child documents to tailor the report for a given audience.</a:t>
+            </a:r>
+            <a:endParaRPr lang="en-GB" dirty="0"/>
+          </a:p>
+        </p:txBody>
+      </p:sp>
+    </p:spTree>
+    <p:extLst>
+      <p:ext uri="{BB962C8B-B14F-4D97-AF65-F5344CB8AC3E}">
+        <p14:creationId xmlns:p14="http://schemas.microsoft.com/office/powerpoint/2010/main" val="3324254394"/>
+      </p:ext>
+    </p:extLst>
+  </p:cSld>
+  <p:clrMapOvr>
+    <a:masterClrMapping/>
+  </p:clrMapOvr>
+</p:notes>
+</file>
+
+<file path=ppt/notesSlides/notesSlide27.xml><?xml version="1.0" encoding="utf-8"?>
+<p:notes xmlns:a="http://schemas.openxmlformats.org/drawingml/2006/main" xmlns:r="http://schemas.openxmlformats.org/officeDocument/2006/relationships" xmlns:p="http://schemas.openxmlformats.org/presentationml/2006/main">
+  <p:cSld>
+    <p:spTree>
+      <p:nvGrpSpPr>
+        <p:cNvPr id="1" name=""/>
+        <p:cNvGrpSpPr/>
+        <p:nvPr/>
+      </p:nvGrpSpPr>
+      <p:grpSpPr>
+        <a:xfrm>
+          <a:off x="0" y="0"/>
+          <a:ext cx="0" cy="0"/>
+          <a:chOff x="0" y="0"/>
+          <a:chExt cx="0" cy="0"/>
+        </a:xfrm>
+      </p:grpSpPr>
+      <p:sp>
+        <p:nvSpPr>
+          <p:cNvPr id="2" name="Slide Image Placeholder 1"/>
+          <p:cNvSpPr>
+            <a:spLocks noGrp="1" noRot="1" noChangeAspect="1"/>
+          </p:cNvSpPr>
+          <p:nvPr>
+            <p:ph type="sldImg"/>
+          </p:nvPr>
+        </p:nvSpPr>
+        <p:spPr/>
+      </p:sp>
+      <p:sp>
+        <p:nvSpPr>
+          <p:cNvPr id="3" name="Notes Placeholder 2"/>
+          <p:cNvSpPr>
+            <a:spLocks noGrp="1"/>
+          </p:cNvSpPr>
+          <p:nvPr>
+            <p:ph type="body" idx="1"/>
+          </p:nvPr>
+        </p:nvSpPr>
+        <p:spPr/>
+        <p:txBody>
+          <a:bodyPr/>
+          <a:lstStyle/>
+          <a:p>
+            <a:r>
+              <a:rPr lang="en-GB" dirty="0" smtClean="0"/>
+              <a:t>So here’s what it might look like for a quantitative audience.</a:t>
+            </a:r>
+          </a:p>
+          <a:p>
+            <a:endParaRPr lang="en-GB" dirty="0" smtClean="0"/>
+          </a:p>
+          <a:p>
+            <a:r>
+              <a:rPr lang="en-GB" dirty="0" smtClean="0"/>
+              <a:t>I’m now showing code</a:t>
+            </a:r>
+          </a:p>
+          <a:p>
+            <a:endParaRPr lang="en-GB" dirty="0" smtClean="0"/>
+          </a:p>
+          <a:p>
+            <a:r>
+              <a:rPr lang="en-GB" dirty="0" smtClean="0"/>
+              <a:t>I’m running a chunk to show the data</a:t>
+            </a:r>
+          </a:p>
+          <a:p>
+            <a:endParaRPr lang="en-GB" dirty="0" smtClean="0"/>
+          </a:p>
+          <a:p>
+            <a:r>
+              <a:rPr lang="en-GB" dirty="0" smtClean="0"/>
+              <a:t>And I’m including a block of text from the child document to explain my data manipulations.</a:t>
+            </a:r>
+            <a:endParaRPr lang="en-GB" dirty="0"/>
+          </a:p>
+        </p:txBody>
+      </p:sp>
+    </p:spTree>
+    <p:extLst>
+      <p:ext uri="{BB962C8B-B14F-4D97-AF65-F5344CB8AC3E}">
+        <p14:creationId xmlns:p14="http://schemas.microsoft.com/office/powerpoint/2010/main" val="3358907573"/>
+      </p:ext>
+    </p:extLst>
+  </p:cSld>
+  <p:clrMapOvr>
+    <a:masterClrMapping/>
+  </p:clrMapOvr>
+</p:notes>
+</file>
+
+<file path=ppt/notesSlides/notesSlide28.xml><?xml version="1.0" encoding="utf-8"?>
+<p:notes xmlns:a="http://schemas.openxmlformats.org/drawingml/2006/main" xmlns:r="http://schemas.openxmlformats.org/officeDocument/2006/relationships" xmlns:p="http://schemas.openxmlformats.org/presentationml/2006/main">
+  <p:cSld>
+    <p:spTree>
+      <p:nvGrpSpPr>
+        <p:cNvPr id="1" name=""/>
+        <p:cNvGrpSpPr/>
+        <p:nvPr/>
+      </p:nvGrpSpPr>
+      <p:grpSpPr>
+        <a:xfrm>
+          <a:off x="0" y="0"/>
+          <a:ext cx="0" cy="0"/>
+          <a:chOff x="0" y="0"/>
+          <a:chExt cx="0" cy="0"/>
+        </a:xfrm>
+      </p:grpSpPr>
+      <p:sp>
+        <p:nvSpPr>
+          <p:cNvPr id="2" name="Slide Image Placeholder 1"/>
+          <p:cNvSpPr>
+            <a:spLocks noGrp="1" noRot="1" noChangeAspect="1"/>
+          </p:cNvSpPr>
+          <p:nvPr>
+            <p:ph type="sldImg"/>
+          </p:nvPr>
+        </p:nvSpPr>
+        <p:spPr/>
+      </p:sp>
+      <p:sp>
+        <p:nvSpPr>
+          <p:cNvPr id="3" name="Notes Placeholder 2"/>
+          <p:cNvSpPr>
+            <a:spLocks noGrp="1"/>
+          </p:cNvSpPr>
+          <p:nvPr>
+            <p:ph type="body" idx="1"/>
+          </p:nvPr>
+        </p:nvSpPr>
+        <p:spPr/>
+        <p:txBody>
+          <a:bodyPr/>
+          <a:lstStyle/>
+          <a:p>
+            <a:r>
+              <a:rPr lang="en-GB" dirty="0" smtClean="0"/>
+              <a:t>Now if I push this report to </a:t>
+            </a:r>
+            <a:r>
+              <a:rPr lang="en-GB" dirty="0" err="1" smtClean="0"/>
+              <a:t>Rstudio</a:t>
+            </a:r>
+            <a:r>
+              <a:rPr lang="en-GB" dirty="0" smtClean="0"/>
+              <a:t> Connect, then I can compile</a:t>
+            </a:r>
+            <a:r>
+              <a:rPr lang="en-GB" baseline="0" dirty="0" smtClean="0"/>
+              <a:t> the report ON THE SERVER using different parameter sets</a:t>
+            </a:r>
+          </a:p>
+          <a:p>
+            <a:endParaRPr lang="en-GB" baseline="0" dirty="0" smtClean="0"/>
+          </a:p>
+          <a:p>
+            <a:r>
+              <a:rPr lang="en-GB" baseline="0" dirty="0" smtClean="0"/>
+              <a:t>And then have “pre-rendered” reports for the different endpoints and for difference audiences.</a:t>
+            </a:r>
+            <a:endParaRPr lang="en-GB" dirty="0"/>
+          </a:p>
+        </p:txBody>
+      </p:sp>
+    </p:spTree>
+    <p:extLst>
+      <p:ext uri="{BB962C8B-B14F-4D97-AF65-F5344CB8AC3E}">
+        <p14:creationId xmlns:p14="http://schemas.microsoft.com/office/powerpoint/2010/main" val="506587952"/>
+      </p:ext>
+    </p:extLst>
+  </p:cSld>
+  <p:clrMapOvr>
+    <a:masterClrMapping/>
+  </p:clrMapOvr>
+</p:notes>
+</file>
+
+<file path=ppt/notesSlides/notesSlide29.xml><?xml version="1.0" encoding="utf-8"?>
+<p:notes xmlns:a="http://schemas.openxmlformats.org/drawingml/2006/main" xmlns:r="http://schemas.openxmlformats.org/officeDocument/2006/relationships" xmlns:p="http://schemas.openxmlformats.org/presentationml/2006/main">
+  <p:cSld>
+    <p:spTree>
+      <p:nvGrpSpPr>
+        <p:cNvPr id="1" name=""/>
+        <p:cNvGrpSpPr/>
+        <p:nvPr/>
+      </p:nvGrpSpPr>
+      <p:grpSpPr>
+        <a:xfrm>
+          <a:off x="0" y="0"/>
+          <a:ext cx="0" cy="0"/>
+          <a:chOff x="0" y="0"/>
+          <a:chExt cx="0" cy="0"/>
+        </a:xfrm>
+      </p:grpSpPr>
+      <p:sp>
+        <p:nvSpPr>
+          <p:cNvPr id="2" name="Slide Image Placeholder 1"/>
+          <p:cNvSpPr>
+            <a:spLocks noGrp="1" noRot="1" noChangeAspect="1"/>
+          </p:cNvSpPr>
+          <p:nvPr>
+            <p:ph type="sldImg"/>
+          </p:nvPr>
+        </p:nvSpPr>
+        <p:spPr/>
+      </p:sp>
+      <p:sp>
+        <p:nvSpPr>
+          <p:cNvPr id="3" name="Notes Placeholder 2"/>
+          <p:cNvSpPr>
+            <a:spLocks noGrp="1"/>
+          </p:cNvSpPr>
+          <p:nvPr>
+            <p:ph type="body" idx="1"/>
+          </p:nvPr>
+        </p:nvSpPr>
+        <p:spPr/>
+        <p:txBody>
+          <a:bodyPr/>
+          <a:lstStyle/>
+          <a:p>
+            <a:r>
+              <a:rPr lang="en-GB" dirty="0" smtClean="0"/>
+              <a:t>Of course,</a:t>
+            </a:r>
+            <a:r>
+              <a:rPr lang="en-GB" baseline="0" dirty="0" smtClean="0"/>
+              <a:t> as XKCD points out, if you automate to this level you have to be a bit careful.</a:t>
+            </a:r>
+          </a:p>
+          <a:p>
+            <a:endParaRPr lang="en-GB" baseline="0" dirty="0" smtClean="0"/>
+          </a:p>
+          <a:p>
+            <a:r>
+              <a:rPr lang="en-GB" baseline="0" dirty="0" smtClean="0"/>
+              <a:t>So if, in some other case, you had to tailor your analysis to allow for non-continuous outcomes, then you might have to condition chunks depending on the value of the endpoint parameter.</a:t>
+            </a:r>
+          </a:p>
+          <a:p>
+            <a:endParaRPr lang="en-GB" baseline="0" dirty="0" smtClean="0"/>
+          </a:p>
+          <a:p>
+            <a:r>
+              <a:rPr lang="en-GB" baseline="0" dirty="0" smtClean="0"/>
+              <a:t>And also, if it’s an automated report then you may have to include some defensive programming to catch cases where the analysis doesn’t go as planned and provide sensible reporting.</a:t>
+            </a:r>
+          </a:p>
+          <a:p>
+            <a:endParaRPr lang="en-GB" dirty="0" smtClean="0"/>
+          </a:p>
+          <a:p>
+            <a:endParaRPr lang="en-GB" dirty="0"/>
+          </a:p>
+        </p:txBody>
+      </p:sp>
+    </p:spTree>
+    <p:extLst>
+      <p:ext uri="{BB962C8B-B14F-4D97-AF65-F5344CB8AC3E}">
+        <p14:creationId xmlns:p14="http://schemas.microsoft.com/office/powerpoint/2010/main" val="2703056165"/>
+      </p:ext>
+    </p:extLst>
+  </p:cSld>
+  <p:clrMapOvr>
+    <a:masterClrMapping/>
+  </p:clrMapOvr>
+</p:notes>
+</file>
+
+<file path=ppt/notesSlides/notesSlide3.xml><?xml version="1.0" encoding="utf-8"?>
+<p:notes xmlns:a="http://schemas.openxmlformats.org/drawingml/2006/main" xmlns:r="http://schemas.openxmlformats.org/officeDocument/2006/relationships" xmlns:p="http://schemas.openxmlformats.org/presentationml/2006/main">
+  <p:cSld>
+    <p:spTree>
+      <p:nvGrpSpPr>
+        <p:cNvPr id="1" name=""/>
+        <p:cNvGrpSpPr/>
+        <p:nvPr/>
+      </p:nvGrpSpPr>
+      <p:grpSpPr>
+        <a:xfrm>
+          <a:off x="0" y="0"/>
+          <a:ext cx="0" cy="0"/>
+          <a:chOff x="0" y="0"/>
+          <a:chExt cx="0" cy="0"/>
+        </a:xfrm>
+      </p:grpSpPr>
+      <p:sp>
+        <p:nvSpPr>
+          <p:cNvPr id="2" name="Slide Image Placeholder 1"/>
+          <p:cNvSpPr>
+            <a:spLocks noGrp="1" noRot="1" noChangeAspect="1"/>
+          </p:cNvSpPr>
+          <p:nvPr>
+            <p:ph type="sldImg"/>
+          </p:nvPr>
+        </p:nvSpPr>
+        <p:spPr/>
+      </p:sp>
+      <p:sp>
+        <p:nvSpPr>
+          <p:cNvPr id="3" name="Notes Placeholder 2"/>
+          <p:cNvSpPr>
+            <a:spLocks noGrp="1"/>
+          </p:cNvSpPr>
+          <p:nvPr>
+            <p:ph type="body" idx="1"/>
+          </p:nvPr>
+        </p:nvSpPr>
+        <p:spPr/>
+        <p:txBody>
+          <a:bodyPr/>
+          <a:lstStyle/>
+          <a:p>
+            <a:r>
+              <a:rPr lang="en-GB" dirty="0" smtClean="0"/>
+              <a:t>Here’s a quote from Chris Atherton,</a:t>
+            </a:r>
+            <a:r>
+              <a:rPr lang="en-GB" baseline="0" dirty="0" smtClean="0"/>
+              <a:t> who has a PhD in neuroscience and was until fairly recently an academic working in the field of cognitive load.</a:t>
+            </a:r>
+          </a:p>
+          <a:p>
+            <a:r>
+              <a:rPr lang="en-GB" baseline="0" dirty="0" smtClean="0"/>
+              <a:t>She was making this point about all brains, but I felt that in particular it described me very well…</a:t>
+            </a:r>
+          </a:p>
+        </p:txBody>
+      </p:sp>
+    </p:spTree>
+    <p:extLst>
+      <p:ext uri="{BB962C8B-B14F-4D97-AF65-F5344CB8AC3E}">
+        <p14:creationId xmlns:p14="http://schemas.microsoft.com/office/powerpoint/2010/main" val="1064367940"/>
+      </p:ext>
+    </p:extLst>
+  </p:cSld>
+  <p:clrMapOvr>
+    <a:masterClrMapping/>
+  </p:clrMapOvr>
+</p:notes>
+</file>
+
+<file path=ppt/notesSlides/notesSlide30.xml><?xml version="1.0" encoding="utf-8"?>
+<p:notes xmlns:a="http://schemas.openxmlformats.org/drawingml/2006/main" xmlns:r="http://schemas.openxmlformats.org/officeDocument/2006/relationships" xmlns:p="http://schemas.openxmlformats.org/presentationml/2006/main">
+  <p:cSld>
+    <p:spTree>
+      <p:nvGrpSpPr>
+        <p:cNvPr id="1" name=""/>
+        <p:cNvGrpSpPr/>
+        <p:nvPr/>
+      </p:nvGrpSpPr>
+      <p:grpSpPr>
+        <a:xfrm>
+          <a:off x="0" y="0"/>
+          <a:ext cx="0" cy="0"/>
+          <a:chOff x="0" y="0"/>
+          <a:chExt cx="0" cy="0"/>
+        </a:xfrm>
+      </p:grpSpPr>
+      <p:sp>
+        <p:nvSpPr>
+          <p:cNvPr id="2" name="Slide Image Placeholder 1"/>
+          <p:cNvSpPr>
+            <a:spLocks noGrp="1" noRot="1" noChangeAspect="1"/>
+          </p:cNvSpPr>
+          <p:nvPr>
+            <p:ph type="sldImg"/>
+          </p:nvPr>
+        </p:nvSpPr>
+        <p:spPr/>
+      </p:sp>
+      <p:sp>
+        <p:nvSpPr>
+          <p:cNvPr id="3" name="Notes Placeholder 2"/>
+          <p:cNvSpPr>
+            <a:spLocks noGrp="1"/>
+          </p:cNvSpPr>
+          <p:nvPr>
+            <p:ph type="body" idx="1"/>
+          </p:nvPr>
+        </p:nvSpPr>
+        <p:spPr/>
+        <p:txBody>
+          <a:bodyPr/>
+          <a:lstStyle/>
+          <a:p>
+            <a:r>
+              <a:rPr lang="en-GB" dirty="0" smtClean="0"/>
+              <a:t>And</a:t>
+            </a:r>
+            <a:r>
+              <a:rPr lang="en-GB" baseline="0" dirty="0" smtClean="0"/>
+              <a:t> you should also bear in mind that the amount of time you take to implement all of this may not provide a good return on investment.</a:t>
+            </a:r>
+          </a:p>
+          <a:p>
+            <a:r>
+              <a:rPr lang="en-GB" baseline="0" dirty="0" smtClean="0"/>
+              <a:t>Even over five years.</a:t>
+            </a:r>
+          </a:p>
+          <a:p>
+            <a:endParaRPr lang="en-GB" baseline="0" dirty="0" smtClean="0"/>
+          </a:p>
+          <a:p>
+            <a:r>
+              <a:rPr lang="en-GB" baseline="0" dirty="0" smtClean="0"/>
+              <a:t>But you might get a half-decent conference talk out of it.</a:t>
+            </a:r>
+            <a:endParaRPr lang="en-GB" dirty="0"/>
+          </a:p>
+        </p:txBody>
+      </p:sp>
+    </p:spTree>
+    <p:extLst>
+      <p:ext uri="{BB962C8B-B14F-4D97-AF65-F5344CB8AC3E}">
+        <p14:creationId xmlns:p14="http://schemas.microsoft.com/office/powerpoint/2010/main" val="3071618151"/>
+      </p:ext>
+    </p:extLst>
+  </p:cSld>
+  <p:clrMapOvr>
+    <a:masterClrMapping/>
+  </p:clrMapOvr>
+</p:notes>
+</file>
+
+<file path=ppt/notesSlides/notesSlide31.xml><?xml version="1.0" encoding="utf-8"?>
+<p:notes xmlns:a="http://schemas.openxmlformats.org/drawingml/2006/main" xmlns:r="http://schemas.openxmlformats.org/officeDocument/2006/relationships" xmlns:p="http://schemas.openxmlformats.org/presentationml/2006/main">
+  <p:cSld>
+    <p:spTree>
+      <p:nvGrpSpPr>
+        <p:cNvPr id="1" name=""/>
+        <p:cNvGrpSpPr/>
+        <p:nvPr/>
+      </p:nvGrpSpPr>
+      <p:grpSpPr>
+        <a:xfrm>
+          <a:off x="0" y="0"/>
+          <a:ext cx="0" cy="0"/>
+          <a:chOff x="0" y="0"/>
+          <a:chExt cx="0" cy="0"/>
+        </a:xfrm>
+      </p:grpSpPr>
+      <p:sp>
+        <p:nvSpPr>
+          <p:cNvPr id="2" name="Slide Image Placeholder 1"/>
+          <p:cNvSpPr>
+            <a:spLocks noGrp="1" noRot="1" noChangeAspect="1"/>
+          </p:cNvSpPr>
+          <p:nvPr>
+            <p:ph type="sldImg"/>
+          </p:nvPr>
+        </p:nvSpPr>
+        <p:spPr/>
+      </p:sp>
+      <p:sp>
+        <p:nvSpPr>
+          <p:cNvPr id="3" name="Notes Placeholder 2"/>
+          <p:cNvSpPr>
+            <a:spLocks noGrp="1"/>
+          </p:cNvSpPr>
+          <p:nvPr>
+            <p:ph type="body" idx="1"/>
+          </p:nvPr>
+        </p:nvSpPr>
+        <p:spPr/>
+        <p:txBody>
+          <a:bodyPr/>
+          <a:lstStyle/>
+          <a:p>
+            <a:r>
+              <a:rPr lang="en-GB" dirty="0" smtClean="0"/>
+              <a:t>So</a:t>
+            </a:r>
+            <a:r>
+              <a:rPr lang="en-GB" baseline="0" dirty="0" smtClean="0"/>
+              <a:t> thanks for your attention</a:t>
+            </a:r>
+            <a:endParaRPr lang="en-GB" dirty="0"/>
+          </a:p>
+        </p:txBody>
+      </p:sp>
+    </p:spTree>
+    <p:extLst>
+      <p:ext uri="{BB962C8B-B14F-4D97-AF65-F5344CB8AC3E}">
+        <p14:creationId xmlns:p14="http://schemas.microsoft.com/office/powerpoint/2010/main" val="2280301718"/>
+      </p:ext>
+    </p:extLst>
+  </p:cSld>
+  <p:clrMapOvr>
+    <a:masterClrMapping/>
+  </p:clrMapOvr>
+</p:notes>
+</file>
+
+<file path=ppt/notesSlides/notesSlide4.xml><?xml version="1.0" encoding="utf-8"?>
+<p:notes xmlns:a="http://schemas.openxmlformats.org/drawingml/2006/main" xmlns:r="http://schemas.openxmlformats.org/officeDocument/2006/relationships" xmlns:p="http://schemas.openxmlformats.org/presentationml/2006/main">
+  <p:cSld>
+    <p:spTree>
+      <p:nvGrpSpPr>
+        <p:cNvPr id="1" name=""/>
+        <p:cNvGrpSpPr/>
+        <p:nvPr/>
+      </p:nvGrpSpPr>
+      <p:grpSpPr>
+        <a:xfrm>
+          <a:off x="0" y="0"/>
+          <a:ext cx="0" cy="0"/>
+          <a:chOff x="0" y="0"/>
+          <a:chExt cx="0" cy="0"/>
+        </a:xfrm>
+      </p:grpSpPr>
+      <p:sp>
+        <p:nvSpPr>
+          <p:cNvPr id="2" name="Slide Image Placeholder 1"/>
+          <p:cNvSpPr>
+            <a:spLocks noGrp="1" noRot="1" noChangeAspect="1"/>
+          </p:cNvSpPr>
+          <p:nvPr>
+            <p:ph type="sldImg"/>
+          </p:nvPr>
+        </p:nvSpPr>
+        <p:spPr/>
+      </p:sp>
+      <p:sp>
+        <p:nvSpPr>
+          <p:cNvPr id="3" name="Notes Placeholder 2"/>
+          <p:cNvSpPr>
+            <a:spLocks noGrp="1"/>
+          </p:cNvSpPr>
+          <p:nvPr>
+            <p:ph type="body" idx="1"/>
+          </p:nvPr>
+        </p:nvSpPr>
+        <p:spPr/>
+        <p:txBody>
+          <a:bodyPr/>
+          <a:lstStyle/>
+          <a:p>
+            <a:r>
+              <a:rPr lang="en-GB" dirty="0" smtClean="0"/>
+              <a:t>To illustrate this</a:t>
+            </a:r>
+            <a:r>
+              <a:rPr lang="en-GB" baseline="0" dirty="0" smtClean="0"/>
+              <a:t> point, let me show you some cutlery drawers.</a:t>
+            </a:r>
+          </a:p>
+          <a:p>
+            <a:r>
+              <a:rPr lang="en-GB" baseline="0" dirty="0" smtClean="0"/>
+              <a:t>These are cutlery drawers of some folks that you might encounter at this conference and they were shared on Twitter and they sparked a debate about cutlery drawer organisation…</a:t>
+            </a:r>
+          </a:p>
+          <a:p>
+            <a:r>
+              <a:rPr lang="en-GB" baseline="0" dirty="0" smtClean="0"/>
+              <a:t>Do knives go on the left, or right, do you parse out large and small forks and spoons. That kind of thing.</a:t>
+            </a:r>
+            <a:endParaRPr lang="en-GB" dirty="0"/>
+          </a:p>
+        </p:txBody>
+      </p:sp>
+    </p:spTree>
+    <p:extLst>
+      <p:ext uri="{BB962C8B-B14F-4D97-AF65-F5344CB8AC3E}">
+        <p14:creationId xmlns:p14="http://schemas.microsoft.com/office/powerpoint/2010/main" val="3748723547"/>
+      </p:ext>
+    </p:extLst>
+  </p:cSld>
+  <p:clrMapOvr>
+    <a:masterClrMapping/>
+  </p:clrMapOvr>
+</p:notes>
+</file>
+
+<file path=ppt/notesSlides/notesSlide5.xml><?xml version="1.0" encoding="utf-8"?>
+<p:notes xmlns:a="http://schemas.openxmlformats.org/drawingml/2006/main" xmlns:r="http://schemas.openxmlformats.org/officeDocument/2006/relationships" xmlns:p="http://schemas.openxmlformats.org/presentationml/2006/main">
+  <p:cSld>
+    <p:spTree>
+      <p:nvGrpSpPr>
+        <p:cNvPr id="1" name=""/>
+        <p:cNvGrpSpPr/>
+        <p:nvPr/>
+      </p:nvGrpSpPr>
+      <p:grpSpPr>
+        <a:xfrm>
+          <a:off x="0" y="0"/>
+          <a:ext cx="0" cy="0"/>
+          <a:chOff x="0" y="0"/>
+          <a:chExt cx="0" cy="0"/>
+        </a:xfrm>
+      </p:grpSpPr>
+      <p:sp>
+        <p:nvSpPr>
+          <p:cNvPr id="2" name="Slide Image Placeholder 1"/>
+          <p:cNvSpPr>
+            <a:spLocks noGrp="1" noRot="1" noChangeAspect="1"/>
+          </p:cNvSpPr>
+          <p:nvPr>
+            <p:ph type="sldImg"/>
+          </p:nvPr>
+        </p:nvSpPr>
+        <p:spPr/>
+      </p:sp>
+      <p:sp>
+        <p:nvSpPr>
+          <p:cNvPr id="3" name="Notes Placeholder 2"/>
+          <p:cNvSpPr>
+            <a:spLocks noGrp="1"/>
+          </p:cNvSpPr>
+          <p:nvPr>
+            <p:ph type="body" idx="1"/>
+          </p:nvPr>
+        </p:nvSpPr>
+        <p:spPr/>
+        <p:txBody>
+          <a:bodyPr/>
+          <a:lstStyle/>
+          <a:p>
+            <a:r>
+              <a:rPr lang="en-GB" dirty="0" smtClean="0"/>
+              <a:t>Here’s mine.</a:t>
+            </a:r>
+          </a:p>
+          <a:p>
+            <a:endParaRPr lang="en-GB" dirty="0" smtClean="0"/>
+          </a:p>
+          <a:p>
+            <a:r>
+              <a:rPr lang="en-GB" dirty="0" smtClean="0"/>
+              <a:t>Yes, it</a:t>
+            </a:r>
+            <a:r>
+              <a:rPr lang="en-GB" baseline="0" dirty="0" smtClean="0"/>
+              <a:t> could probably do with a decent amount of application of the “</a:t>
+            </a:r>
+            <a:r>
+              <a:rPr lang="en-GB" baseline="0" dirty="0" err="1" smtClean="0"/>
+              <a:t>group_by</a:t>
+            </a:r>
+            <a:r>
+              <a:rPr lang="en-GB" baseline="0" dirty="0" smtClean="0"/>
+              <a:t>”, “gather” and “arrange” functions.</a:t>
+            </a:r>
+            <a:endParaRPr lang="en-GB" dirty="0"/>
+          </a:p>
+        </p:txBody>
+      </p:sp>
+    </p:spTree>
+    <p:extLst>
+      <p:ext uri="{BB962C8B-B14F-4D97-AF65-F5344CB8AC3E}">
+        <p14:creationId xmlns:p14="http://schemas.microsoft.com/office/powerpoint/2010/main" val="3495590793"/>
+      </p:ext>
+    </p:extLst>
+  </p:cSld>
+  <p:clrMapOvr>
+    <a:masterClrMapping/>
+  </p:clrMapOvr>
+</p:notes>
+</file>
+
+<file path=ppt/notesSlides/notesSlide6.xml><?xml version="1.0" encoding="utf-8"?>
+<p:notes xmlns:a="http://schemas.openxmlformats.org/drawingml/2006/main" xmlns:r="http://schemas.openxmlformats.org/officeDocument/2006/relationships" xmlns:p="http://schemas.openxmlformats.org/presentationml/2006/main">
+  <p:cSld>
+    <p:spTree>
+      <p:nvGrpSpPr>
+        <p:cNvPr id="1" name=""/>
+        <p:cNvGrpSpPr/>
+        <p:nvPr/>
+      </p:nvGrpSpPr>
+      <p:grpSpPr>
+        <a:xfrm>
+          <a:off x="0" y="0"/>
+          <a:ext cx="0" cy="0"/>
+          <a:chOff x="0" y="0"/>
+          <a:chExt cx="0" cy="0"/>
+        </a:xfrm>
+      </p:grpSpPr>
+      <p:sp>
+        <p:nvSpPr>
+          <p:cNvPr id="2" name="Slide Image Placeholder 1"/>
+          <p:cNvSpPr>
+            <a:spLocks noGrp="1" noRot="1" noChangeAspect="1"/>
+          </p:cNvSpPr>
+          <p:nvPr>
+            <p:ph type="sldImg"/>
+          </p:nvPr>
+        </p:nvSpPr>
+        <p:spPr/>
+      </p:sp>
+      <p:sp>
+        <p:nvSpPr>
+          <p:cNvPr id="3" name="Notes Placeholder 2"/>
+          <p:cNvSpPr>
+            <a:spLocks noGrp="1"/>
+          </p:cNvSpPr>
+          <p:nvPr>
+            <p:ph type="body" idx="1"/>
+          </p:nvPr>
+        </p:nvSpPr>
+        <p:spPr/>
+        <p:txBody>
+          <a:bodyPr/>
+          <a:lstStyle/>
+          <a:p>
+            <a:r>
+              <a:rPr lang="en-GB" dirty="0" smtClean="0"/>
+              <a:t>Fortunately I found that XKCD</a:t>
+            </a:r>
+            <a:r>
+              <a:rPr lang="en-GB" baseline="0" dirty="0" smtClean="0"/>
+              <a:t> has similar thoughts about home organisation…</a:t>
+            </a:r>
+          </a:p>
+          <a:p>
+            <a:endParaRPr lang="en-GB" baseline="0" dirty="0" smtClean="0"/>
+          </a:p>
+          <a:p>
+            <a:r>
+              <a:rPr lang="en-GB" baseline="0" dirty="0" smtClean="0"/>
+              <a:t>If you’ve got </a:t>
+            </a:r>
+            <a:r>
+              <a:rPr lang="en-GB" baseline="0" dirty="0" err="1" smtClean="0"/>
+              <a:t>wifi</a:t>
+            </a:r>
+            <a:r>
+              <a:rPr lang="en-GB" baseline="0" dirty="0" smtClean="0"/>
+              <a:t> and a laptop then basically everything else can get chucked into a big bucket labelled “</a:t>
+            </a:r>
+            <a:r>
+              <a:rPr lang="en-GB" baseline="0" dirty="0" err="1" smtClean="0"/>
+              <a:t>Misc</a:t>
+            </a:r>
+            <a:r>
+              <a:rPr lang="en-GB" baseline="0" dirty="0" smtClean="0"/>
+              <a:t>”.</a:t>
+            </a:r>
+            <a:endParaRPr lang="en-GB" dirty="0"/>
+          </a:p>
+        </p:txBody>
+      </p:sp>
+    </p:spTree>
+    <p:extLst>
+      <p:ext uri="{BB962C8B-B14F-4D97-AF65-F5344CB8AC3E}">
+        <p14:creationId xmlns:p14="http://schemas.microsoft.com/office/powerpoint/2010/main" val="912922685"/>
+      </p:ext>
+    </p:extLst>
+  </p:cSld>
+  <p:clrMapOvr>
+    <a:masterClrMapping/>
+  </p:clrMapOvr>
+</p:notes>
+</file>
+
+<file path=ppt/notesSlides/notesSlide7.xml><?xml version="1.0" encoding="utf-8"?>
+<p:notes xmlns:a="http://schemas.openxmlformats.org/drawingml/2006/main" xmlns:r="http://schemas.openxmlformats.org/officeDocument/2006/relationships" xmlns:p="http://schemas.openxmlformats.org/presentationml/2006/main">
+  <p:cSld>
+    <p:spTree>
+      <p:nvGrpSpPr>
+        <p:cNvPr id="1" name=""/>
+        <p:cNvGrpSpPr/>
+        <p:nvPr/>
+      </p:nvGrpSpPr>
+      <p:grpSpPr>
+        <a:xfrm>
+          <a:off x="0" y="0"/>
+          <a:ext cx="0" cy="0"/>
+          <a:chOff x="0" y="0"/>
+          <a:chExt cx="0" cy="0"/>
+        </a:xfrm>
+      </p:grpSpPr>
+      <p:sp>
+        <p:nvSpPr>
+          <p:cNvPr id="2" name="Slide Image Placeholder 1"/>
+          <p:cNvSpPr>
+            <a:spLocks noGrp="1" noRot="1" noChangeAspect="1"/>
+          </p:cNvSpPr>
+          <p:nvPr>
+            <p:ph type="sldImg"/>
+          </p:nvPr>
+        </p:nvSpPr>
+        <p:spPr/>
+      </p:sp>
+      <p:sp>
+        <p:nvSpPr>
+          <p:cNvPr id="3" name="Notes Placeholder 2"/>
+          <p:cNvSpPr>
+            <a:spLocks noGrp="1"/>
+          </p:cNvSpPr>
+          <p:nvPr>
+            <p:ph type="body" idx="1"/>
+          </p:nvPr>
+        </p:nvSpPr>
+        <p:spPr/>
+        <p:txBody>
+          <a:bodyPr/>
+          <a:lstStyle/>
+          <a:p>
+            <a:r>
+              <a:rPr lang="en-GB" dirty="0" smtClean="0"/>
+              <a:t>But Mike, I hear you say, what on earth does all</a:t>
+            </a:r>
+            <a:r>
+              <a:rPr lang="en-GB" baseline="0" dirty="0" smtClean="0"/>
+              <a:t> this have to do with data science, R and parameterised reports?</a:t>
+            </a:r>
+          </a:p>
+          <a:p>
+            <a:r>
+              <a:rPr lang="en-GB" baseline="0" dirty="0" smtClean="0"/>
+              <a:t>Well, I’ll tell you. That’s why I’m here.</a:t>
+            </a:r>
+          </a:p>
+          <a:p>
+            <a:endParaRPr lang="en-GB" baseline="0" dirty="0" smtClean="0"/>
+          </a:p>
+          <a:p>
+            <a:r>
+              <a:rPr lang="en-GB" baseline="0" dirty="0" smtClean="0"/>
+              <a:t>I’m assuming that if you’re at this conference then you’re likely to have seen this diagram.</a:t>
+            </a:r>
+          </a:p>
+          <a:p>
+            <a:endParaRPr lang="en-GB" baseline="0" dirty="0" smtClean="0"/>
+          </a:p>
+          <a:p>
+            <a:r>
+              <a:rPr lang="en-GB" baseline="0" dirty="0" smtClean="0"/>
+              <a:t>There has been some recent discussion on the Not So Standard Deviations podcast about this diagram, which I think concluded with the agreement that this was a “Theoretical” framework. I don’t have a problem with that definition. </a:t>
+            </a:r>
+          </a:p>
+        </p:txBody>
+      </p:sp>
+    </p:spTree>
+    <p:extLst>
+      <p:ext uri="{BB962C8B-B14F-4D97-AF65-F5344CB8AC3E}">
+        <p14:creationId xmlns:p14="http://schemas.microsoft.com/office/powerpoint/2010/main" val="4115270245"/>
+      </p:ext>
+    </p:extLst>
+  </p:cSld>
+  <p:clrMapOvr>
+    <a:masterClrMapping/>
+  </p:clrMapOvr>
+</p:notes>
+</file>
+
+<file path=ppt/notesSlides/notesSlide8.xml><?xml version="1.0" encoding="utf-8"?>
+<p:notes xmlns:a="http://schemas.openxmlformats.org/drawingml/2006/main" xmlns:r="http://schemas.openxmlformats.org/officeDocument/2006/relationships" xmlns:p="http://schemas.openxmlformats.org/presentationml/2006/main">
+  <p:cSld>
+    <p:spTree>
+      <p:nvGrpSpPr>
+        <p:cNvPr id="1" name=""/>
+        <p:cNvGrpSpPr/>
+        <p:nvPr/>
+      </p:nvGrpSpPr>
+      <p:grpSpPr>
+        <a:xfrm>
+          <a:off x="0" y="0"/>
+          <a:ext cx="0" cy="0"/>
+          <a:chOff x="0" y="0"/>
+          <a:chExt cx="0" cy="0"/>
+        </a:xfrm>
+      </p:grpSpPr>
+      <p:sp>
+        <p:nvSpPr>
+          <p:cNvPr id="2" name="Slide Image Placeholder 1"/>
+          <p:cNvSpPr>
+            <a:spLocks noGrp="1" noRot="1" noChangeAspect="1"/>
+          </p:cNvSpPr>
+          <p:nvPr>
+            <p:ph type="sldImg"/>
+          </p:nvPr>
+        </p:nvSpPr>
+        <p:spPr/>
+      </p:sp>
+      <p:sp>
+        <p:nvSpPr>
+          <p:cNvPr id="3" name="Notes Placeholder 2"/>
+          <p:cNvSpPr>
+            <a:spLocks noGrp="1"/>
+          </p:cNvSpPr>
+          <p:nvPr>
+            <p:ph type="body" idx="1"/>
+          </p:nvPr>
+        </p:nvSpPr>
+        <p:spPr/>
+        <p:txBody>
+          <a:bodyPr/>
+          <a:lstStyle/>
+          <a:p>
+            <a:r>
+              <a:rPr lang="en-GB" dirty="0" smtClean="0"/>
+              <a:t>What I’d like to discuss now is a</a:t>
+            </a:r>
+            <a:r>
+              <a:rPr lang="en-GB" baseline="0" dirty="0" smtClean="0"/>
+              <a:t> little bit around my own, personal experience of how a typical data analysis might go.</a:t>
+            </a:r>
+          </a:p>
+          <a:p>
+            <a:endParaRPr lang="en-GB" baseline="0" dirty="0" smtClean="0"/>
+          </a:p>
+          <a:p>
+            <a:r>
+              <a:rPr lang="en-GB" baseline="0" dirty="0" smtClean="0"/>
+              <a:t>Disclaimer here that these experiences are unique to me alone. I submit the cutlery drawer pictures as Exhibit A.</a:t>
+            </a:r>
+            <a:endParaRPr lang="en-GB" dirty="0"/>
+          </a:p>
+        </p:txBody>
+      </p:sp>
+    </p:spTree>
+    <p:extLst>
+      <p:ext uri="{BB962C8B-B14F-4D97-AF65-F5344CB8AC3E}">
+        <p14:creationId xmlns:p14="http://schemas.microsoft.com/office/powerpoint/2010/main" val="202332321"/>
+      </p:ext>
+    </p:extLst>
+  </p:cSld>
+  <p:clrMapOvr>
+    <a:masterClrMapping/>
+  </p:clrMapOvr>
+</p:notes>
+</file>
+
+<file path=ppt/notesSlides/notesSlide9.xml><?xml version="1.0" encoding="utf-8"?>
+<p:notes xmlns:a="http://schemas.openxmlformats.org/drawingml/2006/main" xmlns:r="http://schemas.openxmlformats.org/officeDocument/2006/relationships" xmlns:p="http://schemas.openxmlformats.org/presentationml/2006/main">
+  <p:cSld>
+    <p:spTree>
+      <p:nvGrpSpPr>
+        <p:cNvPr id="1" name=""/>
+        <p:cNvGrpSpPr/>
+        <p:nvPr/>
+      </p:nvGrpSpPr>
+      <p:grpSpPr>
+        <a:xfrm>
+          <a:off x="0" y="0"/>
+          <a:ext cx="0" cy="0"/>
+          <a:chOff x="0" y="0"/>
+          <a:chExt cx="0" cy="0"/>
+        </a:xfrm>
+      </p:grpSpPr>
+      <p:sp>
+        <p:nvSpPr>
+          <p:cNvPr id="2" name="Slide Image Placeholder 1"/>
+          <p:cNvSpPr>
+            <a:spLocks noGrp="1" noRot="1" noChangeAspect="1"/>
+          </p:cNvSpPr>
+          <p:nvPr>
+            <p:ph type="sldImg"/>
+          </p:nvPr>
+        </p:nvSpPr>
+        <p:spPr/>
+      </p:sp>
+      <p:sp>
+        <p:nvSpPr>
+          <p:cNvPr id="3" name="Notes Placeholder 2"/>
+          <p:cNvSpPr>
+            <a:spLocks noGrp="1"/>
+          </p:cNvSpPr>
+          <p:nvPr>
+            <p:ph type="body" idx="1"/>
+          </p:nvPr>
+        </p:nvSpPr>
+        <p:spPr/>
+        <p:txBody>
+          <a:bodyPr/>
+          <a:lstStyle/>
+          <a:p>
+            <a:r>
+              <a:rPr lang="en-GB" dirty="0" smtClean="0"/>
+              <a:t>So</a:t>
+            </a:r>
+            <a:r>
+              <a:rPr lang="en-GB" baseline="0" dirty="0" smtClean="0"/>
+              <a:t> typically I get a notification via email that the data is available on some data source,</a:t>
+            </a:r>
+          </a:p>
+          <a:p>
+            <a:endParaRPr lang="en-GB" baseline="0" dirty="0" smtClean="0"/>
+          </a:p>
+          <a:p>
+            <a:r>
+              <a:rPr lang="en-GB" baseline="0" dirty="0" smtClean="0"/>
+              <a:t>I download this and read it into R.</a:t>
+            </a:r>
+          </a:p>
+          <a:p>
+            <a:endParaRPr lang="en-GB" baseline="0" dirty="0" smtClean="0"/>
+          </a:p>
+          <a:p>
+            <a:r>
+              <a:rPr lang="en-GB" baseline="0" dirty="0" smtClean="0"/>
+              <a:t>I wrangle the data, try to understand and plot it.</a:t>
+            </a:r>
+            <a:endParaRPr lang="en-GB" dirty="0"/>
+          </a:p>
+        </p:txBody>
+      </p:sp>
+    </p:spTree>
+    <p:extLst>
+      <p:ext uri="{BB962C8B-B14F-4D97-AF65-F5344CB8AC3E}">
+        <p14:creationId xmlns:p14="http://schemas.microsoft.com/office/powerpoint/2010/main" val="1821507710"/>
+      </p:ext>
+    </p:extLst>
+  </p:cSld>
+  <p:clrMapOvr>
+    <a:masterClrMapping/>
+  </p:clrMapOvr>
+</p:notes>
+</file>
+
 <file path=ppt/slideLayouts/slideLayout1.xml><?xml version="1.0" encoding="utf-8"?>
 <p:sldLayout xmlns:a="http://schemas.openxmlformats.org/drawingml/2006/main" xmlns:r="http://schemas.openxmlformats.org/officeDocument/2006/relationships" xmlns:p="http://schemas.openxmlformats.org/presentationml/2006/main" type="title">
   <p:cSld name="Title Slide">
@@ -2216,7 +4889,7 @@
           </a:ln>
           <a:extLst>
             <a:ext uri="{C572A759-6A51-4108-AA02-DFA0A04FC94B}">
-              <ma14:wrappingTextBoxFlag xmlns:ma14="http://schemas.microsoft.com/office/mac/drawingml/2011/main" xmlns:a14="http://schemas.microsoft.com/office/drawing/2010/main" xmlns:m="http://schemas.openxmlformats.org/officeDocument/2006/math" xmlns="" val="1"/>
+              <ma14:wrappingTextBoxFlag xmlns="" xmlns:m="http://schemas.openxmlformats.org/officeDocument/2006/math" xmlns:a14="http://schemas.microsoft.com/office/drawing/2010/main" xmlns:ma14="http://schemas.microsoft.com/office/mac/drawingml/2011/main" val="1"/>
             </a:ext>
           </a:extLst>
         </p:spPr>
@@ -2255,7 +4928,7 @@
           </a:ln>
           <a:extLst>
             <a:ext uri="{C572A759-6A51-4108-AA02-DFA0A04FC94B}">
-              <ma14:wrappingTextBoxFlag xmlns:ma14="http://schemas.microsoft.com/office/mac/drawingml/2011/main" xmlns:a14="http://schemas.microsoft.com/office/drawing/2010/main" xmlns:m="http://schemas.openxmlformats.org/officeDocument/2006/math" xmlns="" val="1"/>
+              <ma14:wrappingTextBoxFlag xmlns="" xmlns:m="http://schemas.openxmlformats.org/officeDocument/2006/math" xmlns:a14="http://schemas.microsoft.com/office/drawing/2010/main" xmlns:ma14="http://schemas.microsoft.com/office/mac/drawingml/2011/main" val="1"/>
             </a:ext>
           </a:extLst>
         </p:spPr>
@@ -3306,6 +5979,13 @@
     <a:masterClrMapping/>
   </p:clrMapOvr>
   <p:transition spd="med"/>
+  <p:timing>
+    <p:tnLst>
+      <p:par>
+        <p:cTn id="1" dur="indefinite" restart="never" nodeType="tmRoot"/>
+      </p:par>
+    </p:tnLst>
+  </p:timing>
 </p:sld>
 </file>
 
@@ -3670,6 +6350,13 @@
     <a:masterClrMapping/>
   </p:clrMapOvr>
   <p:transition spd="med"/>
+  <p:timing>
+    <p:tnLst>
+      <p:par>
+        <p:cTn id="1" dur="indefinite" restart="never" nodeType="tmRoot"/>
+      </p:par>
+    </p:tnLst>
+  </p:timing>
 </p:sld>
 </file>
 
@@ -4160,6 +6847,13 @@
     <a:masterClrMapping/>
   </p:clrMapOvr>
   <p:transition spd="med"/>
+  <p:timing>
+    <p:tnLst>
+      <p:par>
+        <p:cTn id="1" dur="indefinite" restart="never" nodeType="tmRoot"/>
+      </p:par>
+    </p:tnLst>
+  </p:timing>
 </p:sld>
 </file>
 
@@ -4562,6 +7256,13 @@
     <a:masterClrMapping/>
   </p:clrMapOvr>
   <p:transition spd="med"/>
+  <p:timing>
+    <p:tnLst>
+      <p:par>
+        <p:cTn id="1" dur="indefinite" restart="never" nodeType="tmRoot"/>
+      </p:par>
+    </p:tnLst>
+  </p:timing>
 </p:sld>
 </file>
 
@@ -4961,6 +7662,13 @@
     <a:masterClrMapping/>
   </p:clrMapOvr>
   <p:transition spd="med"/>
+  <p:timing>
+    <p:tnLst>
+      <p:par>
+        <p:cTn id="1" dur="indefinite" restart="never" nodeType="tmRoot"/>
+      </p:par>
+    </p:tnLst>
+  </p:timing>
 </p:sld>
 </file>
 
@@ -5269,7 +7977,15 @@
             </a:pPr>
             <a:r>
               <a:rPr lang="en-GB" sz="4000" b="1" i="1" dirty="0" smtClean="0"/>
-              <a:t>&lt; 3 months pass &gt;</a:t>
+              <a:t>&lt; </a:t>
+            </a:r>
+            <a:r>
+              <a:rPr lang="en-GB" sz="4000" b="1" i="1" dirty="0" smtClean="0"/>
+              <a:t>6 </a:t>
+            </a:r>
+            <a:r>
+              <a:rPr lang="en-GB" sz="4000" b="1" i="1" dirty="0" smtClean="0"/>
+              <a:t>months pass &gt;</a:t>
             </a:r>
           </a:p>
           <a:p>
@@ -5331,6 +8047,13 @@
     <a:masterClrMapping/>
   </p:clrMapOvr>
   <p:transition spd="med"/>
+  <p:timing>
+    <p:tnLst>
+      <p:par>
+        <p:cTn id="1" dur="indefinite" restart="never" nodeType="tmRoot"/>
+      </p:par>
+    </p:tnLst>
+  </p:timing>
 </p:sld>
 </file>
 
@@ -5672,7 +8395,7 @@
           <p:nvPr/>
         </p:nvPicPr>
         <p:blipFill>
-          <a:blip r:embed="rId2" cstate="print">
+          <a:blip r:embed="rId3" cstate="print">
             <a:extLst>
               <a:ext uri="{28A0092B-C50C-407E-A947-70E740481C1C}">
                 <a14:useLocalDpi xmlns:a14="http://schemas.microsoft.com/office/drawing/2010/main" val="0"/>
@@ -5702,7 +8425,7 @@
           <p:nvPr/>
         </p:nvPicPr>
         <p:blipFill>
-          <a:blip r:embed="rId3" cstate="print">
+          <a:blip r:embed="rId4" cstate="print">
             <a:extLst>
               <a:ext uri="{28A0092B-C50C-407E-A947-70E740481C1C}">
                 <a14:useLocalDpi xmlns:a14="http://schemas.microsoft.com/office/drawing/2010/main" val="0"/>
@@ -5734,6 +8457,13 @@
     <a:masterClrMapping/>
   </p:clrMapOvr>
   <p:transition spd="med"/>
+  <p:timing>
+    <p:tnLst>
+      <p:par>
+        <p:cTn id="1" dur="indefinite" restart="never" nodeType="tmRoot"/>
+      </p:par>
+    </p:tnLst>
+  </p:timing>
 </p:sld>
 </file>
 
@@ -5825,7 +8555,11 @@
             </a:r>
             <a:r>
               <a:rPr lang="en-GB" dirty="0" smtClean="0"/>
-              <a:t>(3 months later) </a:t>
+              <a:t>(6 </a:t>
+            </a:r>
+            <a:r>
+              <a:rPr lang="en-GB" dirty="0" smtClean="0"/>
+              <a:t>months later) </a:t>
             </a:r>
             <a:r>
               <a:rPr b="1" i="1" dirty="0" smtClean="0"/>
@@ -5859,6 +8593,13 @@
     <a:masterClrMapping/>
   </p:clrMapOvr>
   <p:transition spd="med"/>
+  <p:timing>
+    <p:tnLst>
+      <p:par>
+        <p:cTn id="1" dur="indefinite" restart="never" nodeType="tmRoot"/>
+      </p:par>
+    </p:tnLst>
+  </p:timing>
 </p:sld>
 </file>
 
@@ -5932,7 +8673,7 @@
           <p:nvPr/>
         </p:nvPicPr>
         <p:blipFill>
-          <a:blip r:embed="rId2">
+          <a:blip r:embed="rId3">
             <a:extLst>
               <a:ext uri="{28A0092B-C50C-407E-A947-70E740481C1C}">
                 <a14:useLocalDpi xmlns:a14="http://schemas.microsoft.com/office/drawing/2010/main" val="0"/>
@@ -6029,13 +8770,13 @@
             </a:r>
             <a:r>
               <a:rPr lang="en-GB" dirty="0">
-                <a:hlinkClick r:id="rId3"/>
+                <a:hlinkClick r:id="rId4"/>
               </a:rPr>
               <a:t>https://yihui.name/en/2018/09/notebook-war</a:t>
             </a:r>
             <a:r>
               <a:rPr lang="en-GB" dirty="0" smtClean="0">
-                <a:hlinkClick r:id="rId3"/>
+                <a:hlinkClick r:id="rId4"/>
               </a:rPr>
               <a:t>/</a:t>
             </a:r>
@@ -6066,6 +8807,13 @@
     <a:masterClrMapping/>
   </p:clrMapOvr>
   <p:transition spd="med"/>
+  <p:timing>
+    <p:tnLst>
+      <p:par>
+        <p:cTn id="1" dur="indefinite" restart="never" nodeType="tmRoot"/>
+      </p:par>
+    </p:tnLst>
+  </p:timing>
 </p:sld>
 </file>
 
@@ -6196,6 +8944,13 @@
     <a:masterClrMapping/>
   </p:clrMapOvr>
   <p:transition spd="med"/>
+  <p:timing>
+    <p:tnLst>
+      <p:par>
+        <p:cTn id="1" dur="indefinite" restart="never" nodeType="tmRoot"/>
+      </p:par>
+    </p:tnLst>
+  </p:timing>
 </p:sld>
 </file>
 
@@ -6356,6 +9111,134 @@
     <a:masterClrMapping/>
   </p:clrMapOvr>
   <p:transition spd="med"/>
+  <p:timing>
+    <p:tnLst>
+      <p:par>
+        <p:cTn id="1" dur="indefinite" restart="never" nodeType="tmRoot">
+          <p:childTnLst>
+            <p:seq concurrent="1" nextAc="seek">
+              <p:cTn id="2" dur="indefinite" nodeType="mainSeq">
+                <p:childTnLst>
+                  <p:par>
+                    <p:cTn id="3" fill="hold">
+                      <p:stCondLst>
+                        <p:cond delay="indefinite"/>
+                      </p:stCondLst>
+                      <p:childTnLst>
+                        <p:par>
+                          <p:cTn id="4" fill="hold">
+                            <p:stCondLst>
+                              <p:cond delay="0"/>
+                            </p:stCondLst>
+                            <p:childTnLst>
+                              <p:par>
+                                <p:cTn id="5" presetID="1" presetClass="entr" presetSubtype="0" fill="hold" nodeType="clickEffect">
+                                  <p:stCondLst>
+                                    <p:cond delay="0"/>
+                                  </p:stCondLst>
+                                  <p:childTnLst>
+                                    <p:set>
+                                      <p:cBhvr>
+                                        <p:cTn id="6" dur="1" fill="hold">
+                                          <p:stCondLst>
+                                            <p:cond delay="0"/>
+                                          </p:stCondLst>
+                                        </p:cTn>
+                                        <p:tgtEl>
+                                          <p:spTgt spid="161">
+                                            <p:txEl>
+                                              <p:pRg st="1" end="1"/>
+                                            </p:txEl>
+                                          </p:spTgt>
+                                        </p:tgtEl>
+                                        <p:attrNameLst>
+                                          <p:attrName>style.visibility</p:attrName>
+                                        </p:attrNameLst>
+                                      </p:cBhvr>
+                                      <p:to>
+                                        <p:strVal val="visible"/>
+                                      </p:to>
+                                    </p:set>
+                                  </p:childTnLst>
+                                </p:cTn>
+                              </p:par>
+                            </p:childTnLst>
+                          </p:cTn>
+                        </p:par>
+                      </p:childTnLst>
+                    </p:cTn>
+                  </p:par>
+                  <p:par>
+                    <p:cTn id="7" fill="hold">
+                      <p:stCondLst>
+                        <p:cond delay="indefinite"/>
+                      </p:stCondLst>
+                      <p:childTnLst>
+                        <p:par>
+                          <p:cTn id="8" fill="hold">
+                            <p:stCondLst>
+                              <p:cond delay="0"/>
+                            </p:stCondLst>
+                            <p:childTnLst>
+                              <p:par>
+                                <p:cTn id="9" presetID="1" presetClass="entr" presetSubtype="0" fill="hold" nodeType="clickEffect">
+                                  <p:stCondLst>
+                                    <p:cond delay="0"/>
+                                  </p:stCondLst>
+                                  <p:childTnLst>
+                                    <p:set>
+                                      <p:cBhvr>
+                                        <p:cTn id="10" dur="1" fill="hold">
+                                          <p:stCondLst>
+                                            <p:cond delay="0"/>
+                                          </p:stCondLst>
+                                        </p:cTn>
+                                        <p:tgtEl>
+                                          <p:spTgt spid="161">
+                                            <p:txEl>
+                                              <p:pRg st="5" end="5"/>
+                                            </p:txEl>
+                                          </p:spTgt>
+                                        </p:tgtEl>
+                                        <p:attrNameLst>
+                                          <p:attrName>style.visibility</p:attrName>
+                                        </p:attrNameLst>
+                                      </p:cBhvr>
+                                      <p:to>
+                                        <p:strVal val="visible"/>
+                                      </p:to>
+                                    </p:set>
+                                  </p:childTnLst>
+                                </p:cTn>
+                              </p:par>
+                            </p:childTnLst>
+                          </p:cTn>
+                        </p:par>
+                      </p:childTnLst>
+                    </p:cTn>
+                  </p:par>
+                </p:childTnLst>
+              </p:cTn>
+              <p:prevCondLst>
+                <p:cond evt="onPrev" delay="0">
+                  <p:tgtEl>
+                    <p:sldTgt/>
+                  </p:tgtEl>
+                </p:cond>
+              </p:prevCondLst>
+              <p:nextCondLst>
+                <p:cond evt="onNext" delay="0">
+                  <p:tgtEl>
+                    <p:sldTgt/>
+                  </p:tgtEl>
+                </p:cond>
+              </p:nextCondLst>
+            </p:seq>
+          </p:childTnLst>
+        </p:cTn>
+      </p:par>
+    </p:tnLst>
+  </p:timing>
 </p:sld>
 </file>
 
@@ -6482,8 +9365,17 @@
             </a:pPr>
             <a:r>
               <a:rPr dirty="0" smtClean="0"/>
-              <a:t>Clinical Pharmacologist</a:t>
-            </a:r>
+              <a:t>Clinical </a:t>
+            </a:r>
+            <a:r>
+              <a:rPr dirty="0" smtClean="0"/>
+              <a:t>Pharmacologist</a:t>
+            </a:r>
+            <a:r>
+              <a:rPr lang="en-GB" dirty="0" smtClean="0"/>
+              <a:t> (including my manager)</a:t>
+            </a:r>
+            <a:endParaRPr dirty="0" smtClean="0"/>
           </a:p>
           <a:p>
             <a:pPr marL="742950" lvl="1" indent="-285750">
@@ -6499,23 +9391,6 @@
             <a:endParaRPr dirty="0"/>
           </a:p>
           <a:p>
-            <a:pPr marL="742950" lvl="1" indent="-285750">
-              <a:spcBef>
-                <a:spcPts val="600"/>
-              </a:spcBef>
-              <a:defRPr sz="2500"/>
-            </a:pPr>
-            <a:r>
-              <a:rPr dirty="0"/>
-              <a:t>My </a:t>
-            </a:r>
-            <a:r>
-              <a:rPr dirty="0" smtClean="0"/>
-              <a:t>manager</a:t>
-            </a:r>
-            <a:endParaRPr dirty="0"/>
-          </a:p>
-          <a:p>
             <a:pPr>
               <a:spcBef>
                 <a:spcPts val="600"/>
@@ -6523,8 +9398,12 @@
               <a:defRPr sz="2900"/>
             </a:pPr>
             <a:r>
+              <a:rPr dirty="0" smtClean="0"/>
+              <a:t>The </a:t>
+            </a:r>
+            <a:r>
               <a:rPr dirty="0"/>
-              <a:t>The analysis presented here is </a:t>
+              <a:t>analysis presented here is </a:t>
             </a:r>
             <a:r>
               <a:rPr b="1" i="1" dirty="0">
@@ -6555,6 +9434,13 @@
     <a:masterClrMapping/>
   </p:clrMapOvr>
   <p:transition spd="med"/>
+  <p:timing>
+    <p:tnLst>
+      <p:par>
+        <p:cTn id="1" dur="indefinite" restart="never" nodeType="tmRoot"/>
+      </p:par>
+    </p:tnLst>
+  </p:timing>
 </p:sld>
 </file>
 
@@ -6584,7 +9470,7 @@
           <p:nvPr/>
         </p:nvPicPr>
         <p:blipFill>
-          <a:blip r:embed="rId2">
+          <a:blip r:embed="rId3">
             <a:extLst/>
           </a:blip>
           <a:stretch>
@@ -6646,13 +9532,13 @@
           <a:p>
             <a:r>
               <a:rPr lang="en-GB" dirty="0">
-                <a:hlinkClick r:id="rId3"/>
+                <a:hlinkClick r:id="rId4"/>
               </a:rPr>
               <a:t>https://xkcd.com/1319</a:t>
             </a:r>
             <a:r>
               <a:rPr lang="en-GB" dirty="0" smtClean="0">
-                <a:hlinkClick r:id="rId3"/>
+                <a:hlinkClick r:id="rId4"/>
               </a:rPr>
               <a:t>/</a:t>
             </a:r>
@@ -6683,6 +9569,13 @@
     <a:masterClrMapping/>
   </p:clrMapOvr>
   <p:transition spd="med"/>
+  <p:timing>
+    <p:tnLst>
+      <p:par>
+        <p:cTn id="1" dur="indefinite" restart="never" nodeType="tmRoot"/>
+      </p:par>
+    </p:tnLst>
+  </p:timing>
 </p:sld>
 </file>
 
@@ -6712,7 +9605,7 @@
           <p:nvPr/>
         </p:nvPicPr>
         <p:blipFill rotWithShape="1">
-          <a:blip r:embed="rId2">
+          <a:blip r:embed="rId3">
             <a:extLst>
               <a:ext uri="{28A0092B-C50C-407E-A947-70E740481C1C}">
                 <a14:useLocalDpi xmlns:a14="http://schemas.microsoft.com/office/drawing/2010/main" val="0"/>
@@ -7167,6 +10060,13 @@
     <a:masterClrMapping/>
   </p:clrMapOvr>
   <p:transition spd="med"/>
+  <p:timing>
+    <p:tnLst>
+      <p:par>
+        <p:cTn id="1" dur="indefinite" restart="never" nodeType="tmRoot"/>
+      </p:par>
+    </p:tnLst>
+  </p:timing>
 </p:sld>
 </file>
 
@@ -7219,7 +10119,7 @@
           <p:nvPr/>
         </p:nvPicPr>
         <p:blipFill rotWithShape="1">
-          <a:blip r:embed="rId2">
+          <a:blip r:embed="rId3">
             <a:extLst>
               <a:ext uri="{28A0092B-C50C-407E-A947-70E740481C1C}">
                 <a14:useLocalDpi xmlns:a14="http://schemas.microsoft.com/office/drawing/2010/main" val="0"/>
@@ -7250,6 +10150,13 @@
     <a:masterClrMapping/>
   </p:clrMapOvr>
   <p:transition spd="med"/>
+  <p:timing>
+    <p:tnLst>
+      <p:par>
+        <p:cTn id="1" dur="indefinite" restart="never" nodeType="tmRoot"/>
+      </p:par>
+    </p:tnLst>
+  </p:timing>
 </p:sld>
 </file>
 
@@ -7301,7 +10208,7 @@
           <p:nvPr/>
         </p:nvPicPr>
         <p:blipFill rotWithShape="1">
-          <a:blip r:embed="rId2">
+          <a:blip r:embed="rId3">
             <a:extLst>
               <a:ext uri="{28A0092B-C50C-407E-A947-70E740481C1C}">
                 <a14:useLocalDpi xmlns:a14="http://schemas.microsoft.com/office/drawing/2010/main" val="0"/>
@@ -7332,6 +10239,13 @@
     <a:masterClrMapping/>
   </p:clrMapOvr>
   <p:transition spd="med"/>
+  <p:timing>
+    <p:tnLst>
+      <p:par>
+        <p:cTn id="1" dur="indefinite" restart="never" nodeType="tmRoot"/>
+      </p:par>
+    </p:tnLst>
+  </p:timing>
 </p:sld>
 </file>
 
@@ -7361,7 +10275,7 @@
           <p:nvPr/>
         </p:nvPicPr>
         <p:blipFill>
-          <a:blip r:embed="rId2">
+          <a:blip r:embed="rId3">
             <a:extLst>
               <a:ext uri="{28A0092B-C50C-407E-A947-70E740481C1C}">
                 <a14:useLocalDpi xmlns:a14="http://schemas.microsoft.com/office/drawing/2010/main" val="0"/>
@@ -8184,6 +11098,13 @@
     <a:masterClrMapping/>
   </p:clrMapOvr>
   <p:transition spd="med"/>
+  <p:timing>
+    <p:tnLst>
+      <p:par>
+        <p:cTn id="1" dur="indefinite" restart="never" nodeType="tmRoot"/>
+      </p:par>
+    </p:tnLst>
+  </p:timing>
 </p:sld>
 </file>
 
@@ -8227,7 +11148,7 @@
             <p:nvPr/>
           </p:nvPicPr>
           <p:blipFill>
-            <a:blip r:embed="rId2">
+            <a:blip r:embed="rId3">
               <a:extLst>
                 <a:ext uri="{28A0092B-C50C-407E-A947-70E740481C1C}">
                   <a14:useLocalDpi xmlns:a14="http://schemas.microsoft.com/office/drawing/2010/main" val="0"/>
@@ -8779,6 +11700,13 @@
     <a:masterClrMapping/>
   </p:clrMapOvr>
   <p:transition spd="med"/>
+  <p:timing>
+    <p:tnLst>
+      <p:par>
+        <p:cTn id="1" dur="indefinite" restart="never" nodeType="tmRoot"/>
+      </p:par>
+    </p:tnLst>
+  </p:timing>
 </p:sld>
 </file>
 
@@ -8822,7 +11750,7 @@
             <p:nvPr/>
           </p:nvPicPr>
           <p:blipFill rotWithShape="1">
-            <a:blip r:embed="rId2">
+            <a:blip r:embed="rId3">
               <a:extLst>
                 <a:ext uri="{28A0092B-C50C-407E-A947-70E740481C1C}">
                   <a14:useLocalDpi xmlns:a14="http://schemas.microsoft.com/office/drawing/2010/main" val="0"/>
@@ -8972,7 +11900,7 @@
             <p:nvPr/>
           </p:nvPicPr>
           <p:blipFill rotWithShape="1">
-            <a:blip r:embed="rId2">
+            <a:blip r:embed="rId3">
               <a:extLst>
                 <a:ext uri="{28A0092B-C50C-407E-A947-70E740481C1C}">
                   <a14:useLocalDpi xmlns:a14="http://schemas.microsoft.com/office/drawing/2010/main" val="0"/>
@@ -9333,7 +12261,7 @@
             <p:nvPr/>
           </p:nvPicPr>
           <p:blipFill rotWithShape="1">
-            <a:blip r:embed="rId2">
+            <a:blip r:embed="rId3">
               <a:extLst>
                 <a:ext uri="{28A0092B-C50C-407E-A947-70E740481C1C}">
                   <a14:useLocalDpi xmlns:a14="http://schemas.microsoft.com/office/drawing/2010/main" val="0"/>
@@ -9855,6 +12783,13 @@
     <a:masterClrMapping/>
   </p:clrMapOvr>
   <p:transition spd="med"/>
+  <p:timing>
+    <p:tnLst>
+      <p:par>
+        <p:cTn id="1" dur="indefinite" restart="never" nodeType="tmRoot"/>
+      </p:par>
+    </p:tnLst>
+  </p:timing>
 </p:sld>
 </file>
 
@@ -10092,7 +13027,7 @@
           <p:nvPr/>
         </p:nvPicPr>
         <p:blipFill>
-          <a:blip r:embed="rId2">
+          <a:blip r:embed="rId3">
             <a:extLst>
               <a:ext uri="{28A0092B-C50C-407E-A947-70E740481C1C}">
                 <a14:useLocalDpi xmlns:a14="http://schemas.microsoft.com/office/drawing/2010/main" val="0"/>
@@ -10689,6 +13624,13 @@
     <a:masterClrMapping/>
   </p:clrMapOvr>
   <p:transition spd="med"/>
+  <p:timing>
+    <p:tnLst>
+      <p:par>
+        <p:cTn id="1" dur="indefinite" restart="never" nodeType="tmRoot"/>
+      </p:par>
+    </p:tnLst>
+  </p:timing>
 </p:sld>
 </file>
 
@@ -10942,7 +13884,7 @@
           <p:nvPr/>
         </p:nvPicPr>
         <p:blipFill>
-          <a:blip r:embed="rId2">
+          <a:blip r:embed="rId3">
             <a:extLst>
               <a:ext uri="{28A0092B-C50C-407E-A947-70E740481C1C}">
                 <a14:useLocalDpi xmlns:a14="http://schemas.microsoft.com/office/drawing/2010/main" val="0"/>
@@ -10993,135 +13935,150 @@
           </a:extLst>
         </p:spPr>
       </p:pic>
-      <p:sp>
-        <p:nvSpPr>
-          <p:cNvPr id="16" name="Rectangle 15"/>
-          <p:cNvSpPr/>
+      <p:grpSp>
+        <p:nvGrpSpPr>
+          <p:cNvPr id="2" name="Group 1"/>
+          <p:cNvGrpSpPr/>
           <p:nvPr/>
-        </p:nvSpPr>
-        <p:spPr>
+        </p:nvGrpSpPr>
+        <p:grpSpPr>
           <a:xfrm>
             <a:off x="2580268" y="637016"/>
-            <a:ext cx="1810428" cy="288032"/>
+            <a:ext cx="4007956" cy="3080016"/>
+            <a:chOff x="2580268" y="637016"/>
+            <a:chExt cx="4007956" cy="3080016"/>
           </a:xfrm>
-          <a:prstGeom prst="rect">
-            <a:avLst/>
-          </a:prstGeom>
-          <a:noFill/>
-          <a:ln w="25400" cap="flat">
-            <a:solidFill>
-              <a:srgbClr val="FF0000"/>
-            </a:solidFill>
-            <a:prstDash val="solid"/>
-            <a:round/>
-          </a:ln>
-          <a:effectLst>
-            <a:outerShdw blurRad="38100" dist="23000" dir="5400000" rotWithShape="0">
-              <a:srgbClr val="000000">
-                <a:alpha val="35000"/>
-              </a:srgbClr>
-            </a:outerShdw>
-          </a:effectLst>
-          <a:sp3d/>
-        </p:spPr>
-        <p:style>
-          <a:lnRef idx="0">
-            <a:scrgbClr r="0" g="0" b="0"/>
-          </a:lnRef>
-          <a:fillRef idx="0">
-            <a:scrgbClr r="0" g="0" b="0"/>
-          </a:fillRef>
-          <a:effectRef idx="0">
-            <a:scrgbClr r="0" g="0" b="0"/>
-          </a:effectRef>
-          <a:fontRef idx="none"/>
-        </p:style>
-        <p:txBody>
-          <a:bodyPr rot="0" spcFirstLastPara="1" vertOverflow="overflow" horzOverflow="overflow" vert="horz" wrap="square" lIns="45719" tIns="45719" rIns="45719" bIns="45719" numCol="1" spcCol="38100" rtlCol="0" anchor="ctr">
-            <a:spAutoFit/>
-          </a:bodyPr>
-          <a:lstStyle/>
-          <a:p>
-            <a:pPr marL="0" marR="0" indent="0" algn="l" defTabSz="914400" rtl="0" fontAlgn="auto" latinLnBrk="0" hangingPunct="0">
-              <a:lnSpc>
-                <a:spcPct val="100000"/>
-              </a:lnSpc>
-              <a:spcBef>
-                <a:spcPts val="0"/>
-              </a:spcBef>
-              <a:spcAft>
-                <a:spcPts val="0"/>
-              </a:spcAft>
-              <a:buClrTx/>
-              <a:buSzTx/>
-              <a:buFontTx/>
-              <a:buNone/>
-              <a:tabLst/>
-            </a:pPr>
-            <a:endParaRPr kumimoji="0" lang="en-GB" sz="1800" b="0" i="0" u="none" strike="noStrike" cap="none" spc="0" normalizeH="0" baseline="0">
-              <a:ln>
-                <a:noFill/>
-              </a:ln>
+        </p:grpSpPr>
+        <p:sp>
+          <p:nvSpPr>
+            <p:cNvPr id="16" name="Rectangle 15"/>
+            <p:cNvSpPr/>
+            <p:nvPr/>
+          </p:nvSpPr>
+          <p:spPr>
+            <a:xfrm>
+              <a:off x="2580268" y="637016"/>
+              <a:ext cx="1810428" cy="288032"/>
+            </a:xfrm>
+            <a:prstGeom prst="rect">
+              <a:avLst/>
+            </a:prstGeom>
+            <a:noFill/>
+            <a:ln w="25400" cap="flat">
               <a:solidFill>
-                <a:srgbClr val="000000"/>
+                <a:srgbClr val="FF0000"/>
               </a:solidFill>
-              <a:effectLst/>
-              <a:uFillTx/>
-              <a:latin typeface="+mn-lt"/>
-              <a:ea typeface="+mn-ea"/>
-              <a:cs typeface="+mn-cs"/>
-              <a:sym typeface="Calibri"/>
-            </a:endParaRPr>
-          </a:p>
-        </p:txBody>
-      </p:sp>
-      <p:cxnSp>
-        <p:nvCxnSpPr>
-          <p:cNvPr id="18" name="Straight Arrow Connector 17"/>
-          <p:cNvCxnSpPr>
-            <a:endCxn id="16" idx="3"/>
-          </p:cNvCxnSpPr>
-          <p:nvPr/>
-        </p:nvCxnSpPr>
-        <p:spPr>
-          <a:xfrm flipH="1" flipV="1">
-            <a:off x="4390696" y="781032"/>
-            <a:ext cx="2197528" cy="2936000"/>
-          </a:xfrm>
-          <a:prstGeom prst="straightConnector1">
-            <a:avLst/>
-          </a:prstGeom>
-          <a:noFill/>
-          <a:ln w="25400" cap="flat">
-            <a:solidFill>
-              <a:srgbClr val="FF0000"/>
-            </a:solidFill>
-            <a:prstDash val="solid"/>
-            <a:round/>
-            <a:tailEnd type="arrow"/>
-          </a:ln>
-          <a:effectLst>
-            <a:outerShdw blurRad="38100" dist="20000" dir="5400000" rotWithShape="0">
-              <a:srgbClr val="000000">
-                <a:alpha val="38000"/>
-              </a:srgbClr>
-            </a:outerShdw>
-          </a:effectLst>
-          <a:sp3d/>
-        </p:spPr>
-        <p:style>
-          <a:lnRef idx="0">
-            <a:scrgbClr r="0" g="0" b="0"/>
-          </a:lnRef>
-          <a:fillRef idx="0">
-            <a:scrgbClr r="0" g="0" b="0"/>
-          </a:fillRef>
-          <a:effectRef idx="0">
-            <a:scrgbClr r="0" g="0" b="0"/>
-          </a:effectRef>
-          <a:fontRef idx="none"/>
-        </p:style>
-      </p:cxnSp>
+              <a:prstDash val="solid"/>
+              <a:round/>
+            </a:ln>
+            <a:effectLst>
+              <a:outerShdw blurRad="38100" dist="23000" dir="5400000" rotWithShape="0">
+                <a:srgbClr val="000000">
+                  <a:alpha val="35000"/>
+                </a:srgbClr>
+              </a:outerShdw>
+            </a:effectLst>
+            <a:sp3d/>
+          </p:spPr>
+          <p:style>
+            <a:lnRef idx="0">
+              <a:scrgbClr r="0" g="0" b="0"/>
+            </a:lnRef>
+            <a:fillRef idx="0">
+              <a:scrgbClr r="0" g="0" b="0"/>
+            </a:fillRef>
+            <a:effectRef idx="0">
+              <a:scrgbClr r="0" g="0" b="0"/>
+            </a:effectRef>
+            <a:fontRef idx="none"/>
+          </p:style>
+          <p:txBody>
+            <a:bodyPr rot="0" spcFirstLastPara="1" vertOverflow="overflow" horzOverflow="overflow" vert="horz" wrap="square" lIns="45719" tIns="45719" rIns="45719" bIns="45719" numCol="1" spcCol="38100" rtlCol="0" anchor="ctr">
+              <a:spAutoFit/>
+            </a:bodyPr>
+            <a:lstStyle/>
+            <a:p>
+              <a:pPr marL="0" marR="0" indent="0" algn="l" defTabSz="914400" rtl="0" fontAlgn="auto" latinLnBrk="0" hangingPunct="0">
+                <a:lnSpc>
+                  <a:spcPct val="100000"/>
+                </a:lnSpc>
+                <a:spcBef>
+                  <a:spcPts val="0"/>
+                </a:spcBef>
+                <a:spcAft>
+                  <a:spcPts val="0"/>
+                </a:spcAft>
+                <a:buClrTx/>
+                <a:buSzTx/>
+                <a:buFontTx/>
+                <a:buNone/>
+                <a:tabLst/>
+              </a:pPr>
+              <a:endParaRPr kumimoji="0" lang="en-GB" sz="1800" b="0" i="0" u="none" strike="noStrike" cap="none" spc="0" normalizeH="0" baseline="0">
+                <a:ln>
+                  <a:noFill/>
+                </a:ln>
+                <a:solidFill>
+                  <a:srgbClr val="000000"/>
+                </a:solidFill>
+                <a:effectLst/>
+                <a:uFillTx/>
+                <a:latin typeface="+mn-lt"/>
+                <a:ea typeface="+mn-ea"/>
+                <a:cs typeface="+mn-cs"/>
+                <a:sym typeface="Calibri"/>
+              </a:endParaRPr>
+            </a:p>
+          </p:txBody>
+        </p:sp>
+        <p:cxnSp>
+          <p:nvCxnSpPr>
+            <p:cNvPr id="18" name="Straight Arrow Connector 17"/>
+            <p:cNvCxnSpPr>
+              <a:endCxn id="16" idx="3"/>
+            </p:cNvCxnSpPr>
+            <p:nvPr/>
+          </p:nvCxnSpPr>
+          <p:spPr>
+            <a:xfrm flipH="1" flipV="1">
+              <a:off x="4390696" y="781032"/>
+              <a:ext cx="2197528" cy="2936000"/>
+            </a:xfrm>
+            <a:prstGeom prst="straightConnector1">
+              <a:avLst/>
+            </a:prstGeom>
+            <a:noFill/>
+            <a:ln w="25400" cap="flat">
+              <a:solidFill>
+                <a:srgbClr val="FF0000"/>
+              </a:solidFill>
+              <a:prstDash val="solid"/>
+              <a:round/>
+              <a:tailEnd type="arrow"/>
+            </a:ln>
+            <a:effectLst>
+              <a:outerShdw blurRad="38100" dist="20000" dir="5400000" rotWithShape="0">
+                <a:srgbClr val="000000">
+                  <a:alpha val="38000"/>
+                </a:srgbClr>
+              </a:outerShdw>
+            </a:effectLst>
+            <a:sp3d/>
+          </p:spPr>
+          <p:style>
+            <a:lnRef idx="0">
+              <a:scrgbClr r="0" g="0" b="0"/>
+            </a:lnRef>
+            <a:fillRef idx="0">
+              <a:scrgbClr r="0" g="0" b="0"/>
+            </a:fillRef>
+            <a:effectRef idx="0">
+              <a:scrgbClr r="0" g="0" b="0"/>
+            </a:effectRef>
+            <a:fontRef idx="none"/>
+          </p:style>
+        </p:cxnSp>
+      </p:grpSp>
       <p:sp>
         <p:nvSpPr>
           <p:cNvPr id="7" name="TextBox 6"/>
@@ -11179,6 +14136,23 @@
               <a:tabLst/>
             </a:pPr>
             <a:r>
+              <a:rPr kumimoji="0" lang="en-GB" sz="1800" b="1" i="1" u="none" strike="noStrike" cap="none" spc="0" normalizeH="0" baseline="0" dirty="0" smtClean="0">
+                <a:ln>
+                  <a:noFill/>
+                </a:ln>
+                <a:solidFill>
+                  <a:srgbClr val="000000"/>
+                </a:solidFill>
+                <a:effectLst/>
+                <a:uFillTx/>
+                <a:latin typeface="+mn-lt"/>
+                <a:ea typeface="+mn-ea"/>
+                <a:cs typeface="+mn-cs"/>
+                <a:sym typeface="Calibri"/>
+              </a:rPr>
+              <a:t>RStudio Connect </a:t>
+            </a:r>
+            <a:r>
               <a:rPr kumimoji="0" lang="en-GB" sz="1800" b="0" i="0" u="none" strike="noStrike" cap="none" spc="0" normalizeH="0" baseline="0" dirty="0" smtClean="0">
                 <a:ln>
                   <a:noFill/>
@@ -11193,7 +14167,7 @@
                 <a:cs typeface="+mn-cs"/>
                 <a:sym typeface="Calibri"/>
               </a:rPr>
-              <a:t>RStudio Connect allows</a:t>
+              <a:t>allows</a:t>
             </a:r>
             <a:r>
               <a:rPr kumimoji="0" lang="en-GB" sz="1800" b="0" i="0" u="none" strike="noStrike" cap="none" spc="0" normalizeH="0" dirty="0" smtClean="0">
@@ -11655,6 +14629,81 @@
     <a:masterClrMapping/>
   </p:clrMapOvr>
   <p:transition spd="med"/>
+  <p:timing>
+    <p:tnLst>
+      <p:par>
+        <p:cTn id="1" dur="indefinite" restart="never" nodeType="tmRoot">
+          <p:childTnLst>
+            <p:seq concurrent="1" nextAc="seek">
+              <p:cTn id="2" dur="indefinite" nodeType="mainSeq">
+                <p:childTnLst>
+                  <p:par>
+                    <p:cTn id="3" fill="hold">
+                      <p:stCondLst>
+                        <p:cond delay="indefinite"/>
+                      </p:stCondLst>
+                      <p:childTnLst>
+                        <p:par>
+                          <p:cTn id="4" fill="hold">
+                            <p:stCondLst>
+                              <p:cond delay="0"/>
+                            </p:stCondLst>
+                            <p:childTnLst>
+                              <p:par>
+                                <p:cTn id="5" presetID="1" presetClass="entr" presetSubtype="0" fill="hold" nodeType="clickEffect">
+                                  <p:stCondLst>
+                                    <p:cond delay="0"/>
+                                  </p:stCondLst>
+                                  <p:childTnLst>
+                                    <p:set>
+                                      <p:cBhvr>
+                                        <p:cTn id="6" dur="1" fill="hold">
+                                          <p:stCondLst>
+                                            <p:cond delay="0"/>
+                                          </p:stCondLst>
+                                        </p:cTn>
+                                        <p:tgtEl>
+                                          <p:spTgt spid="2"/>
+                                        </p:tgtEl>
+                                        <p:attrNameLst>
+                                          <p:attrName>style.visibility</p:attrName>
+                                        </p:attrNameLst>
+                                      </p:cBhvr>
+                                      <p:to>
+                                        <p:strVal val="visible"/>
+                                      </p:to>
+                                    </p:set>
+                                  </p:childTnLst>
+                                </p:cTn>
+                              </p:par>
+                            </p:childTnLst>
+                          </p:cTn>
+                        </p:par>
+                      </p:childTnLst>
+                    </p:cTn>
+                  </p:par>
+                </p:childTnLst>
+              </p:cTn>
+              <p:prevCondLst>
+                <p:cond evt="onPrev" delay="0">
+                  <p:tgtEl>
+                    <p:sldTgt/>
+                  </p:tgtEl>
+                </p:cond>
+              </p:prevCondLst>
+              <p:nextCondLst>
+                <p:cond evt="onNext" delay="0">
+                  <p:tgtEl>
+                    <p:sldTgt/>
+                  </p:tgtEl>
+                </p:cond>
+              </p:nextCondLst>
+            </p:seq>
+          </p:childTnLst>
+        </p:cTn>
+      </p:par>
+    </p:tnLst>
+  </p:timing>
 </p:sld>
 </file>
 
@@ -11870,6 +14919,13 @@
     <a:masterClrMapping/>
   </p:clrMapOvr>
   <p:transition spd="med"/>
+  <p:timing>
+    <p:tnLst>
+      <p:par>
+        <p:cTn id="1" dur="indefinite" restart="never" nodeType="tmRoot"/>
+      </p:par>
+    </p:tnLst>
+  </p:timing>
 </p:sld>
 </file>
 
@@ -11909,7 +14965,7 @@
           </a:ln>
           <a:extLst>
             <a:ext uri="{C572A759-6A51-4108-AA02-DFA0A04FC94B}">
-              <ma14:wrappingTextBoxFlag xmlns:ma14="http://schemas.microsoft.com/office/mac/drawingml/2011/main" xmlns:a14="http://schemas.microsoft.com/office/drawing/2010/main" xmlns:m="http://schemas.openxmlformats.org/officeDocument/2006/math" xmlns="" val="1"/>
+              <ma14:wrappingTextBoxFlag xmlns="" xmlns:m="http://schemas.openxmlformats.org/officeDocument/2006/math" xmlns:a14="http://schemas.microsoft.com/office/drawing/2010/main" xmlns:ma14="http://schemas.microsoft.com/office/mac/drawingml/2011/main" val="1"/>
             </a:ext>
           </a:extLst>
         </p:spPr>
@@ -11948,7 +15004,7 @@
           </a:ln>
           <a:extLst>
             <a:ext uri="{C572A759-6A51-4108-AA02-DFA0A04FC94B}">
-              <ma14:wrappingTextBoxFlag xmlns:ma14="http://schemas.microsoft.com/office/mac/drawingml/2011/main" xmlns:a14="http://schemas.microsoft.com/office/drawing/2010/main" xmlns:m="http://schemas.openxmlformats.org/officeDocument/2006/math" xmlns="" val="1"/>
+              <ma14:wrappingTextBoxFlag xmlns="" xmlns:m="http://schemas.openxmlformats.org/officeDocument/2006/math" xmlns:a14="http://schemas.microsoft.com/office/drawing/2010/main" xmlns:ma14="http://schemas.microsoft.com/office/mac/drawingml/2011/main" val="1"/>
             </a:ext>
           </a:extLst>
         </p:spPr>
@@ -11971,7 +15027,7 @@
                     <a:srgbClr val="0000FF"/>
                   </a:solidFill>
                 </a:uFill>
-                <a:hlinkClick r:id="rId2"/>
+                <a:hlinkClick r:id="rId3"/>
               </a:rPr>
               <a:t>https://www.slideshare.net/CJAtherton/chris-atherton-at-presentation-camp-london</a:t>
             </a:r>
@@ -11988,6 +15044,13 @@
     <a:masterClrMapping/>
   </p:clrMapOvr>
   <p:transition spd="med"/>
+  <p:timing>
+    <p:tnLst>
+      <p:par>
+        <p:cTn id="1" dur="indefinite" restart="never" nodeType="tmRoot"/>
+      </p:par>
+    </p:tnLst>
+  </p:timing>
 </p:sld>
 </file>
 
@@ -12017,7 +15080,7 @@
           <p:nvPr/>
         </p:nvPicPr>
         <p:blipFill>
-          <a:blip r:embed="rId2">
+          <a:blip r:embed="rId3">
             <a:extLst/>
           </a:blip>
           <a:stretch>
@@ -12079,13 +15142,13 @@
           <a:p>
             <a:r>
               <a:rPr lang="en-GB" dirty="0">
-                <a:hlinkClick r:id="rId3"/>
+                <a:hlinkClick r:id="rId4"/>
               </a:rPr>
               <a:t>https://xkcd.com/1205</a:t>
             </a:r>
             <a:r>
               <a:rPr lang="en-GB" dirty="0" smtClean="0">
-                <a:hlinkClick r:id="rId3"/>
+                <a:hlinkClick r:id="rId4"/>
               </a:rPr>
               <a:t>/</a:t>
             </a:r>
@@ -12116,6 +15179,13 @@
     <a:masterClrMapping/>
   </p:clrMapOvr>
   <p:transition spd="med"/>
+  <p:timing>
+    <p:tnLst>
+      <p:par>
+        <p:cTn id="1" dur="indefinite" restart="never" nodeType="tmRoot"/>
+      </p:par>
+    </p:tnLst>
+  </p:timing>
 </p:sld>
 </file>
 
@@ -12148,7 +15218,7 @@
         </p:nvSpPr>
         <p:spPr>
           <a:xfrm>
-            <a:off x="4572000" y="764704"/>
+            <a:off x="107504" y="764704"/>
             <a:ext cx="4392488" cy="5106727"/>
           </a:xfrm>
           <a:prstGeom prst="rect">
@@ -12176,46 +15246,6 @@
           </a:p>
         </p:txBody>
       </p:sp>
-      <p:pic>
-        <p:nvPicPr>
-          <p:cNvPr id="127" name="cutlery_MKS.jpg" descr="cutlery_MKS.jpg"/>
-          <p:cNvPicPr>
-            <a:picLocks noChangeAspect="1"/>
-          </p:cNvPicPr>
-          <p:nvPr/>
-        </p:nvPicPr>
-        <p:blipFill>
-          <a:blip r:embed="rId2">
-            <a:extLst>
-              <a:ext uri="{BEBA8EAE-BF5A-486C-A8C5-ECC9F3942E4B}">
-                <a14:imgProps xmlns:a14="http://schemas.microsoft.com/office/drawing/2010/main">
-                  <a14:imgLayer r:embed="rId3">
-                    <a14:imgEffect>
-                      <a14:brightnessContrast contrast="-20000"/>
-                    </a14:imgEffect>
-                  </a14:imgLayer>
-                </a14:imgProps>
-              </a:ext>
-            </a:extLst>
-          </a:blip>
-          <a:srcRect t="11351"/>
-          <a:stretch>
-            <a:fillRect/>
-          </a:stretch>
-        </p:blipFill>
-        <p:spPr>
-          <a:xfrm>
-            <a:off x="179512" y="764704"/>
-            <a:ext cx="4320480" cy="5106727"/>
-          </a:xfrm>
-          <a:prstGeom prst="rect">
-            <a:avLst/>
-          </a:prstGeom>
-          <a:ln w="12700">
-            <a:miter lim="400000"/>
-          </a:ln>
-        </p:spPr>
-      </p:pic>
       <p:sp>
         <p:nvSpPr>
           <p:cNvPr id="3" name="TextBox 2"/>
@@ -12384,6 +15414,46 @@
           </a:p>
         </p:txBody>
       </p:sp>
+      <p:pic>
+        <p:nvPicPr>
+          <p:cNvPr id="6" name="cutlery_MKS.jpg" descr="cutlery_MKS.jpg"/>
+          <p:cNvPicPr>
+            <a:picLocks noChangeAspect="1"/>
+          </p:cNvPicPr>
+          <p:nvPr/>
+        </p:nvPicPr>
+        <p:blipFill>
+          <a:blip r:embed="rId3">
+            <a:extLst>
+              <a:ext uri="{BEBA8EAE-BF5A-486C-A8C5-ECC9F3942E4B}">
+                <a14:imgProps xmlns:a14="http://schemas.microsoft.com/office/drawing/2010/main">
+                  <a14:imgLayer r:embed="rId4">
+                    <a14:imgEffect>
+                      <a14:brightnessContrast contrast="-20000"/>
+                    </a14:imgEffect>
+                  </a14:imgLayer>
+                </a14:imgProps>
+              </a:ext>
+            </a:extLst>
+          </a:blip>
+          <a:srcRect t="11351"/>
+          <a:stretch>
+            <a:fillRect/>
+          </a:stretch>
+        </p:blipFill>
+        <p:spPr>
+          <a:xfrm>
+            <a:off x="4644008" y="764704"/>
+            <a:ext cx="4320480" cy="5106727"/>
+          </a:xfrm>
+          <a:prstGeom prst="rect">
+            <a:avLst/>
+          </a:prstGeom>
+          <a:ln w="12700">
+            <a:miter lim="400000"/>
+          </a:ln>
+        </p:spPr>
+      </p:pic>
     </p:spTree>
     <p:extLst>
       <p:ext uri="{BB962C8B-B14F-4D97-AF65-F5344CB8AC3E}">
@@ -12395,6 +15465,13 @@
     <a:masterClrMapping/>
   </p:clrMapOvr>
   <p:transition spd="med"/>
+  <p:timing>
+    <p:tnLst>
+      <p:par>
+        <p:cTn id="1" dur="indefinite" restart="never" nodeType="tmRoot"/>
+      </p:par>
+    </p:tnLst>
+  </p:timing>
 </p:sld>
 </file>
 
@@ -12458,7 +15535,7 @@
           <p:nvPr/>
         </p:nvPicPr>
         <p:blipFill>
-          <a:blip r:embed="rId2">
+          <a:blip r:embed="rId3">
             <a:extLst/>
           </a:blip>
           <a:stretch>
@@ -12487,7 +15564,7 @@
           <p:nvPr/>
         </p:nvPicPr>
         <p:blipFill>
-          <a:blip r:embed="rId3">
+          <a:blip r:embed="rId4">
             <a:extLst/>
           </a:blip>
           <a:srcRect l="10138" r="11634"/>
@@ -12517,7 +15594,7 @@
           <p:nvPr/>
         </p:nvPicPr>
         <p:blipFill>
-          <a:blip r:embed="rId4">
+          <a:blip r:embed="rId5">
             <a:extLst/>
           </a:blip>
           <a:stretch>
@@ -12735,6 +15812,13 @@
     <a:masterClrMapping/>
   </p:clrMapOvr>
   <p:transition spd="med"/>
+  <p:timing>
+    <p:tnLst>
+      <p:par>
+        <p:cTn id="1" dur="indefinite" restart="never" nodeType="tmRoot"/>
+      </p:par>
+    </p:tnLst>
+  </p:timing>
 </p:sld>
 </file>
 
@@ -12810,11 +15894,11 @@
           <p:nvPr/>
         </p:nvPicPr>
         <p:blipFill>
-          <a:blip r:embed="rId2">
+          <a:blip r:embed="rId3">
             <a:extLst>
               <a:ext uri="{BEBA8EAE-BF5A-486C-A8C5-ECC9F3942E4B}">
                 <a14:imgProps xmlns:a14="http://schemas.microsoft.com/office/drawing/2010/main">
-                  <a14:imgLayer r:embed="rId3">
+                  <a14:imgLayer r:embed="rId4">
                     <a14:imgEffect>
                       <a14:brightnessContrast contrast="-20000"/>
                     </a14:imgEffect>
@@ -12847,6 +15931,13 @@
     <a:masterClrMapping/>
   </p:clrMapOvr>
   <p:transition spd="med"/>
+  <p:timing>
+    <p:tnLst>
+      <p:par>
+        <p:cTn id="1" dur="indefinite" restart="never" nodeType="tmRoot"/>
+      </p:par>
+    </p:tnLst>
+  </p:timing>
 </p:sld>
 </file>
 
@@ -12876,7 +15967,7 @@
           <p:nvPr/>
         </p:nvPicPr>
         <p:blipFill>
-          <a:blip r:embed="rId2">
+          <a:blip r:embed="rId3">
             <a:extLst/>
           </a:blip>
           <a:stretch>
@@ -12938,13 +16029,13 @@
           <a:p>
             <a:r>
               <a:rPr lang="en-GB" dirty="0">
-                <a:hlinkClick r:id="rId3"/>
+                <a:hlinkClick r:id="rId4"/>
               </a:rPr>
               <a:t>https://xkcd.com/1077</a:t>
             </a:r>
             <a:r>
               <a:rPr lang="en-GB" dirty="0" smtClean="0">
-                <a:hlinkClick r:id="rId3"/>
+                <a:hlinkClick r:id="rId4"/>
               </a:rPr>
               <a:t>/</a:t>
             </a:r>
@@ -12975,6 +16066,13 @@
     <a:masterClrMapping/>
   </p:clrMapOvr>
   <p:transition spd="med"/>
+  <p:timing>
+    <p:tnLst>
+      <p:par>
+        <p:cTn id="1" dur="indefinite" restart="never" nodeType="tmRoot"/>
+      </p:par>
+    </p:tnLst>
+  </p:timing>
 </p:sld>
 </file>
 
@@ -13037,7 +16135,7 @@
           <p:nvPr/>
         </p:nvPicPr>
         <p:blipFill>
-          <a:blip r:embed="rId2">
+          <a:blip r:embed="rId3">
             <a:extLst>
               <a:ext uri="{28A0092B-C50C-407E-A947-70E740481C1C}">
                 <a14:useLocalDpi xmlns:a14="http://schemas.microsoft.com/office/drawing/2010/main" val="0"/>
@@ -13100,13 +16198,13 @@
           <a:p>
             <a:r>
               <a:rPr lang="en-GB" dirty="0">
-                <a:hlinkClick r:id="rId3"/>
+                <a:hlinkClick r:id="rId4"/>
               </a:rPr>
               <a:t>https://r4ds.had.co.nz</a:t>
             </a:r>
             <a:r>
               <a:rPr lang="en-GB" dirty="0" smtClean="0">
-                <a:hlinkClick r:id="rId3"/>
+                <a:hlinkClick r:id="rId4"/>
               </a:rPr>
               <a:t>/</a:t>
             </a:r>
@@ -13142,6 +16240,13 @@
     <a:masterClrMapping/>
   </p:clrMapOvr>
   <p:transition spd="med"/>
+  <p:timing>
+    <p:tnLst>
+      <p:par>
+        <p:cTn id="1" dur="indefinite" restart="never" nodeType="tmRoot"/>
+      </p:par>
+    </p:tnLst>
+  </p:timing>
 </p:sld>
 </file>
 
@@ -13510,20 +16615,15 @@
                   <a:srgbClr val="FF0000"/>
                 </a:solidFill>
               </a:rPr>
-              <a:t>unique to me alone.</a:t>
-            </a:r>
-          </a:p>
-          <a:p>
-            <a:pPr defTabSz="576072" hangingPunct="1">
-              <a:defRPr sz="2772"/>
-            </a:pPr>
-            <a:r>
-              <a:rPr lang="en-GB" sz="3200" i="1" dirty="0" smtClean="0">
+              <a:t>unique to me alone</a:t>
+            </a:r>
+            <a:r>
+              <a:rPr lang="en-GB" sz="3200" b="1" i="1" dirty="0" smtClean="0">
                 <a:solidFill>
-                  <a:schemeClr val="tx1"/>
+                  <a:srgbClr val="FF0000"/>
                 </a:solidFill>
               </a:rPr>
-              <a:t>See cutlery drawer pictures for proof…</a:t>
+              <a:t>.</a:t>
             </a:r>
             <a:r>
               <a:rPr lang="en-GB" sz="3200" dirty="0" smtClean="0">
@@ -13533,6 +16633,11 @@
               </a:rPr>
               <a:t>)</a:t>
             </a:r>
+            <a:endParaRPr lang="en-GB" sz="3200" dirty="0" smtClean="0">
+              <a:solidFill>
+                <a:schemeClr val="tx1"/>
+              </a:solidFill>
+            </a:endParaRPr>
           </a:p>
           <a:p>
             <a:pPr defTabSz="576072" hangingPunct="1">
@@ -13553,6 +16658,13 @@
     <a:masterClrMapping/>
   </p:clrMapOvr>
   <p:transition spd="med"/>
+  <p:timing>
+    <p:tnLst>
+      <p:par>
+        <p:cTn id="1" dur="indefinite" restart="never" nodeType="tmRoot"/>
+      </p:par>
+    </p:tnLst>
+  </p:timing>
 </p:sld>
 </file>
 
@@ -14064,6 +17176,13 @@
     <a:masterClrMapping/>
   </p:clrMapOvr>
   <p:transition spd="med"/>
+  <p:timing>
+    <p:tnLst>
+      <p:par>
+        <p:cTn id="1" dur="indefinite" restart="never" nodeType="tmRoot"/>
+      </p:par>
+    </p:tnLst>
+  </p:timing>
 </p:sld>
 </file>
 

--- a/The lazy and easily distracted report writer.pptx
+++ b/The lazy and easily distracted report writer.pptx
@@ -4889,7 +4889,7 @@
           </a:ln>
           <a:extLst>
             <a:ext uri="{C572A759-6A51-4108-AA02-DFA0A04FC94B}">
-              <ma14:wrappingTextBoxFlag xmlns="" xmlns:m="http://schemas.openxmlformats.org/officeDocument/2006/math" xmlns:a14="http://schemas.microsoft.com/office/drawing/2010/main" xmlns:ma14="http://schemas.microsoft.com/office/mac/drawingml/2011/main" val="1"/>
+              <ma14:wrappingTextBoxFlag xmlns:ma14="http://schemas.microsoft.com/office/mac/drawingml/2011/main" xmlns:a14="http://schemas.microsoft.com/office/drawing/2010/main" xmlns:m="http://schemas.openxmlformats.org/officeDocument/2006/math" xmlns="" val="1"/>
             </a:ext>
           </a:extLst>
         </p:spPr>
@@ -4928,7 +4928,7 @@
           </a:ln>
           <a:extLst>
             <a:ext uri="{C572A759-6A51-4108-AA02-DFA0A04FC94B}">
-              <ma14:wrappingTextBoxFlag xmlns="" xmlns:m="http://schemas.openxmlformats.org/officeDocument/2006/math" xmlns:a14="http://schemas.microsoft.com/office/drawing/2010/main" xmlns:ma14="http://schemas.microsoft.com/office/mac/drawingml/2011/main" val="1"/>
+              <ma14:wrappingTextBoxFlag xmlns:ma14="http://schemas.microsoft.com/office/mac/drawingml/2011/main" xmlns:a14="http://schemas.microsoft.com/office/drawing/2010/main" xmlns:m="http://schemas.openxmlformats.org/officeDocument/2006/math" xmlns="" val="1"/>
             </a:ext>
           </a:extLst>
         </p:spPr>
@@ -7977,15 +7977,7 @@
             </a:pPr>
             <a:r>
               <a:rPr lang="en-GB" sz="4000" b="1" i="1" dirty="0" smtClean="0"/>
-              <a:t>&lt; </a:t>
-            </a:r>
-            <a:r>
-              <a:rPr lang="en-GB" sz="4000" b="1" i="1" dirty="0" smtClean="0"/>
-              <a:t>6 </a:t>
-            </a:r>
-            <a:r>
-              <a:rPr lang="en-GB" sz="4000" b="1" i="1" dirty="0" smtClean="0"/>
-              <a:t>months pass &gt;</a:t>
+              <a:t>&lt; 6 months pass &gt;</a:t>
             </a:r>
           </a:p>
           <a:p>
@@ -8555,11 +8547,7 @@
             </a:r>
             <a:r>
               <a:rPr lang="en-GB" dirty="0" smtClean="0"/>
-              <a:t>(6 </a:t>
-            </a:r>
-            <a:r>
-              <a:rPr lang="en-GB" dirty="0" smtClean="0"/>
-              <a:t>months later) </a:t>
+              <a:t>(6 months later) </a:t>
             </a:r>
             <a:r>
               <a:rPr b="1" i="1" dirty="0" smtClean="0"/>
@@ -9365,11 +9353,7 @@
             </a:pPr>
             <a:r>
               <a:rPr dirty="0" smtClean="0"/>
-              <a:t>Clinical </a:t>
-            </a:r>
-            <a:r>
-              <a:rPr dirty="0" smtClean="0"/>
-              <a:t>Pharmacologist</a:t>
+              <a:t>Clinical Pharmacologist</a:t>
             </a:r>
             <a:r>
               <a:rPr lang="en-GB" dirty="0" smtClean="0"/>
@@ -14766,9 +14750,75 @@
         </p:spPr>
         <p:txBody>
           <a:bodyPr>
-            <a:normAutofit lnSpcReduction="10000"/>
+            <a:normAutofit fontScale="92500" lnSpcReduction="20000"/>
           </a:bodyPr>
           <a:lstStyle/>
+          <a:p>
+            <a:pPr marL="264032" indent="-264032" defTabSz="704087">
+              <a:spcBef>
+                <a:spcPts val="500"/>
+              </a:spcBef>
+              <a:defRPr sz="2464"/>
+            </a:pPr>
+            <a:r>
+              <a:rPr lang="en-GB" dirty="0" smtClean="0"/>
+              <a:t>Question: Can I pass in parameters from the render command?</a:t>
+            </a:r>
+          </a:p>
+          <a:p>
+            <a:pPr marL="704903" lvl="1" indent="-264032" defTabSz="704087">
+              <a:spcBef>
+                <a:spcPts val="500"/>
+              </a:spcBef>
+              <a:defRPr sz="2464"/>
+            </a:pPr>
+            <a:r>
+              <a:rPr lang="en-GB" dirty="0" smtClean="0"/>
+              <a:t>You </a:t>
+            </a:r>
+            <a:r>
+              <a:rPr lang="en-GB" dirty="0" err="1" smtClean="0"/>
+              <a:t>betcha</a:t>
+            </a:r>
+            <a:r>
+              <a:rPr lang="en-GB" dirty="0" smtClean="0"/>
+              <a:t>! As </a:t>
+            </a:r>
+            <a:r>
+              <a:rPr lang="en-GB" b="1" dirty="0" smtClean="0">
+                <a:latin typeface="Courier New" panose="02070309020205020404" pitchFamily="49" charset="0"/>
+                <a:cs typeface="Courier New" panose="02070309020205020404" pitchFamily="49" charset="0"/>
+              </a:rPr>
+              <a:t>render(… , </a:t>
+            </a:r>
+            <a:r>
+              <a:rPr lang="en-GB" b="1" dirty="0" err="1" smtClean="0">
+                <a:latin typeface="Courier New" panose="02070309020205020404" pitchFamily="49" charset="0"/>
+                <a:cs typeface="Courier New" panose="02070309020205020404" pitchFamily="49" charset="0"/>
+              </a:rPr>
+              <a:t>params</a:t>
+            </a:r>
+            <a:r>
+              <a:rPr lang="en-GB" b="1" dirty="0" smtClean="0">
+                <a:latin typeface="Courier New" panose="02070309020205020404" pitchFamily="49" charset="0"/>
+                <a:cs typeface="Courier New" panose="02070309020205020404" pitchFamily="49" charset="0"/>
+              </a:rPr>
+              <a:t>=list( …  ) )</a:t>
+            </a:r>
+            <a:endParaRPr lang="en-GB" b="1" dirty="0" smtClean="0">
+              <a:latin typeface="Courier New" panose="02070309020205020404" pitchFamily="49" charset="0"/>
+              <a:cs typeface="Courier New" panose="02070309020205020404" pitchFamily="49" charset="0"/>
+            </a:endParaRPr>
+          </a:p>
+          <a:p>
+            <a:pPr marL="264032" indent="-264032" defTabSz="704087">
+              <a:spcBef>
+                <a:spcPts val="500"/>
+              </a:spcBef>
+              <a:defRPr sz="2464"/>
+            </a:pPr>
+            <a:endParaRPr lang="en-GB" dirty="0"/>
+          </a:p>
           <a:p>
             <a:pPr marL="264032" indent="-264032" defTabSz="704087">
               <a:spcBef>
@@ -14965,7 +15015,7 @@
           </a:ln>
           <a:extLst>
             <a:ext uri="{C572A759-6A51-4108-AA02-DFA0A04FC94B}">
-              <ma14:wrappingTextBoxFlag xmlns="" xmlns:m="http://schemas.openxmlformats.org/officeDocument/2006/math" xmlns:a14="http://schemas.microsoft.com/office/drawing/2010/main" xmlns:ma14="http://schemas.microsoft.com/office/mac/drawingml/2011/main" val="1"/>
+              <ma14:wrappingTextBoxFlag xmlns:ma14="http://schemas.microsoft.com/office/mac/drawingml/2011/main" xmlns:a14="http://schemas.microsoft.com/office/drawing/2010/main" xmlns:m="http://schemas.openxmlformats.org/officeDocument/2006/math" xmlns="" val="1"/>
             </a:ext>
           </a:extLst>
         </p:spPr>
@@ -15004,7 +15054,7 @@
           </a:ln>
           <a:extLst>
             <a:ext uri="{C572A759-6A51-4108-AA02-DFA0A04FC94B}">
-              <ma14:wrappingTextBoxFlag xmlns="" xmlns:m="http://schemas.openxmlformats.org/officeDocument/2006/math" xmlns:a14="http://schemas.microsoft.com/office/drawing/2010/main" xmlns:ma14="http://schemas.microsoft.com/office/mac/drawingml/2011/main" val="1"/>
+              <ma14:wrappingTextBoxFlag xmlns:ma14="http://schemas.microsoft.com/office/mac/drawingml/2011/main" xmlns:a14="http://schemas.microsoft.com/office/drawing/2010/main" xmlns:m="http://schemas.openxmlformats.org/officeDocument/2006/math" xmlns="" val="1"/>
             </a:ext>
           </a:extLst>
         </p:spPr>
@@ -16615,15 +16665,7 @@
                   <a:srgbClr val="FF0000"/>
                 </a:solidFill>
               </a:rPr>
-              <a:t>unique to me alone</a:t>
-            </a:r>
-            <a:r>
-              <a:rPr lang="en-GB" sz="3200" b="1" i="1" dirty="0" smtClean="0">
-                <a:solidFill>
-                  <a:srgbClr val="FF0000"/>
-                </a:solidFill>
-              </a:rPr>
-              <a:t>.</a:t>
+              <a:t>unique to me alone.</a:t>
             </a:r>
             <a:r>
               <a:rPr lang="en-GB" sz="3200" dirty="0" smtClean="0">
@@ -16633,11 +16675,6 @@
               </a:rPr>
               <a:t>)</a:t>
             </a:r>
-            <a:endParaRPr lang="en-GB" sz="3200" dirty="0" smtClean="0">
-              <a:solidFill>
-                <a:schemeClr val="tx1"/>
-              </a:solidFill>
-            </a:endParaRPr>
           </a:p>
           <a:p>
             <a:pPr defTabSz="576072" hangingPunct="1">

--- a/The lazy and easily distracted report writer.pptx
+++ b/The lazy and easily distracted report writer.pptx
@@ -896,7 +896,17 @@
           <a:p>
             <a:r>
               <a:rPr lang="en-GB" baseline="0" dirty="0" smtClean="0"/>
-              <a:t>Hang on. Sorry. Were you distracted by the text in light grey? Yes? Ah, so it’s NOT just me then.</a:t>
+              <a:t>Hang on. Sorry. Were you distracted by the text in light grey? Yes? Ah, so it’s NOT just me then</a:t>
+            </a:r>
+            <a:r>
+              <a:rPr lang="en-GB" baseline="0" dirty="0" smtClean="0"/>
+              <a:t>.</a:t>
+            </a:r>
+          </a:p>
+          <a:p>
+            <a:r>
+              <a:rPr lang="en-GB" baseline="0" dirty="0" smtClean="0"/>
+              <a:t>And how many folks noticed that the “Visualise” and “Transform” elements of the Data Science diagram were swapped?</a:t>
             </a:r>
             <a:endParaRPr lang="en-GB" dirty="0"/>
           </a:p>
@@ -977,7 +987,15 @@
           <a:p>
             <a:r>
               <a:rPr lang="en-GB" baseline="0" dirty="0" smtClean="0"/>
-              <a:t>So back it’s probably in a different house. In a different country. In a locked room. With “Beware of the leopard” sign on the door.</a:t>
+              <a:t>So back it’s probably in a different house. In a different country. In a locked room. </a:t>
+            </a:r>
+            <a:r>
+              <a:rPr lang="en-GB" baseline="0" dirty="0" smtClean="0"/>
+              <a:t>With a </a:t>
+            </a:r>
+            <a:r>
+              <a:rPr lang="en-GB" baseline="0" dirty="0" smtClean="0"/>
+              <a:t>“Beware of the leopard” sign on the door.</a:t>
             </a:r>
           </a:p>
           <a:p>
@@ -986,7 +1004,15 @@
           <a:p>
             <a:r>
               <a:rPr lang="en-GB" baseline="0" dirty="0" smtClean="0"/>
-              <a:t>And at this point if they come back to me to ask about my analysis, I’m going to REALLY struggle to bring back to mind what I did 6 months ago.</a:t>
+              <a:t>And at this point </a:t>
+            </a:r>
+            <a:r>
+              <a:rPr lang="en-GB" baseline="0" dirty="0" smtClean="0"/>
+              <a:t>when they </a:t>
+            </a:r>
+            <a:r>
+              <a:rPr lang="en-GB" baseline="0" dirty="0" smtClean="0"/>
+              <a:t>come back to me to ask about my analysis, I’m going to REALLY struggle to bring back to mind what I did 6 months ago.</a:t>
             </a:r>
           </a:p>
           <a:p>
@@ -1275,8 +1301,23 @@
             </a:r>
             <a:r>
               <a:rPr lang="en-GB" baseline="0" dirty="0" smtClean="0"/>
-              <a:t> for capturing ANALYSIS@</a:t>
-            </a:r>
+              <a:t> for capturing </a:t>
+            </a:r>
+            <a:r>
+              <a:rPr lang="en-GB" baseline="0" dirty="0" smtClean="0"/>
+              <a:t>ANALYSIS not for functions or scripts in other circumstances. For more details see </a:t>
+            </a:r>
+            <a:r>
+              <a:rPr lang="en-GB" baseline="0" dirty="0" err="1" smtClean="0"/>
+              <a:t>Yihui’s</a:t>
+            </a:r>
+            <a:r>
+              <a:rPr lang="en-GB" baseline="0" dirty="0" smtClean="0"/>
+              <a:t> blog post here.</a:t>
+            </a:r>
+          </a:p>
+          <a:p>
+            <a:endParaRPr lang="en-GB" baseline="0" dirty="0" smtClean="0"/>
           </a:p>
           <a:p>
             <a:r>
@@ -2385,21 +2426,12 @@
           <a:lstStyle/>
           <a:p>
             <a:r>
-              <a:rPr lang="en-GB" dirty="0" smtClean="0"/>
-              <a:t>Of course,</a:t>
-            </a:r>
-            <a:r>
               <a:rPr lang="en-GB" baseline="0" dirty="0" smtClean="0"/>
-              <a:t> as XKCD points out, if you automate to this level you have to be a bit careful.</a:t>
-            </a:r>
-          </a:p>
-          <a:p>
-            <a:endParaRPr lang="en-GB" baseline="0" dirty="0" smtClean="0"/>
-          </a:p>
-          <a:p>
+              <a:t>So </a:t>
+            </a:r>
             <a:r>
               <a:rPr lang="en-GB" baseline="0" dirty="0" smtClean="0"/>
-              <a:t>So if, in some other case, you had to tailor your analysis to allow for non-continuous outcomes, then you might have to condition chunks depending on the value of the endpoint parameter.</a:t>
+              <a:t>if, in some other case, you had to tailor your analysis to allow for non-continuous outcomes, then you might have to condition chunks depending on the value of the endpoint parameter.</a:t>
             </a:r>
           </a:p>
           <a:p>
@@ -2482,14 +2514,13 @@
             </a:r>
             <a:r>
               <a:rPr lang="en-GB" baseline="0" dirty="0" smtClean="0"/>
-              <a:t> who has a PhD in neuroscience and was until fairly recently an academic working in the field of cognitive load.</a:t>
-            </a:r>
-          </a:p>
-          <a:p>
+              <a:t> who has a PhD in neuroscience and was until fairly recently an academic working in the field of cognitive load</a:t>
+            </a:r>
             <a:r>
               <a:rPr lang="en-GB" baseline="0" dirty="0" smtClean="0"/>
-              <a:t>She was making this point about all brains, but I felt that in particular it described me very well…</a:t>
-            </a:r>
+              <a:t>.</a:t>
+            </a:r>
+            <a:endParaRPr lang="en-GB" baseline="0" dirty="0" smtClean="0"/>
           </a:p>
         </p:txBody>
       </p:sp>
@@ -2721,7 +2752,11 @@
           <a:p>
             <a:r>
               <a:rPr lang="en-GB" baseline="0" dirty="0" smtClean="0"/>
-              <a:t>Do knives go on the left, or right, do you parse out large and small forks and spoons. That kind of thing.</a:t>
+              <a:t>Do knives go on the left, or right, do you parse out large and small forks and spoons. </a:t>
+            </a:r>
+            <a:r>
+              <a:rPr lang="en-GB" baseline="0" dirty="0" smtClean="0"/>
+              <a:t>Do you organise by frequency of use? That kind of thing. Take a moment to consider your own cutlery drawer….</a:t>
             </a:r>
             <a:endParaRPr lang="en-GB" dirty="0"/>
           </a:p>
@@ -2965,27 +3000,12 @@
           <a:lstStyle/>
           <a:p>
             <a:r>
-              <a:rPr lang="en-GB" dirty="0" smtClean="0"/>
-              <a:t>But Mike, I hear you say, what on earth does all</a:t>
-            </a:r>
-            <a:r>
               <a:rPr lang="en-GB" baseline="0" dirty="0" smtClean="0"/>
-              <a:t> this have to do with data science, R and parameterised reports?</a:t>
-            </a:r>
-          </a:p>
-          <a:p>
+              <a:t>OK, I’m </a:t>
+            </a:r>
             <a:r>
               <a:rPr lang="en-GB" baseline="0" dirty="0" smtClean="0"/>
-              <a:t>Well, I’ll tell you. That’s why I’m here.</a:t>
-            </a:r>
-          </a:p>
-          <a:p>
-            <a:endParaRPr lang="en-GB" baseline="0" dirty="0" smtClean="0"/>
-          </a:p>
-          <a:p>
-            <a:r>
-              <a:rPr lang="en-GB" baseline="0" dirty="0" smtClean="0"/>
-              <a:t>I’m assuming that if you’re at this conference then you’re likely to have seen this diagram.</a:t>
+              <a:t>assuming that if you’re at this conference then you’re likely to have seen this diagram.</a:t>
             </a:r>
           </a:p>
           <a:p>
@@ -4889,7 +4909,7 @@
           </a:ln>
           <a:extLst>
             <a:ext uri="{C572A759-6A51-4108-AA02-DFA0A04FC94B}">
-              <ma14:wrappingTextBoxFlag xmlns:ma14="http://schemas.microsoft.com/office/mac/drawingml/2011/main" xmlns:a14="http://schemas.microsoft.com/office/drawing/2010/main" xmlns:m="http://schemas.openxmlformats.org/officeDocument/2006/math" xmlns="" val="1"/>
+              <ma14:wrappingTextBoxFlag xmlns="" xmlns:m="http://schemas.openxmlformats.org/officeDocument/2006/math" xmlns:a14="http://schemas.microsoft.com/office/drawing/2010/main" xmlns:ma14="http://schemas.microsoft.com/office/mac/drawingml/2011/main" val="1"/>
             </a:ext>
           </a:extLst>
         </p:spPr>
@@ -4928,7 +4948,7 @@
           </a:ln>
           <a:extLst>
             <a:ext uri="{C572A759-6A51-4108-AA02-DFA0A04FC94B}">
-              <ma14:wrappingTextBoxFlag xmlns:ma14="http://schemas.microsoft.com/office/mac/drawingml/2011/main" xmlns:a14="http://schemas.microsoft.com/office/drawing/2010/main" xmlns:m="http://schemas.openxmlformats.org/officeDocument/2006/math" xmlns="" val="1"/>
+              <ma14:wrappingTextBoxFlag xmlns="" xmlns:m="http://schemas.openxmlformats.org/officeDocument/2006/math" xmlns:a14="http://schemas.microsoft.com/office/drawing/2010/main" xmlns:ma14="http://schemas.microsoft.com/office/mac/drawingml/2011/main" val="1"/>
             </a:ext>
           </a:extLst>
         </p:spPr>
@@ -9268,7 +9288,19 @@
           <a:p>
             <a:r>
               <a:rPr dirty="0"/>
-              <a:t>TL;DR - Disclaimer</a:t>
+              <a:t>TL;DR </a:t>
+            </a:r>
+            <a:r>
+              <a:rPr lang="en-GB" dirty="0" smtClean="0"/>
+              <a:t>&amp;</a:t>
+            </a:r>
+            <a:r>
+              <a:rPr dirty="0" smtClean="0"/>
+              <a:t> </a:t>
+            </a:r>
+            <a:r>
+              <a:rPr dirty="0"/>
+              <a:t>Disclaimer</a:t>
             </a:r>
           </a:p>
         </p:txBody>
@@ -9293,7 +9325,9 @@
           </a:prstGeom>
         </p:spPr>
         <p:txBody>
-          <a:bodyPr/>
+          <a:bodyPr>
+            <a:normAutofit lnSpcReduction="10000"/>
+          </a:bodyPr>
           <a:lstStyle/>
           <a:p>
             <a:pPr>
@@ -9307,12 +9341,20 @@
               <a:t>I used </a:t>
             </a:r>
             <a:r>
-              <a:rPr dirty="0" err="1"/>
+              <a:rPr lang="en-GB" dirty="0" smtClean="0"/>
+              <a:t>parameterised </a:t>
+            </a:r>
+            <a:r>
+              <a:rPr dirty="0" err="1" smtClean="0"/>
               <a:t>rmarkdown</a:t>
             </a:r>
             <a:r>
+              <a:rPr dirty="0" smtClean="0"/>
+              <a:t> notebooks </a:t>
+            </a:r>
+            <a:r>
               <a:rPr dirty="0"/>
-              <a:t> notebooks / documents to write up </a:t>
+              <a:t>to write up </a:t>
             </a:r>
             <a:r>
               <a:rPr dirty="0" smtClean="0"/>
@@ -9327,9 +9369,38 @@
               <a:t>analysis </a:t>
             </a:r>
             <a:r>
+              <a:rPr lang="en-GB" dirty="0" smtClean="0"/>
+              <a:t>which I </a:t>
+            </a:r>
+            <a:r>
+              <a:rPr dirty="0" smtClean="0"/>
+              <a:t>share</a:t>
+            </a:r>
+            <a:r>
+              <a:rPr lang="en-GB" dirty="0" smtClean="0"/>
+              <a:t>d</a:t>
+            </a:r>
+            <a:r>
+              <a:rPr dirty="0" smtClean="0"/>
+              <a:t> </a:t>
+            </a:r>
+            <a:r>
               <a:rPr dirty="0"/>
-              <a:t>to share with a drug development team.</a:t>
-            </a:r>
+              <a:t>with a drug development </a:t>
+            </a:r>
+            <a:r>
+              <a:rPr dirty="0" smtClean="0"/>
+              <a:t>team</a:t>
+            </a:r>
+            <a:r>
+              <a:rPr lang="en-GB" dirty="0" smtClean="0"/>
+              <a:t> consisting of quantitative and non-quantitative colleagues</a:t>
+            </a:r>
+            <a:r>
+              <a:rPr lang="en-GB" dirty="0"/>
+              <a:t>:</a:t>
+            </a:r>
+            <a:endParaRPr dirty="0"/>
           </a:p>
           <a:p>
             <a:pPr marL="742950" lvl="1" indent="-285750">
@@ -9353,11 +9424,19 @@
             </a:pPr>
             <a:r>
               <a:rPr dirty="0" smtClean="0"/>
-              <a:t>Clinical Pharmacologist</a:t>
+              <a:t>Clinical </a:t>
+            </a:r>
+            <a:r>
+              <a:rPr dirty="0" smtClean="0"/>
+              <a:t>Pharmacologist</a:t>
             </a:r>
             <a:r>
               <a:rPr lang="en-GB" dirty="0" smtClean="0"/>
-              <a:t> (including my manager)</a:t>
+              <a:t>s </a:t>
+            </a:r>
+            <a:r>
+              <a:rPr lang="en-GB" dirty="0" smtClean="0"/>
+              <a:t>(including my manager)</a:t>
             </a:r>
             <a:endParaRPr dirty="0" smtClean="0"/>
           </a:p>
@@ -9373,6 +9452,15 @@
               <a:t>Clinician</a:t>
             </a:r>
             <a:endParaRPr dirty="0"/>
+          </a:p>
+          <a:p>
+            <a:pPr>
+              <a:spcBef>
+                <a:spcPts val="600"/>
+              </a:spcBef>
+              <a:defRPr sz="2900"/>
+            </a:pPr>
+            <a:endParaRPr lang="en-GB" dirty="0" smtClean="0"/>
           </a:p>
           <a:p>
             <a:pPr>
@@ -11179,88 +11267,6 @@
         </p:pic>
         <p:sp>
           <p:nvSpPr>
-            <p:cNvPr id="4" name="Rectangle 3"/>
-            <p:cNvSpPr/>
-            <p:nvPr/>
-          </p:nvSpPr>
-          <p:spPr>
-            <a:xfrm>
-              <a:off x="827584" y="1412776"/>
-              <a:ext cx="2376264" cy="1440160"/>
-            </a:xfrm>
-            <a:prstGeom prst="rect">
-              <a:avLst/>
-            </a:prstGeom>
-            <a:noFill/>
-            <a:ln w="38100" cap="flat">
-              <a:solidFill>
-                <a:srgbClr val="FF0000"/>
-              </a:solidFill>
-              <a:prstDash val="solid"/>
-              <a:round/>
-            </a:ln>
-            <a:effectLst>
-              <a:outerShdw blurRad="38100" dist="23000" dir="5400000" rotWithShape="0">
-                <a:srgbClr val="000000">
-                  <a:alpha val="35000"/>
-                </a:srgbClr>
-              </a:outerShdw>
-            </a:effectLst>
-            <a:sp3d/>
-          </p:spPr>
-          <p:style>
-            <a:lnRef idx="0">
-              <a:scrgbClr r="0" g="0" b="0"/>
-            </a:lnRef>
-            <a:fillRef idx="0">
-              <a:scrgbClr r="0" g="0" b="0"/>
-            </a:fillRef>
-            <a:effectRef idx="0">
-              <a:scrgbClr r="0" g="0" b="0"/>
-            </a:effectRef>
-            <a:fontRef idx="none"/>
-          </p:style>
-          <p:txBody>
-            <a:bodyPr rot="0" spcFirstLastPara="1" vertOverflow="overflow" horzOverflow="overflow" vert="horz" wrap="square" lIns="45719" tIns="45719" rIns="45719" bIns="45719" numCol="1" spcCol="38100" rtlCol="0" anchor="ctr">
-              <a:spAutoFit/>
-            </a:bodyPr>
-            <a:lstStyle/>
-            <a:p>
-              <a:pPr marL="0" marR="0" indent="0" algn="l" defTabSz="914400" rtl="0" fontAlgn="auto" latinLnBrk="0" hangingPunct="0">
-                <a:lnSpc>
-                  <a:spcPct val="100000"/>
-                </a:lnSpc>
-                <a:spcBef>
-                  <a:spcPts val="0"/>
-                </a:spcBef>
-                <a:spcAft>
-                  <a:spcPts val="0"/>
-                </a:spcAft>
-                <a:buClrTx/>
-                <a:buSzTx/>
-                <a:buFontTx/>
-                <a:buNone/>
-                <a:tabLst/>
-              </a:pPr>
-              <a:endParaRPr kumimoji="0" lang="en-GB" sz="1800" b="0" i="0" u="none" strike="noStrike" cap="none" spc="0" normalizeH="0" baseline="0">
-                <a:ln>
-                  <a:noFill/>
-                </a:ln>
-                <a:solidFill>
-                  <a:srgbClr val="000000"/>
-                </a:solidFill>
-                <a:effectLst/>
-                <a:uFillTx/>
-                <a:latin typeface="+mn-lt"/>
-                <a:ea typeface="+mn-ea"/>
-                <a:cs typeface="+mn-cs"/>
-                <a:sym typeface="Calibri"/>
-              </a:endParaRPr>
-            </a:p>
-          </p:txBody>
-        </p:sp>
-        <p:sp>
-          <p:nvSpPr>
             <p:cNvPr id="5" name="Rectangle 4"/>
             <p:cNvSpPr/>
             <p:nvPr/>
@@ -11338,207 +11344,6 @@
                 <a:cs typeface="+mn-cs"/>
                 <a:sym typeface="Calibri"/>
               </a:endParaRPr>
-            </a:p>
-          </p:txBody>
-        </p:sp>
-        <p:cxnSp>
-          <p:nvCxnSpPr>
-            <p:cNvPr id="7" name="Straight Arrow Connector 6"/>
-            <p:cNvCxnSpPr>
-              <a:stCxn id="8" idx="1"/>
-              <a:endCxn id="4" idx="3"/>
-            </p:cNvCxnSpPr>
-            <p:nvPr/>
-          </p:nvCxnSpPr>
-          <p:spPr>
-            <a:xfrm flipH="1">
-              <a:off x="3203848" y="2132856"/>
-              <a:ext cx="1371166" cy="0"/>
-            </a:xfrm>
-            <a:prstGeom prst="straightConnector1">
-              <a:avLst/>
-            </a:prstGeom>
-            <a:noFill/>
-            <a:ln w="25400" cap="flat">
-              <a:solidFill>
-                <a:srgbClr val="FF0000"/>
-              </a:solidFill>
-              <a:prstDash val="solid"/>
-              <a:round/>
-              <a:tailEnd type="arrow"/>
-            </a:ln>
-            <a:effectLst>
-              <a:outerShdw blurRad="38100" dist="20000" dir="5400000" rotWithShape="0">
-                <a:srgbClr val="000000">
-                  <a:alpha val="38000"/>
-                </a:srgbClr>
-              </a:outerShdw>
-            </a:effectLst>
-            <a:sp3d/>
-          </p:spPr>
-          <p:style>
-            <a:lnRef idx="0">
-              <a:scrgbClr r="0" g="0" b="0"/>
-            </a:lnRef>
-            <a:fillRef idx="0">
-              <a:scrgbClr r="0" g="0" b="0"/>
-            </a:fillRef>
-            <a:effectRef idx="0">
-              <a:scrgbClr r="0" g="0" b="0"/>
-            </a:effectRef>
-            <a:fontRef idx="none"/>
-          </p:style>
-        </p:cxnSp>
-        <p:sp>
-          <p:nvSpPr>
-            <p:cNvPr id="8" name="TextBox 7"/>
-            <p:cNvSpPr txBox="1"/>
-            <p:nvPr/>
-          </p:nvSpPr>
-          <p:spPr>
-            <a:xfrm>
-              <a:off x="4575014" y="1809691"/>
-              <a:ext cx="2788582" cy="646329"/>
-            </a:xfrm>
-            <a:prstGeom prst="rect">
-              <a:avLst/>
-            </a:prstGeom>
-            <a:noFill/>
-            <a:ln w="12700" cap="flat">
-              <a:noFill/>
-              <a:miter lim="400000"/>
-            </a:ln>
-            <a:effectLst/>
-            <a:sp3d/>
-          </p:spPr>
-          <p:style>
-            <a:lnRef idx="0">
-              <a:scrgbClr r="0" g="0" b="0"/>
-            </a:lnRef>
-            <a:fillRef idx="0">
-              <a:scrgbClr r="0" g="0" b="0"/>
-            </a:fillRef>
-            <a:effectRef idx="0">
-              <a:scrgbClr r="0" g="0" b="0"/>
-            </a:effectRef>
-            <a:fontRef idx="none"/>
-          </p:style>
-          <p:txBody>
-            <a:bodyPr rot="0" spcFirstLastPara="1" vertOverflow="overflow" horzOverflow="overflow" vert="horz" wrap="none" lIns="45719" tIns="45719" rIns="45719" bIns="45719" numCol="1" spcCol="38100" rtlCol="0" anchor="t">
-              <a:spAutoFit/>
-            </a:bodyPr>
-            <a:lstStyle/>
-            <a:p>
-              <a:pPr marL="0" marR="0" indent="0" algn="l" defTabSz="914400" rtl="0" fontAlgn="auto" latinLnBrk="0" hangingPunct="0">
-                <a:lnSpc>
-                  <a:spcPct val="100000"/>
-                </a:lnSpc>
-                <a:spcBef>
-                  <a:spcPts val="0"/>
-                </a:spcBef>
-                <a:spcAft>
-                  <a:spcPts val="0"/>
-                </a:spcAft>
-                <a:buClrTx/>
-                <a:buSzTx/>
-                <a:buFontTx/>
-                <a:buNone/>
-                <a:tabLst/>
-              </a:pPr>
-              <a:r>
-                <a:rPr lang="en-GB" dirty="0" smtClean="0"/>
-                <a:t>Parameters that can be used</a:t>
-              </a:r>
-            </a:p>
-            <a:p>
-              <a:pPr marL="0" marR="0" indent="0" algn="l" defTabSz="914400" rtl="0" fontAlgn="auto" latinLnBrk="0" hangingPunct="0">
-                <a:lnSpc>
-                  <a:spcPct val="100000"/>
-                </a:lnSpc>
-                <a:spcBef>
-                  <a:spcPts val="0"/>
-                </a:spcBef>
-                <a:spcAft>
-                  <a:spcPts val="0"/>
-                </a:spcAft>
-                <a:buClrTx/>
-                <a:buSzTx/>
-                <a:buFontTx/>
-                <a:buNone/>
-                <a:tabLst/>
-              </a:pPr>
-              <a:r>
-                <a:rPr lang="en-GB" dirty="0"/>
-                <a:t>i</a:t>
-              </a:r>
-              <a:r>
-                <a:rPr kumimoji="0" lang="en-GB" sz="1800" b="0" i="0" u="none" strike="noStrike" cap="none" spc="0" normalizeH="0" baseline="0" dirty="0" smtClean="0">
-                  <a:ln>
-                    <a:noFill/>
-                  </a:ln>
-                  <a:solidFill>
-                    <a:srgbClr val="000000"/>
-                  </a:solidFill>
-                  <a:effectLst/>
-                  <a:uFillTx/>
-                  <a:latin typeface="+mn-lt"/>
-                  <a:ea typeface="+mn-ea"/>
-                  <a:cs typeface="+mn-cs"/>
-                  <a:sym typeface="Calibri"/>
-                </a:rPr>
-                <a:t>n</a:t>
-              </a:r>
-              <a:r>
-                <a:rPr kumimoji="0" lang="en-GB" sz="1800" b="0" i="0" u="none" strike="noStrike" cap="none" spc="0" normalizeH="0" dirty="0" smtClean="0">
-                  <a:ln>
-                    <a:noFill/>
-                  </a:ln>
-                  <a:solidFill>
-                    <a:srgbClr val="000000"/>
-                  </a:solidFill>
-                  <a:effectLst/>
-                  <a:uFillTx/>
-                  <a:latin typeface="+mn-lt"/>
-                  <a:ea typeface="+mn-ea"/>
-                  <a:cs typeface="+mn-cs"/>
-                  <a:sym typeface="Calibri"/>
-                </a:rPr>
-                <a:t> the code / </a:t>
-              </a:r>
-              <a:r>
-                <a:rPr kumimoji="0" lang="en-GB" sz="1800" b="0" i="0" u="none" strike="noStrike" cap="none" spc="0" normalizeH="0" dirty="0" err="1" smtClean="0">
-                  <a:ln>
-                    <a:noFill/>
-                  </a:ln>
-                  <a:solidFill>
-                    <a:srgbClr val="000000"/>
-                  </a:solidFill>
-                  <a:effectLst/>
-                  <a:uFillTx/>
-                  <a:latin typeface="+mn-lt"/>
-                  <a:ea typeface="+mn-ea"/>
-                  <a:cs typeface="+mn-cs"/>
-                  <a:sym typeface="Calibri"/>
-                </a:rPr>
-                <a:t>knitr</a:t>
-              </a:r>
-              <a:r>
-                <a:rPr kumimoji="0" lang="en-GB" sz="1800" b="0" i="0" u="none" strike="noStrike" cap="none" spc="0" normalizeH="0" dirty="0" smtClean="0">
-                  <a:ln>
-                    <a:noFill/>
-                  </a:ln>
-                  <a:solidFill>
-                    <a:srgbClr val="000000"/>
-                  </a:solidFill>
-                  <a:effectLst/>
-                  <a:uFillTx/>
-                  <a:latin typeface="+mn-lt"/>
-                  <a:ea typeface="+mn-ea"/>
-                  <a:cs typeface="+mn-cs"/>
-                  <a:sym typeface="Calibri"/>
-                </a:rPr>
-                <a:t> options</a:t>
-              </a:r>
             </a:p>
           </p:txBody>
         </p:sp>
@@ -14782,14 +14587,21 @@
             </a:r>
             <a:r>
               <a:rPr lang="en-GB" dirty="0" smtClean="0"/>
-              <a:t>! As </a:t>
+              <a:t>! </a:t>
             </a:r>
             <a:r>
               <a:rPr lang="en-GB" b="1" dirty="0" smtClean="0">
                 <a:latin typeface="Courier New" panose="02070309020205020404" pitchFamily="49" charset="0"/>
                 <a:cs typeface="Courier New" panose="02070309020205020404" pitchFamily="49" charset="0"/>
               </a:rPr>
-              <a:t>render(… , </a:t>
+              <a:t>render</a:t>
+            </a:r>
+            <a:r>
+              <a:rPr lang="en-GB" b="1" dirty="0" smtClean="0">
+                <a:latin typeface="Courier New" panose="02070309020205020404" pitchFamily="49" charset="0"/>
+                <a:cs typeface="Courier New" panose="02070309020205020404" pitchFamily="49" charset="0"/>
+              </a:rPr>
+              <a:t>(… , </a:t>
             </a:r>
             <a:r>
               <a:rPr lang="en-GB" b="1" dirty="0" err="1" smtClean="0">
@@ -14805,10 +14617,6 @@
               </a:rPr>
               <a:t>=list( …  ) )</a:t>
             </a:r>
-            <a:endParaRPr lang="en-GB" b="1" dirty="0" smtClean="0">
-              <a:latin typeface="Courier New" panose="02070309020205020404" pitchFamily="49" charset="0"/>
-              <a:cs typeface="Courier New" panose="02070309020205020404" pitchFamily="49" charset="0"/>
-            </a:endParaRPr>
           </a:p>
           <a:p>
             <a:pPr marL="264032" indent="-264032" defTabSz="704087">
@@ -15015,7 +14823,7 @@
           </a:ln>
           <a:extLst>
             <a:ext uri="{C572A759-6A51-4108-AA02-DFA0A04FC94B}">
-              <ma14:wrappingTextBoxFlag xmlns:ma14="http://schemas.microsoft.com/office/mac/drawingml/2011/main" xmlns:a14="http://schemas.microsoft.com/office/drawing/2010/main" xmlns:m="http://schemas.openxmlformats.org/officeDocument/2006/math" xmlns="" val="1"/>
+              <ma14:wrappingTextBoxFlag xmlns="" xmlns:m="http://schemas.openxmlformats.org/officeDocument/2006/math" xmlns:a14="http://schemas.microsoft.com/office/drawing/2010/main" xmlns:ma14="http://schemas.microsoft.com/office/mac/drawingml/2011/main" val="1"/>
             </a:ext>
           </a:extLst>
         </p:spPr>
@@ -15030,6 +14838,7 @@
           </a:lstStyle>
           <a:p>
             <a:r>
+              <a:rPr dirty="0"/>
               <a:t>Your (my) brain is lazy, shallow, and easily distracted.</a:t>
             </a:r>
           </a:p>
@@ -15054,7 +14863,7 @@
           </a:ln>
           <a:extLst>
             <a:ext uri="{C572A759-6A51-4108-AA02-DFA0A04FC94B}">
-              <ma14:wrappingTextBoxFlag xmlns:ma14="http://schemas.microsoft.com/office/mac/drawingml/2011/main" xmlns:a14="http://schemas.microsoft.com/office/drawing/2010/main" xmlns:m="http://schemas.openxmlformats.org/officeDocument/2006/math" xmlns="" val="1"/>
+              <ma14:wrappingTextBoxFlag xmlns="" xmlns:m="http://schemas.openxmlformats.org/officeDocument/2006/math" xmlns:a14="http://schemas.microsoft.com/office/drawing/2010/main" xmlns:ma14="http://schemas.microsoft.com/office/mac/drawingml/2011/main" val="1"/>
             </a:ext>
           </a:extLst>
         </p:spPr>
@@ -15276,7 +15085,7 @@
           </a:prstGeom>
         </p:spPr>
         <p:txBody>
-          <a:bodyPr>
+          <a:bodyPr anchor="t">
             <a:normAutofit/>
           </a:bodyPr>
           <a:lstStyle/>
@@ -15290,7 +15099,29 @@
             </a:br>
             <a:r>
               <a:rPr lang="en-GB" dirty="0" smtClean="0"/>
-              <a:t>but remember….</a:t>
+              <a:t>but remember</a:t>
+            </a:r>
+            <a:r>
+              <a:rPr lang="en-GB" dirty="0" smtClean="0"/>
+              <a:t>….</a:t>
+            </a:r>
+            <a:br>
+              <a:rPr lang="en-GB" dirty="0" smtClean="0"/>
+            </a:br>
+            <a:r>
+              <a:rPr lang="en-GB" dirty="0"/>
+              <a:t/>
+            </a:r>
+            <a:br>
+              <a:rPr lang="en-GB" dirty="0"/>
+            </a:br>
+            <a:r>
+              <a:rPr lang="en-GB" dirty="0" smtClean="0"/>
+              <a:t>#</a:t>
+            </a:r>
+            <a:r>
+              <a:rPr lang="en-GB" dirty="0" err="1" smtClean="0"/>
+              <a:t>untidyverse</a:t>
             </a:r>
             <a:endParaRPr dirty="0"/>
           </a:p>
@@ -15304,8 +15135,8 @@
         </p:nvSpPr>
         <p:spPr>
           <a:xfrm>
-            <a:off x="7164288" y="6228022"/>
-            <a:ext cx="1430839" cy="369330"/>
+            <a:off x="821160" y="5399981"/>
+            <a:ext cx="1876474" cy="461663"/>
           </a:xfrm>
           <a:prstGeom prst="rect">
             <a:avLst/>
@@ -15353,7 +15184,7 @@
               <a:tabLst/>
             </a:pPr>
             <a:r>
-              <a:rPr kumimoji="0" lang="en-GB" sz="1800" b="0" i="0" u="none" strike="noStrike" cap="none" spc="0" normalizeH="0" baseline="0" dirty="0" smtClean="0">
+              <a:rPr kumimoji="0" lang="en-GB" sz="2400" b="0" i="0" u="none" strike="noStrike" cap="none" spc="0" normalizeH="0" baseline="0" dirty="0" smtClean="0">
                 <a:ln>
                   <a:noFill/>
                 </a:ln>
@@ -15370,7 +15201,7 @@
               <a:t>@</a:t>
             </a:r>
             <a:r>
-              <a:rPr kumimoji="0" lang="en-GB" sz="1800" b="0" i="0" u="none" strike="noStrike" cap="none" spc="0" normalizeH="0" baseline="0" dirty="0" err="1" smtClean="0">
+              <a:rPr kumimoji="0" lang="en-GB" sz="2400" b="0" i="0" u="none" strike="noStrike" cap="none" spc="0" normalizeH="0" baseline="0" dirty="0" err="1" smtClean="0">
                 <a:ln>
                   <a:noFill/>
                 </a:ln>
@@ -15386,7 +15217,7 @@
               </a:rPr>
               <a:t>MikeKSmith</a:t>
             </a:r>
-            <a:endParaRPr kumimoji="0" lang="en-GB" sz="1800" b="0" i="0" u="none" strike="noStrike" cap="none" spc="0" normalizeH="0" baseline="0" dirty="0">
+            <a:endParaRPr kumimoji="0" lang="en-GB" sz="2400" b="0" i="0" u="none" strike="noStrike" cap="none" spc="0" normalizeH="0" baseline="0" dirty="0">
               <a:ln>
                 <a:noFill/>
               </a:ln>
@@ -15411,8 +15242,8 @@
         </p:nvSpPr>
         <p:spPr>
           <a:xfrm>
-            <a:off x="179512" y="6228022"/>
-            <a:ext cx="4830808" cy="369330"/>
+            <a:off x="821160" y="5985465"/>
+            <a:ext cx="6393736" cy="461663"/>
           </a:xfrm>
           <a:prstGeom prst="rect">
             <a:avLst/>
@@ -15444,10 +15275,10 @@
           <a:lstStyle/>
           <a:p>
             <a:r>
-              <a:rPr lang="en-GB" dirty="0"/>
+              <a:rPr lang="en-GB" sz="2400" dirty="0"/>
               <a:t>https://github.com/MikeKSmith/RStudioConf2019</a:t>
             </a:r>
-            <a:endParaRPr kumimoji="0" lang="en-GB" sz="1800" b="0" i="0" u="none" strike="noStrike" cap="none" spc="0" normalizeH="0" baseline="0" dirty="0">
+            <a:endParaRPr kumimoji="0" lang="en-GB" sz="2400" b="0" i="0" u="none" strike="noStrike" cap="none" spc="0" normalizeH="0" baseline="0" dirty="0">
               <a:ln>
                 <a:noFill/>
               </a:ln>
@@ -15456,9 +15287,6 @@
               </a:solidFill>
               <a:effectLst/>
               <a:uFillTx/>
-              <a:latin typeface="+mn-lt"/>
-              <a:ea typeface="+mn-ea"/>
-              <a:cs typeface="+mn-cs"/>
               <a:sym typeface="Calibri"/>
             </a:endParaRPr>
           </a:p>
@@ -15502,6 +15330,88 @@
           <a:ln w="12700">
             <a:miter lim="400000"/>
           </a:ln>
+        </p:spPr>
+      </p:pic>
+      <p:pic>
+        <p:nvPicPr>
+          <p:cNvPr id="1026" name="Picture 2" descr="Image result for twitter. logo"/>
+          <p:cNvPicPr>
+            <a:picLocks noChangeAspect="1" noChangeArrowheads="1"/>
+          </p:cNvPicPr>
+          <p:nvPr/>
+        </p:nvPicPr>
+        <p:blipFill>
+          <a:blip r:embed="rId5" cstate="print">
+            <a:extLst>
+              <a:ext uri="{28A0092B-C50C-407E-A947-70E740481C1C}">
+                <a14:useLocalDpi xmlns:a14="http://schemas.microsoft.com/office/drawing/2010/main" val="0"/>
+              </a:ext>
+            </a:extLst>
+          </a:blip>
+          <a:srcRect/>
+          <a:stretch>
+            <a:fillRect/>
+          </a:stretch>
+        </p:blipFill>
+        <p:spPr bwMode="auto">
+          <a:xfrm>
+            <a:off x="179512" y="5390195"/>
+            <a:ext cx="641648" cy="481236"/>
+          </a:xfrm>
+          <a:prstGeom prst="rect">
+            <a:avLst/>
+          </a:prstGeom>
+          <a:noFill/>
+          <a:extLst>
+            <a:ext uri="{909E8E84-426E-40DD-AFC4-6F175D3DCCD1}">
+              <a14:hiddenFill xmlns:a14="http://schemas.microsoft.com/office/drawing/2010/main">
+                <a:solidFill>
+                  <a:srgbClr val="FFFFFF"/>
+                </a:solidFill>
+              </a14:hiddenFill>
+            </a:ext>
+          </a:extLst>
+        </p:spPr>
+      </p:pic>
+      <p:pic>
+        <p:nvPicPr>
+          <p:cNvPr id="1028" name="Picture 4" descr="Image result for github. logo"/>
+          <p:cNvPicPr>
+            <a:picLocks noChangeAspect="1" noChangeArrowheads="1"/>
+          </p:cNvPicPr>
+          <p:nvPr/>
+        </p:nvPicPr>
+        <p:blipFill>
+          <a:blip r:embed="rId6" cstate="print">
+            <a:extLst>
+              <a:ext uri="{28A0092B-C50C-407E-A947-70E740481C1C}">
+                <a14:useLocalDpi xmlns:a14="http://schemas.microsoft.com/office/drawing/2010/main" val="0"/>
+              </a:ext>
+            </a:extLst>
+          </a:blip>
+          <a:srcRect/>
+          <a:stretch>
+            <a:fillRect/>
+          </a:stretch>
+        </p:blipFill>
+        <p:spPr bwMode="auto">
+          <a:xfrm>
+            <a:off x="137592" y="5853552"/>
+            <a:ext cx="725488" cy="725488"/>
+          </a:xfrm>
+          <a:prstGeom prst="rect">
+            <a:avLst/>
+          </a:prstGeom>
+          <a:noFill/>
+          <a:extLst>
+            <a:ext uri="{909E8E84-426E-40DD-AFC4-6F175D3DCCD1}">
+              <a14:hiddenFill xmlns:a14="http://schemas.microsoft.com/office/drawing/2010/main">
+                <a:solidFill>
+                  <a:srgbClr val="FFFFFF"/>
+                </a:solidFill>
+              </a14:hiddenFill>
+            </a:ext>
+          </a:extLst>
         </p:spPr>
       </p:pic>
     </p:spTree>
@@ -15964,7 +15874,7 @@
         </p:blipFill>
         <p:spPr>
           <a:xfrm>
-            <a:off x="2255837" y="1242601"/>
+            <a:off x="539552" y="1196752"/>
             <a:ext cx="4632255" cy="5475240"/>
           </a:xfrm>
           <a:prstGeom prst="rect">
@@ -15975,6 +15885,345 @@
           </a:ln>
         </p:spPr>
       </p:pic>
+      <p:sp>
+        <p:nvSpPr>
+          <p:cNvPr id="2" name="TextBox 1"/>
+          <p:cNvSpPr txBox="1"/>
+          <p:nvPr/>
+        </p:nvSpPr>
+        <p:spPr>
+          <a:xfrm>
+            <a:off x="5364088" y="5661248"/>
+            <a:ext cx="1987080" cy="523218"/>
+          </a:xfrm>
+          <a:prstGeom prst="rect">
+            <a:avLst/>
+          </a:prstGeom>
+          <a:noFill/>
+          <a:ln w="12700" cap="flat">
+            <a:noFill/>
+            <a:miter lim="400000"/>
+          </a:ln>
+          <a:effectLst/>
+          <a:sp3d/>
+        </p:spPr>
+        <p:style>
+          <a:lnRef idx="0">
+            <a:scrgbClr r="0" g="0" b="0"/>
+          </a:lnRef>
+          <a:fillRef idx="0">
+            <a:scrgbClr r="0" g="0" b="0"/>
+          </a:fillRef>
+          <a:effectRef idx="0">
+            <a:scrgbClr r="0" g="0" b="0"/>
+          </a:effectRef>
+          <a:fontRef idx="none"/>
+        </p:style>
+        <p:txBody>
+          <a:bodyPr rot="0" spcFirstLastPara="1" vertOverflow="overflow" horzOverflow="overflow" vert="horz" wrap="none" lIns="45719" tIns="45719" rIns="45719" bIns="45719" numCol="1" spcCol="38100" rtlCol="0" anchor="t">
+            <a:spAutoFit/>
+          </a:bodyPr>
+          <a:lstStyle/>
+          <a:p>
+            <a:pPr marL="0" marR="0" indent="0" algn="l" defTabSz="914400" rtl="0" fontAlgn="auto" latinLnBrk="0" hangingPunct="0">
+              <a:lnSpc>
+                <a:spcPct val="100000"/>
+              </a:lnSpc>
+              <a:spcBef>
+                <a:spcPts val="0"/>
+              </a:spcBef>
+              <a:spcAft>
+                <a:spcPts val="0"/>
+              </a:spcAft>
+              <a:buClrTx/>
+              <a:buSzTx/>
+              <a:buFontTx/>
+              <a:buNone/>
+              <a:tabLst/>
+            </a:pPr>
+            <a:r>
+              <a:rPr kumimoji="0" lang="en-GB" sz="2800" b="0" i="0" u="none" strike="noStrike" cap="none" spc="0" normalizeH="0" baseline="0" dirty="0" smtClean="0">
+                <a:ln>
+                  <a:noFill/>
+                </a:ln>
+                <a:solidFill>
+                  <a:srgbClr val="000000"/>
+                </a:solidFill>
+                <a:effectLst/>
+                <a:uFillTx/>
+                <a:latin typeface="+mn-lt"/>
+                <a:ea typeface="+mn-ea"/>
+                <a:cs typeface="+mn-cs"/>
+                <a:sym typeface="Calibri"/>
+              </a:rPr>
+              <a:t>#</a:t>
+            </a:r>
+            <a:r>
+              <a:rPr kumimoji="0" lang="en-GB" sz="2800" b="0" i="0" u="none" strike="noStrike" cap="none" spc="0" normalizeH="0" baseline="0" dirty="0" err="1" smtClean="0">
+                <a:ln>
+                  <a:noFill/>
+                </a:ln>
+                <a:solidFill>
+                  <a:srgbClr val="000000"/>
+                </a:solidFill>
+                <a:effectLst/>
+                <a:uFillTx/>
+                <a:latin typeface="+mn-lt"/>
+                <a:ea typeface="+mn-ea"/>
+                <a:cs typeface="+mn-cs"/>
+                <a:sym typeface="Calibri"/>
+              </a:rPr>
+              <a:t>untidyverse</a:t>
+            </a:r>
+            <a:endParaRPr kumimoji="0" lang="en-GB" sz="2800" b="0" i="0" u="none" strike="noStrike" cap="none" spc="0" normalizeH="0" baseline="0" dirty="0">
+              <a:ln>
+                <a:noFill/>
+              </a:ln>
+              <a:solidFill>
+                <a:srgbClr val="000000"/>
+              </a:solidFill>
+              <a:effectLst/>
+              <a:uFillTx/>
+              <a:latin typeface="+mn-lt"/>
+              <a:ea typeface="+mn-ea"/>
+              <a:cs typeface="+mn-cs"/>
+              <a:sym typeface="Calibri"/>
+            </a:endParaRPr>
+          </a:p>
+        </p:txBody>
+      </p:sp>
+      <p:sp>
+        <p:nvSpPr>
+          <p:cNvPr id="3" name="TextBox 2"/>
+          <p:cNvSpPr txBox="1"/>
+          <p:nvPr/>
+        </p:nvSpPr>
+        <p:spPr>
+          <a:xfrm>
+            <a:off x="5292080" y="2118492"/>
+            <a:ext cx="3779912" cy="1569658"/>
+          </a:xfrm>
+          <a:prstGeom prst="rect">
+            <a:avLst/>
+          </a:prstGeom>
+          <a:noFill/>
+          <a:ln w="12700" cap="flat">
+            <a:noFill/>
+            <a:miter lim="400000"/>
+          </a:ln>
+          <a:effectLst/>
+          <a:sp3d/>
+        </p:spPr>
+        <p:style>
+          <a:lnRef idx="0">
+            <a:scrgbClr r="0" g="0" b="0"/>
+          </a:lnRef>
+          <a:fillRef idx="0">
+            <a:scrgbClr r="0" g="0" b="0"/>
+          </a:fillRef>
+          <a:effectRef idx="0">
+            <a:scrgbClr r="0" g="0" b="0"/>
+          </a:effectRef>
+          <a:fontRef idx="none"/>
+        </p:style>
+        <p:txBody>
+          <a:bodyPr rot="0" spcFirstLastPara="1" vertOverflow="overflow" horzOverflow="overflow" vert="horz" wrap="square" lIns="45719" tIns="45719" rIns="45719" bIns="45719" numCol="1" spcCol="38100" rtlCol="0" anchor="t">
+            <a:spAutoFit/>
+          </a:bodyPr>
+          <a:lstStyle/>
+          <a:p>
+            <a:pPr marL="0" marR="0" indent="0" algn="l" defTabSz="914400" rtl="0" fontAlgn="auto" latinLnBrk="0" hangingPunct="0">
+              <a:lnSpc>
+                <a:spcPct val="100000"/>
+              </a:lnSpc>
+              <a:spcBef>
+                <a:spcPts val="0"/>
+              </a:spcBef>
+              <a:spcAft>
+                <a:spcPts val="0"/>
+              </a:spcAft>
+              <a:buClrTx/>
+              <a:buSzTx/>
+              <a:buFontTx/>
+              <a:buNone/>
+              <a:tabLst/>
+            </a:pPr>
+            <a:r>
+              <a:rPr lang="en-GB" sz="2400" b="1" dirty="0" err="1" smtClean="0">
+                <a:latin typeface="Courier New" panose="02070309020205020404" pitchFamily="49" charset="0"/>
+                <a:cs typeface="Courier New" panose="02070309020205020404" pitchFamily="49" charset="0"/>
+              </a:rPr>
+              <a:t>CutleryDrawer</a:t>
+            </a:r>
+            <a:r>
+              <a:rPr lang="en-GB" sz="2400" b="1" dirty="0" smtClean="0">
+                <a:latin typeface="Courier New" panose="02070309020205020404" pitchFamily="49" charset="0"/>
+                <a:cs typeface="Courier New" panose="02070309020205020404" pitchFamily="49" charset="0"/>
+              </a:rPr>
+              <a:t> %&gt;%</a:t>
+            </a:r>
+          </a:p>
+          <a:p>
+            <a:pPr marL="0" marR="0" indent="0" algn="l" defTabSz="914400" rtl="0" fontAlgn="auto" latinLnBrk="0" hangingPunct="0">
+              <a:lnSpc>
+                <a:spcPct val="100000"/>
+              </a:lnSpc>
+              <a:spcBef>
+                <a:spcPts val="0"/>
+              </a:spcBef>
+              <a:spcAft>
+                <a:spcPts val="0"/>
+              </a:spcAft>
+              <a:buClrTx/>
+              <a:buSzTx/>
+              <a:buFontTx/>
+              <a:buNone/>
+              <a:tabLst/>
+            </a:pPr>
+            <a:r>
+              <a:rPr lang="en-GB" sz="2400" b="1" dirty="0" smtClean="0">
+                <a:latin typeface="Courier New" panose="02070309020205020404" pitchFamily="49" charset="0"/>
+                <a:cs typeface="Courier New" panose="02070309020205020404" pitchFamily="49" charset="0"/>
+              </a:rPr>
+              <a:t>  </a:t>
+            </a:r>
+            <a:r>
+              <a:rPr lang="en-GB" sz="2400" b="1" dirty="0" err="1" smtClean="0">
+                <a:latin typeface="Courier New" panose="02070309020205020404" pitchFamily="49" charset="0"/>
+                <a:cs typeface="Courier New" panose="02070309020205020404" pitchFamily="49" charset="0"/>
+              </a:rPr>
+              <a:t>g</a:t>
+            </a:r>
+            <a:r>
+              <a:rPr kumimoji="0" lang="en-GB" sz="2400" b="1" i="0" u="none" strike="noStrike" cap="none" spc="0" normalizeH="0" baseline="0" dirty="0" err="1" smtClean="0">
+                <a:ln>
+                  <a:noFill/>
+                </a:ln>
+                <a:solidFill>
+                  <a:srgbClr val="000000"/>
+                </a:solidFill>
+                <a:effectLst/>
+                <a:uFillTx/>
+                <a:latin typeface="Courier New" panose="02070309020205020404" pitchFamily="49" charset="0"/>
+                <a:cs typeface="Courier New" panose="02070309020205020404" pitchFamily="49" charset="0"/>
+                <a:sym typeface="Calibri"/>
+              </a:rPr>
+              <a:t>roup_by</a:t>
+            </a:r>
+            <a:r>
+              <a:rPr kumimoji="0" lang="en-GB" sz="2400" b="1" i="0" u="none" strike="noStrike" cap="none" spc="0" normalizeH="0" baseline="0" dirty="0" smtClean="0">
+                <a:ln>
+                  <a:noFill/>
+                </a:ln>
+                <a:solidFill>
+                  <a:srgbClr val="000000"/>
+                </a:solidFill>
+                <a:effectLst/>
+                <a:uFillTx/>
+                <a:latin typeface="Courier New" panose="02070309020205020404" pitchFamily="49" charset="0"/>
+                <a:cs typeface="Courier New" panose="02070309020205020404" pitchFamily="49" charset="0"/>
+                <a:sym typeface="Calibri"/>
+              </a:rPr>
+              <a:t>(Type) %&gt;%</a:t>
+            </a:r>
+          </a:p>
+          <a:p>
+            <a:pPr marL="0" marR="0" indent="0" algn="l" defTabSz="914400" rtl="0" fontAlgn="auto" latinLnBrk="0" hangingPunct="0">
+              <a:lnSpc>
+                <a:spcPct val="100000"/>
+              </a:lnSpc>
+              <a:spcBef>
+                <a:spcPts val="0"/>
+              </a:spcBef>
+              <a:spcAft>
+                <a:spcPts val="0"/>
+              </a:spcAft>
+              <a:buClrTx/>
+              <a:buSzTx/>
+              <a:buFontTx/>
+              <a:buNone/>
+              <a:tabLst/>
+            </a:pPr>
+            <a:r>
+              <a:rPr lang="en-GB" sz="2400" b="1" dirty="0">
+                <a:latin typeface="Courier New" panose="02070309020205020404" pitchFamily="49" charset="0"/>
+                <a:cs typeface="Courier New" panose="02070309020205020404" pitchFamily="49" charset="0"/>
+              </a:rPr>
+              <a:t> </a:t>
+            </a:r>
+            <a:r>
+              <a:rPr lang="en-GB" sz="2400" b="1" dirty="0" smtClean="0">
+                <a:latin typeface="Courier New" panose="02070309020205020404" pitchFamily="49" charset="0"/>
+                <a:cs typeface="Courier New" panose="02070309020205020404" pitchFamily="49" charset="0"/>
+              </a:rPr>
+              <a:t> gather( ) %&gt;%</a:t>
+            </a:r>
+          </a:p>
+          <a:p>
+            <a:pPr marL="0" marR="0" indent="0" algn="l" defTabSz="914400" rtl="0" fontAlgn="auto" latinLnBrk="0" hangingPunct="0">
+              <a:lnSpc>
+                <a:spcPct val="100000"/>
+              </a:lnSpc>
+              <a:spcBef>
+                <a:spcPts val="0"/>
+              </a:spcBef>
+              <a:spcAft>
+                <a:spcPts val="0"/>
+              </a:spcAft>
+              <a:buClrTx/>
+              <a:buSzTx/>
+              <a:buFontTx/>
+              <a:buNone/>
+              <a:tabLst/>
+            </a:pPr>
+            <a:r>
+              <a:rPr kumimoji="0" lang="en-GB" sz="2400" b="1" i="0" u="none" strike="noStrike" cap="none" spc="0" normalizeH="0" baseline="0" dirty="0">
+                <a:ln>
+                  <a:noFill/>
+                </a:ln>
+                <a:solidFill>
+                  <a:srgbClr val="000000"/>
+                </a:solidFill>
+                <a:effectLst/>
+                <a:uFillTx/>
+                <a:latin typeface="Courier New" panose="02070309020205020404" pitchFamily="49" charset="0"/>
+                <a:cs typeface="Courier New" panose="02070309020205020404" pitchFamily="49" charset="0"/>
+                <a:sym typeface="Calibri"/>
+              </a:rPr>
+              <a:t> </a:t>
+            </a:r>
+            <a:r>
+              <a:rPr kumimoji="0" lang="en-GB" sz="2400" b="1" i="0" u="none" strike="noStrike" cap="none" spc="0" normalizeH="0" baseline="0" dirty="0" smtClean="0">
+                <a:ln>
+                  <a:noFill/>
+                </a:ln>
+                <a:solidFill>
+                  <a:srgbClr val="000000"/>
+                </a:solidFill>
+                <a:effectLst/>
+                <a:uFillTx/>
+                <a:latin typeface="Courier New" panose="02070309020205020404" pitchFamily="49" charset="0"/>
+                <a:cs typeface="Courier New" panose="02070309020205020404" pitchFamily="49" charset="0"/>
+                <a:sym typeface="Calibri"/>
+              </a:rPr>
+              <a:t> arrange( )</a:t>
+            </a:r>
+            <a:endParaRPr kumimoji="0" lang="en-GB" sz="2400" b="1" i="0" u="none" strike="noStrike" cap="none" spc="0" normalizeH="0" baseline="0" dirty="0">
+              <a:ln>
+                <a:noFill/>
+              </a:ln>
+              <a:solidFill>
+                <a:srgbClr val="000000"/>
+              </a:solidFill>
+              <a:effectLst/>
+              <a:uFillTx/>
+              <a:latin typeface="Courier New" panose="02070309020205020404" pitchFamily="49" charset="0"/>
+              <a:cs typeface="Courier New" panose="02070309020205020404" pitchFamily="49" charset="0"/>
+              <a:sym typeface="Calibri"/>
+            </a:endParaRPr>
+          </a:p>
+        </p:txBody>
+      </p:sp>
     </p:spTree>
   </p:cSld>
   <p:clrMapOvr>
@@ -15984,9 +16233,133 @@
   <p:timing>
     <p:tnLst>
       <p:par>
-        <p:cTn id="1" dur="indefinite" restart="never" nodeType="tmRoot"/>
+        <p:cTn id="1" dur="indefinite" restart="never" nodeType="tmRoot">
+          <p:childTnLst>
+            <p:seq concurrent="1" nextAc="seek">
+              <p:cTn id="2" dur="indefinite" nodeType="mainSeq">
+                <p:childTnLst>
+                  <p:par>
+                    <p:cTn id="3" fill="hold">
+                      <p:stCondLst>
+                        <p:cond delay="indefinite"/>
+                      </p:stCondLst>
+                      <p:childTnLst>
+                        <p:par>
+                          <p:cTn id="4" fill="hold">
+                            <p:stCondLst>
+                              <p:cond delay="0"/>
+                            </p:stCondLst>
+                            <p:childTnLst>
+                              <p:par>
+                                <p:cTn id="5" presetID="10" presetClass="entr" presetSubtype="0" fill="hold" grpId="0" nodeType="clickEffect">
+                                  <p:stCondLst>
+                                    <p:cond delay="0"/>
+                                  </p:stCondLst>
+                                  <p:childTnLst>
+                                    <p:set>
+                                      <p:cBhvr>
+                                        <p:cTn id="6" dur="1" fill="hold">
+                                          <p:stCondLst>
+                                            <p:cond delay="0"/>
+                                          </p:stCondLst>
+                                        </p:cTn>
+                                        <p:tgtEl>
+                                          <p:spTgt spid="3"/>
+                                        </p:tgtEl>
+                                        <p:attrNameLst>
+                                          <p:attrName>style.visibility</p:attrName>
+                                        </p:attrNameLst>
+                                      </p:cBhvr>
+                                      <p:to>
+                                        <p:strVal val="visible"/>
+                                      </p:to>
+                                    </p:set>
+                                    <p:animEffect transition="in" filter="fade">
+                                      <p:cBhvr>
+                                        <p:cTn id="7" dur="500"/>
+                                        <p:tgtEl>
+                                          <p:spTgt spid="3"/>
+                                        </p:tgtEl>
+                                      </p:cBhvr>
+                                    </p:animEffect>
+                                  </p:childTnLst>
+                                </p:cTn>
+                              </p:par>
+                            </p:childTnLst>
+                          </p:cTn>
+                        </p:par>
+                        <p:par>
+                          <p:cTn id="8" fill="hold">
+                            <p:stCondLst>
+                              <p:cond delay="500"/>
+                            </p:stCondLst>
+                            <p:childTnLst>
+                              <p:par>
+                                <p:cTn id="9" presetID="10" presetClass="entr" presetSubtype="0" fill="hold" grpId="0" nodeType="afterEffect">
+                                  <p:stCondLst>
+                                    <p:cond delay="2000"/>
+                                  </p:stCondLst>
+                                  <p:childTnLst>
+                                    <p:set>
+                                      <p:cBhvr>
+                                        <p:cTn id="10" dur="1" fill="hold">
+                                          <p:stCondLst>
+                                            <p:cond delay="0"/>
+                                          </p:stCondLst>
+                                        </p:cTn>
+                                        <p:tgtEl>
+                                          <p:spTgt spid="2"/>
+                                        </p:tgtEl>
+                                        <p:attrNameLst>
+                                          <p:attrName>style.visibility</p:attrName>
+                                        </p:attrNameLst>
+                                      </p:cBhvr>
+                                      <p:to>
+                                        <p:strVal val="visible"/>
+                                      </p:to>
+                                    </p:set>
+                                    <p:animEffect transition="in" filter="fade">
+                                      <p:cBhvr>
+                                        <p:cTn id="11" dur="500"/>
+                                        <p:tgtEl>
+                                          <p:spTgt spid="2"/>
+                                        </p:tgtEl>
+                                      </p:cBhvr>
+                                    </p:animEffect>
+                                  </p:childTnLst>
+                                </p:cTn>
+                              </p:par>
+                            </p:childTnLst>
+                          </p:cTn>
+                        </p:par>
+                      </p:childTnLst>
+                    </p:cTn>
+                  </p:par>
+                </p:childTnLst>
+              </p:cTn>
+              <p:prevCondLst>
+                <p:cond evt="onPrev" delay="0">
+                  <p:tgtEl>
+                    <p:sldTgt/>
+                  </p:tgtEl>
+                </p:cond>
+              </p:prevCondLst>
+              <p:nextCondLst>
+                <p:cond evt="onNext" delay="0">
+                  <p:tgtEl>
+                    <p:sldTgt/>
+                  </p:tgtEl>
+                </p:cond>
+              </p:nextCondLst>
+            </p:seq>
+          </p:childTnLst>
+        </p:cTn>
       </p:par>
     </p:tnLst>
+    <p:bldLst>
+      <p:bldP spid="2" grpId="0"/>
+      <p:bldP spid="3" grpId="0"/>
+    </p:bldLst>
   </p:timing>
 </p:sld>
 </file>
@@ -16198,8 +16571,8 @@
         </p:blipFill>
         <p:spPr>
           <a:xfrm>
-            <a:off x="555182" y="1948092"/>
-            <a:ext cx="8033438" cy="2952328"/>
+            <a:off x="640020" y="1948092"/>
+            <a:ext cx="7863762" cy="2952328"/>
           </a:xfrm>
           <a:prstGeom prst="rect">
             <a:avLst/>

--- a/The lazy and easily distracted report writer.pptx
+++ b/The lazy and easily distracted report writer.pptx
@@ -10,10 +10,10 @@
   <p:sldIdLst>
     <p:sldId id="256" r:id="rId2"/>
     <p:sldId id="257" r:id="rId3"/>
-    <p:sldId id="258" r:id="rId4"/>
-    <p:sldId id="259" r:id="rId5"/>
-    <p:sldId id="260" r:id="rId6"/>
-    <p:sldId id="261" r:id="rId7"/>
+    <p:sldId id="259" r:id="rId4"/>
+    <p:sldId id="260" r:id="rId5"/>
+    <p:sldId id="261" r:id="rId6"/>
+    <p:sldId id="303" r:id="rId7"/>
     <p:sldId id="292" r:id="rId8"/>
     <p:sldId id="279" r:id="rId9"/>
     <p:sldId id="281" r:id="rId10"/>
@@ -2510,24 +2510,36 @@
           <a:p>
             <a:r>
               <a:rPr lang="en-GB" dirty="0" smtClean="0"/>
-              <a:t>Here’s a quote from Chris Atherton,</a:t>
+              <a:t>To illustrate this</a:t>
             </a:r>
             <a:r>
               <a:rPr lang="en-GB" baseline="0" dirty="0" smtClean="0"/>
-              <a:t> who has a PhD in neuroscience and was until fairly recently an academic working in the field of cognitive load</a:t>
-            </a:r>
+              <a:t> point, let me show you some cutlery drawers.</a:t>
+            </a:r>
+          </a:p>
+          <a:p>
             <a:r>
               <a:rPr lang="en-GB" baseline="0" dirty="0" smtClean="0"/>
-              <a:t>.</a:t>
-            </a:r>
-            <a:endParaRPr lang="en-GB" baseline="0" dirty="0" smtClean="0"/>
+              <a:t>These are cutlery drawers of some folks that you might encounter at this conference and they were shared on Twitter and they sparked a debate about cutlery drawer organisation…</a:t>
+            </a:r>
+          </a:p>
+          <a:p>
+            <a:r>
+              <a:rPr lang="en-GB" baseline="0" dirty="0" smtClean="0"/>
+              <a:t>Do knives go on the left, or right, do you parse out large and small forks and spoons. </a:t>
+            </a:r>
+            <a:r>
+              <a:rPr lang="en-GB" baseline="0" dirty="0" smtClean="0"/>
+              <a:t>Do you organise by frequency of use? That kind of thing. Take a moment to consider your own cutlery drawer….</a:t>
+            </a:r>
+            <a:endParaRPr lang="en-GB" dirty="0"/>
           </a:p>
         </p:txBody>
       </p:sp>
     </p:spTree>
     <p:extLst>
       <p:ext uri="{BB962C8B-B14F-4D97-AF65-F5344CB8AC3E}">
-        <p14:creationId xmlns:p14="http://schemas.microsoft.com/office/powerpoint/2010/main" val="1064367940"/>
+        <p14:creationId xmlns:p14="http://schemas.microsoft.com/office/powerpoint/2010/main" val="3748723547"/>
       </p:ext>
     </p:extLst>
   </p:cSld>
@@ -2736,27 +2748,28 @@
           <a:p>
             <a:r>
               <a:rPr lang="en-GB" dirty="0" smtClean="0"/>
-              <a:t>To illustrate this</a:t>
+              <a:t>Here’s mine.</a:t>
+            </a:r>
+          </a:p>
+          <a:p>
+            <a:endParaRPr lang="en-GB" dirty="0" smtClean="0"/>
+          </a:p>
+          <a:p>
+            <a:r>
+              <a:rPr lang="en-GB" dirty="0" smtClean="0"/>
+              <a:t>Yes, it</a:t>
             </a:r>
             <a:r>
               <a:rPr lang="en-GB" baseline="0" dirty="0" smtClean="0"/>
-              <a:t> point, let me show you some cutlery drawers.</a:t>
-            </a:r>
-          </a:p>
-          <a:p>
+              <a:t> could probably do with a decent amount of application of the “</a:t>
+            </a:r>
+            <a:r>
+              <a:rPr lang="en-GB" baseline="0" dirty="0" err="1" smtClean="0"/>
+              <a:t>group_by</a:t>
+            </a:r>
             <a:r>
               <a:rPr lang="en-GB" baseline="0" dirty="0" smtClean="0"/>
-              <a:t>These are cutlery drawers of some folks that you might encounter at this conference and they were shared on Twitter and they sparked a debate about cutlery drawer organisation…</a:t>
-            </a:r>
-          </a:p>
-          <a:p>
-            <a:r>
-              <a:rPr lang="en-GB" baseline="0" dirty="0" smtClean="0"/>
-              <a:t>Do knives go on the left, or right, do you parse out large and small forks and spoons. </a:t>
-            </a:r>
-            <a:r>
-              <a:rPr lang="en-GB" baseline="0" dirty="0" smtClean="0"/>
-              <a:t>Do you organise by frequency of use? That kind of thing. Take a moment to consider your own cutlery drawer….</a:t>
+              <a:t>”, “gather” and “arrange” functions.</a:t>
             </a:r>
             <a:endParaRPr lang="en-GB" dirty="0"/>
           </a:p>
@@ -2765,7 +2778,7 @@
     </p:spTree>
     <p:extLst>
       <p:ext uri="{BB962C8B-B14F-4D97-AF65-F5344CB8AC3E}">
-        <p14:creationId xmlns:p14="http://schemas.microsoft.com/office/powerpoint/2010/main" val="3748723547"/>
+        <p14:creationId xmlns:p14="http://schemas.microsoft.com/office/powerpoint/2010/main" val="3495590793"/>
       </p:ext>
     </p:extLst>
   </p:cSld>
@@ -2821,28 +2834,36 @@
           <a:p>
             <a:r>
               <a:rPr lang="en-GB" dirty="0" smtClean="0"/>
-              <a:t>Here’s mine.</a:t>
-            </a:r>
-          </a:p>
-          <a:p>
-            <a:endParaRPr lang="en-GB" dirty="0" smtClean="0"/>
-          </a:p>
-          <a:p>
-            <a:r>
-              <a:rPr lang="en-GB" dirty="0" smtClean="0"/>
-              <a:t>Yes, it</a:t>
+              <a:t>Fortunately I found that XKCD</a:t>
             </a:r>
             <a:r>
               <a:rPr lang="en-GB" baseline="0" dirty="0" smtClean="0"/>
-              <a:t> could probably do with a decent amount of application of the “</a:t>
+              <a:t> has similar thoughts about home organisation…</a:t>
+            </a:r>
+          </a:p>
+          <a:p>
+            <a:endParaRPr lang="en-GB" baseline="0" dirty="0" smtClean="0"/>
+          </a:p>
+          <a:p>
+            <a:r>
+              <a:rPr lang="en-GB" baseline="0" dirty="0" smtClean="0"/>
+              <a:t>If you’ve got </a:t>
             </a:r>
             <a:r>
               <a:rPr lang="en-GB" baseline="0" dirty="0" err="1" smtClean="0"/>
-              <a:t>group_by</a:t>
+              <a:t>wifi</a:t>
             </a:r>
             <a:r>
               <a:rPr lang="en-GB" baseline="0" dirty="0" smtClean="0"/>
-              <a:t>”, “gather” and “arrange” functions.</a:t>
+              <a:t> and a laptop then basically everything else can get chucked into a big bucket labelled “</a:t>
+            </a:r>
+            <a:r>
+              <a:rPr lang="en-GB" baseline="0" dirty="0" err="1" smtClean="0"/>
+              <a:t>Misc</a:t>
+            </a:r>
+            <a:r>
+              <a:rPr lang="en-GB" baseline="0" dirty="0" smtClean="0"/>
+              <a:t>”.</a:t>
             </a:r>
             <a:endParaRPr lang="en-GB" dirty="0"/>
           </a:p>
@@ -2851,7 +2872,7 @@
     </p:spTree>
     <p:extLst>
       <p:ext uri="{BB962C8B-B14F-4D97-AF65-F5344CB8AC3E}">
-        <p14:creationId xmlns:p14="http://schemas.microsoft.com/office/powerpoint/2010/main" val="3495590793"/>
+        <p14:creationId xmlns:p14="http://schemas.microsoft.com/office/powerpoint/2010/main" val="912922685"/>
       </p:ext>
     </p:extLst>
   </p:cSld>
@@ -2907,45 +2928,24 @@
           <a:p>
             <a:r>
               <a:rPr lang="en-GB" dirty="0" smtClean="0"/>
-              <a:t>Fortunately I found that XKCD</a:t>
+              <a:t>Here’s a quote from Chris Atherton,</a:t>
             </a:r>
             <a:r>
               <a:rPr lang="en-GB" baseline="0" dirty="0" smtClean="0"/>
-              <a:t> has similar thoughts about home organisation…</a:t>
-            </a:r>
-          </a:p>
-          <a:p>
+              <a:t> who has a PhD in neuroscience and was until fairly recently an academic working in the field of cognitive load</a:t>
+            </a:r>
+            <a:r>
+              <a:rPr lang="en-GB" baseline="0" dirty="0" smtClean="0"/>
+              <a:t>.</a:t>
+            </a:r>
             <a:endParaRPr lang="en-GB" baseline="0" dirty="0" smtClean="0"/>
-          </a:p>
-          <a:p>
-            <a:r>
-              <a:rPr lang="en-GB" baseline="0" dirty="0" smtClean="0"/>
-              <a:t>If you’ve got </a:t>
-            </a:r>
-            <a:r>
-              <a:rPr lang="en-GB" baseline="0" dirty="0" err="1" smtClean="0"/>
-              <a:t>wifi</a:t>
-            </a:r>
-            <a:r>
-              <a:rPr lang="en-GB" baseline="0" dirty="0" smtClean="0"/>
-              <a:t> and a laptop then basically everything else can get chucked into a big bucket labelled “</a:t>
-            </a:r>
-            <a:r>
-              <a:rPr lang="en-GB" baseline="0" dirty="0" err="1" smtClean="0"/>
-              <a:t>Misc</a:t>
-            </a:r>
-            <a:r>
-              <a:rPr lang="en-GB" baseline="0" dirty="0" smtClean="0"/>
-              <a:t>”.</a:t>
-            </a:r>
-            <a:endParaRPr lang="en-GB" dirty="0"/>
           </a:p>
         </p:txBody>
       </p:sp>
     </p:spTree>
     <p:extLst>
       <p:ext uri="{BB962C8B-B14F-4D97-AF65-F5344CB8AC3E}">
-        <p14:creationId xmlns:p14="http://schemas.microsoft.com/office/powerpoint/2010/main" val="912922685"/>
+        <p14:creationId xmlns:p14="http://schemas.microsoft.com/office/powerpoint/2010/main" val="1064367940"/>
       </p:ext>
     </p:extLst>
   </p:cSld>
@@ -14806,14 +14806,58 @@
       </p:grpSpPr>
       <p:sp>
         <p:nvSpPr>
-          <p:cNvPr id="118" name="TextBox 3"/>
-          <p:cNvSpPr txBox="1"/>
-          <p:nvPr/>
+          <p:cNvPr id="121" name="Cutlery drawers &amp;…"/>
+          <p:cNvSpPr txBox="1">
+            <a:spLocks noGrp="1"/>
+          </p:cNvSpPr>
+          <p:nvPr>
+            <p:ph type="title" idx="4294967295"/>
+          </p:nvPr>
         </p:nvSpPr>
         <p:spPr>
           <a:xfrm>
-            <a:off x="1619671" y="1772816"/>
-            <a:ext cx="5472610" cy="3291841"/>
+            <a:off x="457200" y="92074"/>
+            <a:ext cx="8229600" cy="1508127"/>
+          </a:xfrm>
+          <a:prstGeom prst="rect">
+            <a:avLst/>
+          </a:prstGeom>
+        </p:spPr>
+        <p:txBody>
+          <a:bodyPr/>
+          <a:lstStyle/>
+          <a:p>
+            <a:r>
+              <a:t>Cutlery drawers &amp; </a:t>
+            </a:r>
+          </a:p>
+          <a:p>
+            <a:r>
+              <a:t>what they say about YOU</a:t>
+            </a:r>
+          </a:p>
+        </p:txBody>
+      </p:sp>
+      <p:pic>
+        <p:nvPicPr>
+          <p:cNvPr id="122" name="cutlery_Hadley.jpg" descr="cutlery_Hadley.jpg"/>
+          <p:cNvPicPr>
+            <a:picLocks noChangeAspect="1"/>
+          </p:cNvPicPr>
+          <p:nvPr/>
+        </p:nvPicPr>
+        <p:blipFill>
+          <a:blip r:embed="rId3">
+            <a:extLst/>
+          </a:blip>
+          <a:stretch>
+            <a:fillRect/>
+          </a:stretch>
+        </p:blipFill>
+        <p:spPr>
+          <a:xfrm>
+            <a:off x="52645" y="2008659"/>
+            <a:ext cx="2873926" cy="3831901"/>
           </a:xfrm>
           <a:prstGeom prst="rect">
             <a:avLst/>
@@ -14821,39 +14865,29 @@
           <a:ln w="12700">
             <a:miter lim="400000"/>
           </a:ln>
-          <a:extLst>
-            <a:ext uri="{C572A759-6A51-4108-AA02-DFA0A04FC94B}">
-              <ma14:wrappingTextBoxFlag xmlns="" xmlns:m="http://schemas.openxmlformats.org/officeDocument/2006/math" xmlns:a14="http://schemas.microsoft.com/office/drawing/2010/main" xmlns:ma14="http://schemas.microsoft.com/office/mac/drawingml/2011/main" val="1"/>
-            </a:ext>
-          </a:extLst>
         </p:spPr>
-        <p:txBody>
-          <a:bodyPr lIns="45719" rIns="45719">
-            <a:spAutoFit/>
-          </a:bodyPr>
-          <a:lstStyle>
-            <a:lvl1pPr>
-              <a:defRPr sz="5400"/>
-            </a:lvl1pPr>
-          </a:lstStyle>
-          <a:p>
-            <a:r>
-              <a:rPr dirty="0"/>
-              <a:t>Your (my) brain is lazy, shallow, and easily distracted.</a:t>
-            </a:r>
-          </a:p>
-        </p:txBody>
-      </p:sp>
-      <p:sp>
-        <p:nvSpPr>
-          <p:cNvPr id="119" name="TextBox 4"/>
-          <p:cNvSpPr txBox="1"/>
+      </p:pic>
+      <p:pic>
+        <p:nvPicPr>
+          <p:cNvPr id="123" name="cutlery_JimHester.jpg" descr="cutlery_JimHester.jpg"/>
+          <p:cNvPicPr>
+            <a:picLocks noChangeAspect="1"/>
+          </p:cNvPicPr>
           <p:nvPr/>
-        </p:nvSpPr>
+        </p:nvPicPr>
+        <p:blipFill>
+          <a:blip r:embed="rId4">
+            <a:extLst/>
+          </a:blip>
+          <a:srcRect l="10138" r="11634"/>
+          <a:stretch>
+            <a:fillRect/>
+          </a:stretch>
+        </p:blipFill>
         <p:spPr>
           <a:xfrm>
-            <a:off x="1619671" y="5013176"/>
-            <a:ext cx="5460788" cy="276999"/>
+            <a:off x="3032125" y="2484747"/>
+            <a:ext cx="3003693" cy="2879806"/>
           </a:xfrm>
           <a:prstGeom prst="rect">
             <a:avLst/>
@@ -14861,39 +14895,226 @@
           <a:ln w="12700">
             <a:miter lim="400000"/>
           </a:ln>
-          <a:extLst>
-            <a:ext uri="{C572A759-6A51-4108-AA02-DFA0A04FC94B}">
-              <ma14:wrappingTextBoxFlag xmlns="" xmlns:m="http://schemas.openxmlformats.org/officeDocument/2006/math" xmlns:a14="http://schemas.microsoft.com/office/drawing/2010/main" xmlns:ma14="http://schemas.microsoft.com/office/mac/drawingml/2011/main" val="1"/>
-            </a:ext>
-          </a:extLst>
         </p:spPr>
+      </p:pic>
+      <p:pic>
+        <p:nvPicPr>
+          <p:cNvPr id="124" name="cutlery_Mara.jpg" descr="cutlery_Mara.jpg"/>
+          <p:cNvPicPr>
+            <a:picLocks noChangeAspect="1"/>
+          </p:cNvPicPr>
+          <p:nvPr/>
+        </p:nvPicPr>
+        <p:blipFill>
+          <a:blip r:embed="rId5">
+            <a:extLst/>
+          </a:blip>
+          <a:stretch>
+            <a:fillRect/>
+          </a:stretch>
+        </p:blipFill>
+        <p:spPr>
+          <a:xfrm>
+            <a:off x="6128529" y="1955800"/>
+            <a:ext cx="2953216" cy="3937620"/>
+          </a:xfrm>
+          <a:prstGeom prst="rect">
+            <a:avLst/>
+          </a:prstGeom>
+          <a:ln w="12700">
+            <a:miter lim="400000"/>
+          </a:ln>
+        </p:spPr>
+      </p:pic>
+      <p:sp>
+        <p:nvSpPr>
+          <p:cNvPr id="2" name="TextBox 1"/>
+          <p:cNvSpPr txBox="1"/>
+          <p:nvPr/>
+        </p:nvSpPr>
+        <p:spPr>
+          <a:xfrm>
+            <a:off x="4067944" y="6341655"/>
+            <a:ext cx="4912561" cy="369330"/>
+          </a:xfrm>
+          <a:prstGeom prst="rect">
+            <a:avLst/>
+          </a:prstGeom>
+          <a:noFill/>
+          <a:ln w="12700" cap="flat">
+            <a:noFill/>
+            <a:miter lim="400000"/>
+          </a:ln>
+          <a:effectLst/>
+          <a:sp3d/>
+        </p:spPr>
+        <p:style>
+          <a:lnRef idx="0">
+            <a:scrgbClr r="0" g="0" b="0"/>
+          </a:lnRef>
+          <a:fillRef idx="0">
+            <a:scrgbClr r="0" g="0" b="0"/>
+          </a:fillRef>
+          <a:effectRef idx="0">
+            <a:scrgbClr r="0" g="0" b="0"/>
+          </a:effectRef>
+          <a:fontRef idx="none"/>
+        </p:style>
         <p:txBody>
-          <a:bodyPr wrap="none" lIns="45719" rIns="45719">
+          <a:bodyPr rot="0" spcFirstLastPara="1" vertOverflow="overflow" horzOverflow="overflow" vert="horz" wrap="none" lIns="45719" tIns="45719" rIns="45719" bIns="45719" numCol="1" spcCol="38100" rtlCol="0" anchor="t">
             <a:spAutoFit/>
           </a:bodyPr>
           <a:lstStyle/>
           <a:p>
-            <a:pPr>
-              <a:defRPr sz="1600"/>
+            <a:pPr marL="0" marR="0" indent="0" algn="l" defTabSz="914400" rtl="0" fontAlgn="auto" latinLnBrk="0" hangingPunct="0">
+              <a:lnSpc>
+                <a:spcPct val="100000"/>
+              </a:lnSpc>
+              <a:spcBef>
+                <a:spcPts val="0"/>
+              </a:spcBef>
+              <a:spcAft>
+                <a:spcPts val="0"/>
+              </a:spcAft>
+              <a:buClrTx/>
+              <a:buSzTx/>
+              <a:buFontTx/>
+              <a:buNone/>
+              <a:tabLst/>
             </a:pPr>
             <a:r>
-              <a:rPr sz="1200" u="sng" dirty="0">
+              <a:rPr kumimoji="0" lang="en-GB" sz="1800" b="0" i="0" u="none" strike="noStrike" cap="none" spc="0" normalizeH="0" baseline="0" dirty="0" smtClean="0">
+                <a:ln>
+                  <a:noFill/>
+                </a:ln>
                 <a:solidFill>
-                  <a:srgbClr val="0000FF"/>
+                  <a:srgbClr val="000000"/>
                 </a:solidFill>
-                <a:uFill>
-                  <a:solidFill>
-                    <a:srgbClr val="0000FF"/>
-                  </a:solidFill>
-                </a:uFill>
-                <a:hlinkClick r:id="rId3"/>
+                <a:effectLst/>
+                <a:uFillTx/>
+                <a:latin typeface="+mn-lt"/>
+                <a:ea typeface="+mn-ea"/>
+                <a:cs typeface="+mn-cs"/>
+                <a:sym typeface="Calibri"/>
               </a:rPr>
-              <a:t>https://www.slideshare.net/CJAtherton/chris-atherton-at-presentation-camp-london</a:t>
-            </a:r>
-            <a:r>
-              <a:rPr sz="1200" dirty="0"/>
-              <a:t> </a:t>
-            </a:r>
+              <a:t>HT: @</a:t>
+            </a:r>
+            <a:r>
+              <a:rPr kumimoji="0" lang="en-GB" sz="1800" b="0" i="0" u="none" strike="noStrike" cap="none" spc="0" normalizeH="0" baseline="0" dirty="0" err="1" smtClean="0">
+                <a:ln>
+                  <a:noFill/>
+                </a:ln>
+                <a:solidFill>
+                  <a:srgbClr val="000000"/>
+                </a:solidFill>
+                <a:effectLst/>
+                <a:uFillTx/>
+                <a:latin typeface="+mn-lt"/>
+                <a:ea typeface="+mn-ea"/>
+                <a:cs typeface="+mn-cs"/>
+                <a:sym typeface="Calibri"/>
+              </a:rPr>
+              <a:t>HadleyWickham</a:t>
+            </a:r>
+            <a:r>
+              <a:rPr kumimoji="0" lang="en-GB" sz="1800" b="0" i="0" u="none" strike="noStrike" cap="none" spc="0" normalizeH="0" baseline="0" dirty="0" smtClean="0">
+                <a:ln>
+                  <a:noFill/>
+                </a:ln>
+                <a:solidFill>
+                  <a:srgbClr val="000000"/>
+                </a:solidFill>
+                <a:effectLst/>
+                <a:uFillTx/>
+                <a:latin typeface="+mn-lt"/>
+                <a:ea typeface="+mn-ea"/>
+                <a:cs typeface="+mn-cs"/>
+                <a:sym typeface="Calibri"/>
+              </a:rPr>
+              <a:t>,</a:t>
+            </a:r>
+            <a:r>
+              <a:rPr kumimoji="0" lang="en-GB" sz="1800" b="0" i="0" u="none" strike="noStrike" cap="none" spc="0" normalizeH="0" dirty="0" smtClean="0">
+                <a:ln>
+                  <a:noFill/>
+                </a:ln>
+                <a:solidFill>
+                  <a:srgbClr val="000000"/>
+                </a:solidFill>
+                <a:effectLst/>
+                <a:uFillTx/>
+                <a:latin typeface="+mn-lt"/>
+                <a:ea typeface="+mn-ea"/>
+                <a:cs typeface="+mn-cs"/>
+                <a:sym typeface="Calibri"/>
+              </a:rPr>
+              <a:t> @</a:t>
+            </a:r>
+            <a:r>
+              <a:rPr kumimoji="0" lang="en-GB" sz="1800" b="0" i="0" u="none" strike="noStrike" cap="none" spc="0" normalizeH="0" dirty="0" err="1" smtClean="0">
+                <a:ln>
+                  <a:noFill/>
+                </a:ln>
+                <a:solidFill>
+                  <a:srgbClr val="000000"/>
+                </a:solidFill>
+                <a:effectLst/>
+                <a:uFillTx/>
+                <a:latin typeface="+mn-lt"/>
+                <a:ea typeface="+mn-ea"/>
+                <a:cs typeface="+mn-cs"/>
+                <a:sym typeface="Calibri"/>
+              </a:rPr>
+              <a:t>jimhester</a:t>
+            </a:r>
+            <a:r>
+              <a:rPr kumimoji="0" lang="en-GB" sz="1800" b="0" i="0" u="none" strike="noStrike" cap="none" spc="0" normalizeH="0" dirty="0" smtClean="0">
+                <a:ln>
+                  <a:noFill/>
+                </a:ln>
+                <a:solidFill>
+                  <a:srgbClr val="000000"/>
+                </a:solidFill>
+                <a:effectLst/>
+                <a:uFillTx/>
+                <a:latin typeface="+mn-lt"/>
+                <a:ea typeface="+mn-ea"/>
+                <a:cs typeface="+mn-cs"/>
+                <a:sym typeface="Calibri"/>
+              </a:rPr>
+              <a:t>_, @</a:t>
+            </a:r>
+            <a:r>
+              <a:rPr kumimoji="0" lang="en-GB" sz="1800" b="0" i="0" u="none" strike="noStrike" cap="none" spc="0" normalizeH="0" dirty="0" err="1" smtClean="0">
+                <a:ln>
+                  <a:noFill/>
+                </a:ln>
+                <a:solidFill>
+                  <a:srgbClr val="000000"/>
+                </a:solidFill>
+                <a:effectLst/>
+                <a:uFillTx/>
+                <a:latin typeface="+mn-lt"/>
+                <a:ea typeface="+mn-ea"/>
+                <a:cs typeface="+mn-cs"/>
+                <a:sym typeface="Calibri"/>
+              </a:rPr>
+              <a:t>dataandme</a:t>
+            </a:r>
+            <a:endParaRPr kumimoji="0" lang="en-GB" sz="1800" b="0" i="0" u="none" strike="noStrike" cap="none" spc="0" normalizeH="0" baseline="0" dirty="0">
+              <a:ln>
+                <a:noFill/>
+              </a:ln>
+              <a:solidFill>
+                <a:srgbClr val="000000"/>
+              </a:solidFill>
+              <a:effectLst/>
+              <a:uFillTx/>
+              <a:latin typeface="+mn-lt"/>
+              <a:ea typeface="+mn-ea"/>
+              <a:cs typeface="+mn-cs"/>
+              <a:sym typeface="Calibri"/>
+            </a:endParaRPr>
           </a:p>
         </p:txBody>
       </p:sp>
@@ -15454,353 +15675,6 @@
       </p:grpSpPr>
       <p:sp>
         <p:nvSpPr>
-          <p:cNvPr id="121" name="Cutlery drawers &amp;…"/>
-          <p:cNvSpPr txBox="1">
-            <a:spLocks noGrp="1"/>
-          </p:cNvSpPr>
-          <p:nvPr>
-            <p:ph type="title" idx="4294967295"/>
-          </p:nvPr>
-        </p:nvSpPr>
-        <p:spPr>
-          <a:xfrm>
-            <a:off x="457200" y="92074"/>
-            <a:ext cx="8229600" cy="1508127"/>
-          </a:xfrm>
-          <a:prstGeom prst="rect">
-            <a:avLst/>
-          </a:prstGeom>
-        </p:spPr>
-        <p:txBody>
-          <a:bodyPr/>
-          <a:lstStyle/>
-          <a:p>
-            <a:r>
-              <a:t>Cutlery drawers &amp; </a:t>
-            </a:r>
-          </a:p>
-          <a:p>
-            <a:r>
-              <a:t>what they say about YOU</a:t>
-            </a:r>
-          </a:p>
-        </p:txBody>
-      </p:sp>
-      <p:pic>
-        <p:nvPicPr>
-          <p:cNvPr id="122" name="cutlery_Hadley.jpg" descr="cutlery_Hadley.jpg"/>
-          <p:cNvPicPr>
-            <a:picLocks noChangeAspect="1"/>
-          </p:cNvPicPr>
-          <p:nvPr/>
-        </p:nvPicPr>
-        <p:blipFill>
-          <a:blip r:embed="rId3">
-            <a:extLst/>
-          </a:blip>
-          <a:stretch>
-            <a:fillRect/>
-          </a:stretch>
-        </p:blipFill>
-        <p:spPr>
-          <a:xfrm>
-            <a:off x="52645" y="2008659"/>
-            <a:ext cx="2873926" cy="3831901"/>
-          </a:xfrm>
-          <a:prstGeom prst="rect">
-            <a:avLst/>
-          </a:prstGeom>
-          <a:ln w="12700">
-            <a:miter lim="400000"/>
-          </a:ln>
-        </p:spPr>
-      </p:pic>
-      <p:pic>
-        <p:nvPicPr>
-          <p:cNvPr id="123" name="cutlery_JimHester.jpg" descr="cutlery_JimHester.jpg"/>
-          <p:cNvPicPr>
-            <a:picLocks noChangeAspect="1"/>
-          </p:cNvPicPr>
-          <p:nvPr/>
-        </p:nvPicPr>
-        <p:blipFill>
-          <a:blip r:embed="rId4">
-            <a:extLst/>
-          </a:blip>
-          <a:srcRect l="10138" r="11634"/>
-          <a:stretch>
-            <a:fillRect/>
-          </a:stretch>
-        </p:blipFill>
-        <p:spPr>
-          <a:xfrm>
-            <a:off x="3032125" y="2484747"/>
-            <a:ext cx="3003693" cy="2879806"/>
-          </a:xfrm>
-          <a:prstGeom prst="rect">
-            <a:avLst/>
-          </a:prstGeom>
-          <a:ln w="12700">
-            <a:miter lim="400000"/>
-          </a:ln>
-        </p:spPr>
-      </p:pic>
-      <p:pic>
-        <p:nvPicPr>
-          <p:cNvPr id="124" name="cutlery_Mara.jpg" descr="cutlery_Mara.jpg"/>
-          <p:cNvPicPr>
-            <a:picLocks noChangeAspect="1"/>
-          </p:cNvPicPr>
-          <p:nvPr/>
-        </p:nvPicPr>
-        <p:blipFill>
-          <a:blip r:embed="rId5">
-            <a:extLst/>
-          </a:blip>
-          <a:stretch>
-            <a:fillRect/>
-          </a:stretch>
-        </p:blipFill>
-        <p:spPr>
-          <a:xfrm>
-            <a:off x="6128529" y="1955800"/>
-            <a:ext cx="2953216" cy="3937620"/>
-          </a:xfrm>
-          <a:prstGeom prst="rect">
-            <a:avLst/>
-          </a:prstGeom>
-          <a:ln w="12700">
-            <a:miter lim="400000"/>
-          </a:ln>
-        </p:spPr>
-      </p:pic>
-      <p:sp>
-        <p:nvSpPr>
-          <p:cNvPr id="2" name="TextBox 1"/>
-          <p:cNvSpPr txBox="1"/>
-          <p:nvPr/>
-        </p:nvSpPr>
-        <p:spPr>
-          <a:xfrm>
-            <a:off x="4067944" y="6341655"/>
-            <a:ext cx="4912561" cy="369330"/>
-          </a:xfrm>
-          <a:prstGeom prst="rect">
-            <a:avLst/>
-          </a:prstGeom>
-          <a:noFill/>
-          <a:ln w="12700" cap="flat">
-            <a:noFill/>
-            <a:miter lim="400000"/>
-          </a:ln>
-          <a:effectLst/>
-          <a:sp3d/>
-        </p:spPr>
-        <p:style>
-          <a:lnRef idx="0">
-            <a:scrgbClr r="0" g="0" b="0"/>
-          </a:lnRef>
-          <a:fillRef idx="0">
-            <a:scrgbClr r="0" g="0" b="0"/>
-          </a:fillRef>
-          <a:effectRef idx="0">
-            <a:scrgbClr r="0" g="0" b="0"/>
-          </a:effectRef>
-          <a:fontRef idx="none"/>
-        </p:style>
-        <p:txBody>
-          <a:bodyPr rot="0" spcFirstLastPara="1" vertOverflow="overflow" horzOverflow="overflow" vert="horz" wrap="none" lIns="45719" tIns="45719" rIns="45719" bIns="45719" numCol="1" spcCol="38100" rtlCol="0" anchor="t">
-            <a:spAutoFit/>
-          </a:bodyPr>
-          <a:lstStyle/>
-          <a:p>
-            <a:pPr marL="0" marR="0" indent="0" algn="l" defTabSz="914400" rtl="0" fontAlgn="auto" latinLnBrk="0" hangingPunct="0">
-              <a:lnSpc>
-                <a:spcPct val="100000"/>
-              </a:lnSpc>
-              <a:spcBef>
-                <a:spcPts val="0"/>
-              </a:spcBef>
-              <a:spcAft>
-                <a:spcPts val="0"/>
-              </a:spcAft>
-              <a:buClrTx/>
-              <a:buSzTx/>
-              <a:buFontTx/>
-              <a:buNone/>
-              <a:tabLst/>
-            </a:pPr>
-            <a:r>
-              <a:rPr kumimoji="0" lang="en-GB" sz="1800" b="0" i="0" u="none" strike="noStrike" cap="none" spc="0" normalizeH="0" baseline="0" dirty="0" smtClean="0">
-                <a:ln>
-                  <a:noFill/>
-                </a:ln>
-                <a:solidFill>
-                  <a:srgbClr val="000000"/>
-                </a:solidFill>
-                <a:effectLst/>
-                <a:uFillTx/>
-                <a:latin typeface="+mn-lt"/>
-                <a:ea typeface="+mn-ea"/>
-                <a:cs typeface="+mn-cs"/>
-                <a:sym typeface="Calibri"/>
-              </a:rPr>
-              <a:t>HT: @</a:t>
-            </a:r>
-            <a:r>
-              <a:rPr kumimoji="0" lang="en-GB" sz="1800" b="0" i="0" u="none" strike="noStrike" cap="none" spc="0" normalizeH="0" baseline="0" dirty="0" err="1" smtClean="0">
-                <a:ln>
-                  <a:noFill/>
-                </a:ln>
-                <a:solidFill>
-                  <a:srgbClr val="000000"/>
-                </a:solidFill>
-                <a:effectLst/>
-                <a:uFillTx/>
-                <a:latin typeface="+mn-lt"/>
-                <a:ea typeface="+mn-ea"/>
-                <a:cs typeface="+mn-cs"/>
-                <a:sym typeface="Calibri"/>
-              </a:rPr>
-              <a:t>HadleyWickham</a:t>
-            </a:r>
-            <a:r>
-              <a:rPr kumimoji="0" lang="en-GB" sz="1800" b="0" i="0" u="none" strike="noStrike" cap="none" spc="0" normalizeH="0" baseline="0" dirty="0" smtClean="0">
-                <a:ln>
-                  <a:noFill/>
-                </a:ln>
-                <a:solidFill>
-                  <a:srgbClr val="000000"/>
-                </a:solidFill>
-                <a:effectLst/>
-                <a:uFillTx/>
-                <a:latin typeface="+mn-lt"/>
-                <a:ea typeface="+mn-ea"/>
-                <a:cs typeface="+mn-cs"/>
-                <a:sym typeface="Calibri"/>
-              </a:rPr>
-              <a:t>,</a:t>
-            </a:r>
-            <a:r>
-              <a:rPr kumimoji="0" lang="en-GB" sz="1800" b="0" i="0" u="none" strike="noStrike" cap="none" spc="0" normalizeH="0" dirty="0" smtClean="0">
-                <a:ln>
-                  <a:noFill/>
-                </a:ln>
-                <a:solidFill>
-                  <a:srgbClr val="000000"/>
-                </a:solidFill>
-                <a:effectLst/>
-                <a:uFillTx/>
-                <a:latin typeface="+mn-lt"/>
-                <a:ea typeface="+mn-ea"/>
-                <a:cs typeface="+mn-cs"/>
-                <a:sym typeface="Calibri"/>
-              </a:rPr>
-              <a:t> @</a:t>
-            </a:r>
-            <a:r>
-              <a:rPr kumimoji="0" lang="en-GB" sz="1800" b="0" i="0" u="none" strike="noStrike" cap="none" spc="0" normalizeH="0" dirty="0" err="1" smtClean="0">
-                <a:ln>
-                  <a:noFill/>
-                </a:ln>
-                <a:solidFill>
-                  <a:srgbClr val="000000"/>
-                </a:solidFill>
-                <a:effectLst/>
-                <a:uFillTx/>
-                <a:latin typeface="+mn-lt"/>
-                <a:ea typeface="+mn-ea"/>
-                <a:cs typeface="+mn-cs"/>
-                <a:sym typeface="Calibri"/>
-              </a:rPr>
-              <a:t>jimhester</a:t>
-            </a:r>
-            <a:r>
-              <a:rPr kumimoji="0" lang="en-GB" sz="1800" b="0" i="0" u="none" strike="noStrike" cap="none" spc="0" normalizeH="0" dirty="0" smtClean="0">
-                <a:ln>
-                  <a:noFill/>
-                </a:ln>
-                <a:solidFill>
-                  <a:srgbClr val="000000"/>
-                </a:solidFill>
-                <a:effectLst/>
-                <a:uFillTx/>
-                <a:latin typeface="+mn-lt"/>
-                <a:ea typeface="+mn-ea"/>
-                <a:cs typeface="+mn-cs"/>
-                <a:sym typeface="Calibri"/>
-              </a:rPr>
-              <a:t>_, @</a:t>
-            </a:r>
-            <a:r>
-              <a:rPr kumimoji="0" lang="en-GB" sz="1800" b="0" i="0" u="none" strike="noStrike" cap="none" spc="0" normalizeH="0" dirty="0" err="1" smtClean="0">
-                <a:ln>
-                  <a:noFill/>
-                </a:ln>
-                <a:solidFill>
-                  <a:srgbClr val="000000"/>
-                </a:solidFill>
-                <a:effectLst/>
-                <a:uFillTx/>
-                <a:latin typeface="+mn-lt"/>
-                <a:ea typeface="+mn-ea"/>
-                <a:cs typeface="+mn-cs"/>
-                <a:sym typeface="Calibri"/>
-              </a:rPr>
-              <a:t>dataandme</a:t>
-            </a:r>
-            <a:endParaRPr kumimoji="0" lang="en-GB" sz="1800" b="0" i="0" u="none" strike="noStrike" cap="none" spc="0" normalizeH="0" baseline="0" dirty="0">
-              <a:ln>
-                <a:noFill/>
-              </a:ln>
-              <a:solidFill>
-                <a:srgbClr val="000000"/>
-              </a:solidFill>
-              <a:effectLst/>
-              <a:uFillTx/>
-              <a:latin typeface="+mn-lt"/>
-              <a:ea typeface="+mn-ea"/>
-              <a:cs typeface="+mn-cs"/>
-              <a:sym typeface="Calibri"/>
-            </a:endParaRPr>
-          </a:p>
-        </p:txBody>
-      </p:sp>
-    </p:spTree>
-  </p:cSld>
-  <p:clrMapOvr>
-    <a:masterClrMapping/>
-  </p:clrMapOvr>
-  <p:transition spd="med"/>
-  <p:timing>
-    <p:tnLst>
-      <p:par>
-        <p:cTn id="1" dur="indefinite" restart="never" nodeType="tmRoot"/>
-      </p:par>
-    </p:tnLst>
-  </p:timing>
-</p:sld>
-</file>
-
-<file path=ppt/slides/slide5.xml><?xml version="1.0" encoding="utf-8"?>
-<p:sld xmlns:a="http://schemas.openxmlformats.org/drawingml/2006/main" xmlns:r="http://schemas.openxmlformats.org/officeDocument/2006/relationships" xmlns:p="http://schemas.openxmlformats.org/presentationml/2006/main">
-  <p:cSld>
-    <p:spTree>
-      <p:nvGrpSpPr>
-        <p:cNvPr id="1" name=""/>
-        <p:cNvGrpSpPr/>
-        <p:nvPr/>
-      </p:nvGrpSpPr>
-      <p:grpSpPr>
-        <a:xfrm>
-          <a:off x="0" y="0"/>
-          <a:ext cx="0" cy="0"/>
-          <a:chOff x="0" y="0"/>
-          <a:chExt cx="0" cy="0"/>
-        </a:xfrm>
-      </p:grpSpPr>
-      <p:sp>
-        <p:nvSpPr>
           <p:cNvPr id="126" name="Mine… (sorry, not sorry)"/>
           <p:cNvSpPr txBox="1">
             <a:spLocks noGrp="1"/>
@@ -16364,7 +16238,7 @@
 </p:sld>
 </file>
 
-<file path=ppt/slides/slide6.xml><?xml version="1.0" encoding="utf-8"?>
+<file path=ppt/slides/slide5.xml><?xml version="1.0" encoding="utf-8"?>
 <p:sld xmlns:a="http://schemas.openxmlformats.org/drawingml/2006/main" xmlns:r="http://schemas.openxmlformats.org/officeDocument/2006/relationships" xmlns:p="http://schemas.openxmlformats.org/presentationml/2006/main">
   <p:cSld>
     <p:spTree>
@@ -16484,6 +16358,137 @@
         </p:txBody>
       </p:sp>
     </p:spTree>
+  </p:cSld>
+  <p:clrMapOvr>
+    <a:masterClrMapping/>
+  </p:clrMapOvr>
+  <p:transition spd="med"/>
+  <p:timing>
+    <p:tnLst>
+      <p:par>
+        <p:cTn id="1" dur="indefinite" restart="never" nodeType="tmRoot"/>
+      </p:par>
+    </p:tnLst>
+  </p:timing>
+</p:sld>
+</file>
+
+<file path=ppt/slides/slide6.xml><?xml version="1.0" encoding="utf-8"?>
+<p:sld xmlns:a="http://schemas.openxmlformats.org/drawingml/2006/main" xmlns:r="http://schemas.openxmlformats.org/officeDocument/2006/relationships" xmlns:p="http://schemas.openxmlformats.org/presentationml/2006/main">
+  <p:cSld>
+    <p:spTree>
+      <p:nvGrpSpPr>
+        <p:cNvPr id="1" name=""/>
+        <p:cNvGrpSpPr/>
+        <p:nvPr/>
+      </p:nvGrpSpPr>
+      <p:grpSpPr>
+        <a:xfrm>
+          <a:off x="0" y="0"/>
+          <a:ext cx="0" cy="0"/>
+          <a:chOff x="0" y="0"/>
+          <a:chExt cx="0" cy="0"/>
+        </a:xfrm>
+      </p:grpSpPr>
+      <p:sp>
+        <p:nvSpPr>
+          <p:cNvPr id="118" name="TextBox 3"/>
+          <p:cNvSpPr txBox="1"/>
+          <p:nvPr/>
+        </p:nvSpPr>
+        <p:spPr>
+          <a:xfrm>
+            <a:off x="1619671" y="1772816"/>
+            <a:ext cx="5472610" cy="3291841"/>
+          </a:xfrm>
+          <a:prstGeom prst="rect">
+            <a:avLst/>
+          </a:prstGeom>
+          <a:ln w="12700">
+            <a:miter lim="400000"/>
+          </a:ln>
+          <a:extLst>
+            <a:ext uri="{C572A759-6A51-4108-AA02-DFA0A04FC94B}">
+              <ma14:wrappingTextBoxFlag xmlns="" xmlns:m="http://schemas.openxmlformats.org/officeDocument/2006/math" xmlns:a14="http://schemas.microsoft.com/office/drawing/2010/main" xmlns:ma14="http://schemas.microsoft.com/office/mac/drawingml/2011/main" val="1"/>
+            </a:ext>
+          </a:extLst>
+        </p:spPr>
+        <p:txBody>
+          <a:bodyPr lIns="45719" rIns="45719">
+            <a:spAutoFit/>
+          </a:bodyPr>
+          <a:lstStyle>
+            <a:lvl1pPr>
+              <a:defRPr sz="5400"/>
+            </a:lvl1pPr>
+          </a:lstStyle>
+          <a:p>
+            <a:r>
+              <a:rPr dirty="0"/>
+              <a:t>Your (my) brain is lazy, shallow, and easily distracted.</a:t>
+            </a:r>
+          </a:p>
+        </p:txBody>
+      </p:sp>
+      <p:sp>
+        <p:nvSpPr>
+          <p:cNvPr id="119" name="TextBox 4"/>
+          <p:cNvSpPr txBox="1"/>
+          <p:nvPr/>
+        </p:nvSpPr>
+        <p:spPr>
+          <a:xfrm>
+            <a:off x="1619671" y="5013176"/>
+            <a:ext cx="5460788" cy="276999"/>
+          </a:xfrm>
+          <a:prstGeom prst="rect">
+            <a:avLst/>
+          </a:prstGeom>
+          <a:ln w="12700">
+            <a:miter lim="400000"/>
+          </a:ln>
+          <a:extLst>
+            <a:ext uri="{C572A759-6A51-4108-AA02-DFA0A04FC94B}">
+              <ma14:wrappingTextBoxFlag xmlns="" xmlns:m="http://schemas.openxmlformats.org/officeDocument/2006/math" xmlns:a14="http://schemas.microsoft.com/office/drawing/2010/main" xmlns:ma14="http://schemas.microsoft.com/office/mac/drawingml/2011/main" val="1"/>
+            </a:ext>
+          </a:extLst>
+        </p:spPr>
+        <p:txBody>
+          <a:bodyPr wrap="none" lIns="45719" rIns="45719">
+            <a:spAutoFit/>
+          </a:bodyPr>
+          <a:lstStyle/>
+          <a:p>
+            <a:pPr>
+              <a:defRPr sz="1600"/>
+            </a:pPr>
+            <a:r>
+              <a:rPr sz="1200" u="sng" dirty="0">
+                <a:solidFill>
+                  <a:srgbClr val="0000FF"/>
+                </a:solidFill>
+                <a:uFill>
+                  <a:solidFill>
+                    <a:srgbClr val="0000FF"/>
+                  </a:solidFill>
+                </a:uFill>
+                <a:hlinkClick r:id="rId3"/>
+              </a:rPr>
+              <a:t>https://www.slideshare.net/CJAtherton/chris-atherton-at-presentation-camp-london</a:t>
+            </a:r>
+            <a:r>
+              <a:rPr sz="1200" dirty="0"/>
+              <a:t> </a:t>
+            </a:r>
+          </a:p>
+        </p:txBody>
+      </p:sp>
+    </p:spTree>
+    <p:extLst>
+      <p:ext uri="{BB962C8B-B14F-4D97-AF65-F5344CB8AC3E}">
+        <p14:creationId xmlns:p14="http://schemas.microsoft.com/office/powerpoint/2010/main" val="2071862162"/>
+      </p:ext>
+    </p:extLst>
   </p:cSld>
   <p:clrMapOvr>
     <a:masterClrMapping/>

--- a/The lazy and easily distracted report writer.pptx
+++ b/The lazy and easily distracted report writer.pptx
@@ -874,39 +874,61 @@
           <a:p>
             <a:r>
               <a:rPr lang="en-GB" dirty="0" smtClean="0"/>
-              <a:t>I then have a discussion with my boss to brief him on what I’m</a:t>
-            </a:r>
-            <a:r>
-              <a:rPr lang="en-GB" baseline="0" dirty="0" smtClean="0"/>
-              <a:t> seeing and if all is well then I circulate the report…</a:t>
-            </a:r>
-          </a:p>
-          <a:p>
-            <a:endParaRPr lang="en-GB" baseline="0" dirty="0" smtClean="0"/>
-          </a:p>
-          <a:p>
-            <a:r>
-              <a:rPr lang="en-GB" baseline="0" dirty="0" smtClean="0"/>
+              <a:t>I then have a discussion with my boss to brief him on what I’m seeing and if all is well then I circulate the report…</a:t>
+            </a:r>
+          </a:p>
+          <a:p>
+            <a:r>
+              <a:rPr lang="en-GB" dirty="0" smtClean="0"/>
               <a:t>And we’re DONE.</a:t>
             </a:r>
           </a:p>
           <a:p>
-            <a:endParaRPr lang="en-GB" baseline="0" dirty="0" smtClean="0"/>
-          </a:p>
-          <a:p>
-            <a:r>
-              <a:rPr lang="en-GB" baseline="0" dirty="0" smtClean="0"/>
-              <a:t>Hang on. Sorry. Were you distracted by the text in light grey? Yes? Ah, so it’s NOT just me then</a:t>
-            </a:r>
-            <a:r>
-              <a:rPr lang="en-GB" baseline="0" dirty="0" smtClean="0"/>
-              <a:t>.</a:t>
-            </a:r>
-          </a:p>
-          <a:p>
-            <a:r>
-              <a:rPr lang="en-GB" baseline="0" dirty="0" smtClean="0"/>
-              <a:t>And how many folks noticed that the “Visualise” and “Transform” elements of the Data Science diagram were swapped?</a:t>
+            <a:endParaRPr lang="en-GB" dirty="0" smtClean="0"/>
+          </a:p>
+          <a:p>
+            <a:r>
+              <a:rPr lang="en-GB" dirty="0" smtClean="0"/>
+              <a:t>Hang on. </a:t>
+            </a:r>
+          </a:p>
+          <a:p>
+            <a:r>
+              <a:rPr lang="en-GB" dirty="0" smtClean="0"/>
+              <a:t>Sorry. </a:t>
+            </a:r>
+          </a:p>
+          <a:p>
+            <a:r>
+              <a:rPr lang="en-GB" dirty="0" smtClean="0"/>
+              <a:t>Were you distracted by the text in light grey? </a:t>
+            </a:r>
+          </a:p>
+          <a:p>
+            <a:r>
+              <a:rPr lang="en-GB" dirty="0" smtClean="0"/>
+              <a:t>Yes? </a:t>
+            </a:r>
+          </a:p>
+          <a:p>
+            <a:r>
+              <a:rPr lang="en-GB" dirty="0" smtClean="0"/>
+              <a:t>Ah, so it’s NOT just me that gets distracted then...</a:t>
+            </a:r>
+          </a:p>
+          <a:p>
+            <a:endParaRPr lang="en-GB" dirty="0" smtClean="0"/>
+          </a:p>
+          <a:p>
+            <a:r>
+              <a:rPr lang="en-GB" dirty="0" smtClean="0"/>
+              <a:t>And did anyone notice that the "Visualise" and "Transform" items in the R For Data Science diagram were back to front? </a:t>
+            </a:r>
+          </a:p>
+          <a:p>
+            <a:r>
+              <a:rPr lang="en-GB" dirty="0" smtClean="0"/>
+              <a:t>Score 1 to Cognitive Load Theory.</a:t>
             </a:r>
             <a:endParaRPr lang="en-GB" dirty="0"/>
           </a:p>
@@ -971,51 +993,8 @@
           <a:p>
             <a:r>
               <a:rPr lang="en-GB" dirty="0" smtClean="0"/>
-              <a:t>At this point I really should have a video clip of some tumbleweed,</a:t>
-            </a:r>
-            <a:r>
-              <a:rPr lang="en-GB" baseline="0" dirty="0" smtClean="0"/>
-              <a:t> because the project team I did this work for suddenly had competing priorities and my work was put on the back burner.</a:t>
-            </a:r>
-          </a:p>
-          <a:p>
-            <a:r>
-              <a:rPr lang="en-GB" baseline="0" dirty="0" smtClean="0"/>
-              <a:t>Like the REALLY back burner.</a:t>
-            </a:r>
-          </a:p>
-          <a:p>
-            <a:r>
-              <a:rPr lang="en-GB" baseline="0" dirty="0" smtClean="0"/>
-              <a:t>So back it’s probably in a different house. In a different country. In a locked room. </a:t>
-            </a:r>
-            <a:r>
-              <a:rPr lang="en-GB" baseline="0" dirty="0" smtClean="0"/>
-              <a:t>With a </a:t>
-            </a:r>
-            <a:r>
-              <a:rPr lang="en-GB" baseline="0" dirty="0" smtClean="0"/>
-              <a:t>“Beware of the leopard” sign on the door.</a:t>
-            </a:r>
-          </a:p>
-          <a:p>
-            <a:endParaRPr lang="en-GB" baseline="0" dirty="0" smtClean="0"/>
-          </a:p>
-          <a:p>
-            <a:r>
-              <a:rPr lang="en-GB" baseline="0" dirty="0" smtClean="0"/>
-              <a:t>And at this point </a:t>
-            </a:r>
-            <a:r>
-              <a:rPr lang="en-GB" baseline="0" dirty="0" smtClean="0"/>
-              <a:t>when they </a:t>
-            </a:r>
-            <a:r>
-              <a:rPr lang="en-GB" baseline="0" dirty="0" smtClean="0"/>
-              <a:t>come back to me to ask about my analysis, I’m going to REALLY struggle to bring back to mind what I did 6 months ago.</a:t>
-            </a:r>
-          </a:p>
-          <a:p>
+              <a:t>No word of a lie, I got an email YESTERDAY from my boss about this analysis and asking me to get back in touch with the project team to discuss it with them. And if you've just written a script which is NOT reproducible then at this point you're going to be in a world of hurt... Because you'll pop open the script and wonder what the HECK you were thinking 6 months ago.</a:t>
+            </a:r>
             <a:endParaRPr lang="en-GB" dirty="0"/>
           </a:p>
         </p:txBody>
@@ -1087,7 +1066,33 @@
             </a:r>
             <a:r>
               <a:rPr lang="en-GB" dirty="0" smtClean="0"/>
-              <a:t> and notebooks.</a:t>
+              <a:t> and notebooks</a:t>
+            </a:r>
+            <a:r>
+              <a:rPr lang="en-GB" dirty="0" smtClean="0"/>
+              <a:t>.</a:t>
+            </a:r>
+          </a:p>
+          <a:p>
+            <a:r>
+              <a:rPr lang="en-GB" dirty="0" smtClean="0"/>
+              <a:t>Thanks to </a:t>
+            </a:r>
+            <a:r>
+              <a:rPr lang="en-GB" dirty="0" err="1" smtClean="0"/>
+              <a:t>Yihui</a:t>
+            </a:r>
+            <a:r>
+              <a:rPr lang="en-GB" dirty="0" smtClean="0"/>
+              <a:t> and team at </a:t>
+            </a:r>
+            <a:r>
+              <a:rPr lang="en-GB" dirty="0" err="1" smtClean="0"/>
+              <a:t>RStudio</a:t>
+            </a:r>
+            <a:r>
+              <a:rPr lang="en-GB" dirty="0" smtClean="0"/>
+              <a:t> who are working on these things.</a:t>
             </a:r>
             <a:endParaRPr lang="en-GB" dirty="0"/>
           </a:p>
@@ -1301,11 +1306,7 @@
             </a:r>
             <a:r>
               <a:rPr lang="en-GB" baseline="0" dirty="0" smtClean="0"/>
-              <a:t> for capturing </a:t>
-            </a:r>
-            <a:r>
-              <a:rPr lang="en-GB" baseline="0" dirty="0" smtClean="0"/>
-              <a:t>ANALYSIS not for functions or scripts in other circumstances. For more details see </a:t>
+              <a:t> for capturing ANALYSIS not for functions or scripts in other circumstances. For more details see </a:t>
             </a:r>
             <a:r>
               <a:rPr lang="en-GB" baseline="0" dirty="0" err="1" smtClean="0"/>
@@ -1344,8 +1345,30 @@
             </a:r>
             <a:r>
               <a:rPr lang="en-GB" baseline="0" dirty="0" smtClean="0"/>
-              <a:t> and notebooks.</a:t>
-            </a:r>
+              <a:t> and notebooks</a:t>
+            </a:r>
+            <a:r>
+              <a:rPr lang="en-GB" baseline="0" dirty="0" smtClean="0"/>
+              <a:t>.</a:t>
+            </a:r>
+          </a:p>
+          <a:p>
+            <a:endParaRPr lang="en-GB" baseline="0" dirty="0" smtClean="0"/>
+          </a:p>
+          <a:p>
+            <a:r>
+              <a:rPr lang="en-GB" baseline="0" dirty="0" smtClean="0"/>
+              <a:t>But if you're NOT writing for analysis then I encourage you to read the blog post from </a:t>
+            </a:r>
+            <a:r>
+              <a:rPr lang="en-GB" baseline="0" dirty="0" err="1" smtClean="0"/>
+              <a:t>Yihui</a:t>
+            </a:r>
+            <a:r>
+              <a:rPr lang="en-GB" baseline="0" dirty="0" smtClean="0"/>
+              <a:t> in the link.</a:t>
+            </a:r>
+            <a:endParaRPr lang="en-GB" baseline="0" dirty="0" smtClean="0"/>
           </a:p>
         </p:txBody>
       </p:sp>
@@ -2427,6 +2450,40 @@
           <a:p>
             <a:r>
               <a:rPr lang="en-GB" baseline="0" dirty="0" smtClean="0"/>
+              <a:t>While I've shown you how to render with parameters via the GUI and in </a:t>
+            </a:r>
+            <a:r>
+              <a:rPr lang="en-GB" baseline="0" dirty="0" err="1" smtClean="0"/>
+              <a:t>RStudio</a:t>
+            </a:r>
+            <a:r>
+              <a:rPr lang="en-GB" baseline="0" dirty="0" smtClean="0"/>
+              <a:t> Connect, you CAN also pass parameters as a list in the </a:t>
+            </a:r>
+            <a:r>
+              <a:rPr lang="en-GB" baseline="0" dirty="0" err="1" smtClean="0"/>
+              <a:t>rmarkdown</a:t>
+            </a:r>
+            <a:r>
+              <a:rPr lang="en-GB" baseline="0" dirty="0" smtClean="0"/>
+              <a:t>::render function.</a:t>
+            </a:r>
+          </a:p>
+          <a:p>
+            <a:endParaRPr lang="en-GB" baseline="0" dirty="0" smtClean="0"/>
+          </a:p>
+          <a:p>
+            <a:r>
+              <a:rPr lang="en-GB" baseline="0" dirty="0" smtClean="0"/>
+              <a:t>Of course, as XKCD points out, if you automate to this level you have to be a bit careful.</a:t>
+            </a:r>
+          </a:p>
+          <a:p>
+            <a:endParaRPr lang="en-GB" baseline="0" dirty="0" smtClean="0"/>
+          </a:p>
+          <a:p>
+            <a:r>
+              <a:rPr lang="en-GB" baseline="0" dirty="0" smtClean="0"/>
               <a:t>So </a:t>
             </a:r>
             <a:r>
@@ -2510,27 +2567,15 @@
           <a:p>
             <a:r>
               <a:rPr lang="en-GB" dirty="0" smtClean="0"/>
-              <a:t>To illustrate this</a:t>
-            </a:r>
-            <a:r>
-              <a:rPr lang="en-GB" baseline="0" dirty="0" smtClean="0"/>
-              <a:t> point, let me show you some cutlery drawers.</a:t>
-            </a:r>
-          </a:p>
-          <a:p>
-            <a:r>
-              <a:rPr lang="en-GB" baseline="0" dirty="0" smtClean="0"/>
-              <a:t>These are cutlery drawers of some folks that you might encounter at this conference and they were shared on Twitter and they sparked a debate about cutlery drawer organisation…</a:t>
-            </a:r>
-          </a:p>
-          <a:p>
-            <a:r>
-              <a:rPr lang="en-GB" baseline="0" dirty="0" smtClean="0"/>
-              <a:t>Do knives go on the left, or right, do you parse out large and small forks and spoons. </a:t>
-            </a:r>
-            <a:r>
-              <a:rPr lang="en-GB" baseline="0" dirty="0" smtClean="0"/>
-              <a:t>Do you organise by frequency of use? That kind of thing. Take a moment to consider your own cutlery drawer….</a:t>
+              <a:t>But what I REALLY want to talk to you about today is cutlery </a:t>
+            </a:r>
+            <a:r>
+              <a:rPr lang="en-GB" dirty="0" err="1" smtClean="0"/>
+              <a:t>drawers.These</a:t>
+            </a:r>
+            <a:r>
+              <a:rPr lang="en-GB" dirty="0" smtClean="0"/>
+              <a:t> are cutlery drawers of some folks that you might encounter at this conference and they were shared on Twitter and they sparked a debate about cutlery drawer organisation…Do knives go on the left, or right, do you parse out large and small forks and spoons, do you organise by "most used"...</a:t>
             </a:r>
             <a:endParaRPr lang="en-GB" dirty="0"/>
           </a:p>
@@ -2595,25 +2640,30 @@
           <a:p>
             <a:r>
               <a:rPr lang="en-GB" dirty="0" smtClean="0"/>
-              <a:t>And</a:t>
-            </a:r>
-            <a:r>
-              <a:rPr lang="en-GB" baseline="0" dirty="0" smtClean="0"/>
-              <a:t> you should also bear in mind that the amount of time you take to implement all of this may not provide a good return on investment.</a:t>
-            </a:r>
-          </a:p>
-          <a:p>
-            <a:r>
-              <a:rPr lang="en-GB" baseline="0" dirty="0" smtClean="0"/>
-              <a:t>Even over five years.</a:t>
-            </a:r>
-          </a:p>
-          <a:p>
-            <a:endParaRPr lang="en-GB" baseline="0" dirty="0" smtClean="0"/>
-          </a:p>
-          <a:p>
-            <a:r>
-              <a:rPr lang="en-GB" baseline="0" dirty="0" smtClean="0"/>
+              <a:t>I know that JD Long is also talking about this graphic, and I encourage you to seek out that presentation afterwards to hear what he has to say on the matter... </a:t>
+            </a:r>
+          </a:p>
+          <a:p>
+            <a:endParaRPr lang="en-GB" dirty="0" smtClean="0"/>
+          </a:p>
+          <a:p>
+            <a:r>
+              <a:rPr lang="en-GB" dirty="0" smtClean="0"/>
+              <a:t>But you should also bear in mind that the amount of time you take to implement all of this may not provide a good return on investment.</a:t>
+            </a:r>
+          </a:p>
+          <a:p>
+            <a:r>
+              <a:rPr lang="en-GB" dirty="0" smtClean="0"/>
+              <a:t>Even over five years. </a:t>
+            </a:r>
+          </a:p>
+          <a:p>
+            <a:endParaRPr lang="en-GB" dirty="0" smtClean="0"/>
+          </a:p>
+          <a:p>
+            <a:r>
+              <a:rPr lang="en-GB" dirty="0" smtClean="0"/>
               <a:t>But you might get a half-decent conference talk out of it.</a:t>
             </a:r>
             <a:endParaRPr lang="en-GB" dirty="0"/>
@@ -2748,7 +2798,15 @@
           <a:p>
             <a:r>
               <a:rPr lang="en-GB" dirty="0" smtClean="0"/>
-              <a:t>Here’s mine.</a:t>
+              <a:t>Here’s </a:t>
+            </a:r>
+            <a:r>
+              <a:rPr lang="en-GB" dirty="0" err="1" smtClean="0"/>
+              <a:t>mine.If</a:t>
+            </a:r>
+            <a:r>
+              <a:rPr lang="en-GB" dirty="0" smtClean="0"/>
+              <a:t> you visit my home, this is what you'll see. My wife will also be quite surprised that you’re visiting and she'll be even more surprised that you only want to see the cutlery drawer.</a:t>
             </a:r>
           </a:p>
           <a:p>
@@ -2757,18 +2815,14 @@
           <a:p>
             <a:r>
               <a:rPr lang="en-GB" dirty="0" smtClean="0"/>
-              <a:t>Yes, it</a:t>
-            </a:r>
-            <a:r>
-              <a:rPr lang="en-GB" baseline="0" dirty="0" smtClean="0"/>
-              <a:t> could probably do with a decent amount of application of the “</a:t>
-            </a:r>
-            <a:r>
-              <a:rPr lang="en-GB" baseline="0" dirty="0" err="1" smtClean="0"/>
+              <a:t>Yes, it could probably do with a decent amount of application of the “</a:t>
+            </a:r>
+            <a:r>
+              <a:rPr lang="en-GB" dirty="0" err="1" smtClean="0"/>
               <a:t>group_by</a:t>
             </a:r>
             <a:r>
-              <a:rPr lang="en-GB" baseline="0" dirty="0" smtClean="0"/>
+              <a:rPr lang="en-GB" dirty="0" smtClean="0"/>
               <a:t>”, “gather” and “arrange” functions.</a:t>
             </a:r>
             <a:endParaRPr lang="en-GB" dirty="0"/>
@@ -2858,12 +2912,8 @@
               <a:t> and a laptop then basically everything else can get chucked into a big bucket labelled “</a:t>
             </a:r>
             <a:r>
-              <a:rPr lang="en-GB" baseline="0" dirty="0" err="1" smtClean="0"/>
-              <a:t>Misc</a:t>
-            </a:r>
-            <a:r>
               <a:rPr lang="en-GB" baseline="0" dirty="0" smtClean="0"/>
-              <a:t>”.</a:t>
+              <a:t>Miscellaneous”.</a:t>
             </a:r>
             <a:endParaRPr lang="en-GB" dirty="0"/>
           </a:p>
@@ -2928,15 +2978,7 @@
           <a:p>
             <a:r>
               <a:rPr lang="en-GB" dirty="0" smtClean="0"/>
-              <a:t>Here’s a quote from Chris Atherton,</a:t>
-            </a:r>
-            <a:r>
-              <a:rPr lang="en-GB" baseline="0" dirty="0" smtClean="0"/>
-              <a:t> who has a PhD in neuroscience and was until fairly recently an academic working in the field of cognitive load</a:t>
-            </a:r>
-            <a:r>
-              <a:rPr lang="en-GB" baseline="0" dirty="0" smtClean="0"/>
-              <a:t>.</a:t>
+              <a:t>My brain is shallow, lazy and easily distracted. I hesitate to say that YOUR brain is also lazy, shallow and easily distracted but Joe Cheng stood up on the platform yesterday and said that our intuition sucked, so I'm going to go out on a limb and suggest that there MAY be others in the audience for whom this is true.</a:t>
             </a:r>
             <a:endParaRPr lang="en-GB" baseline="0" dirty="0" smtClean="0"/>
           </a:p>
@@ -3001,21 +3043,17 @@
           <a:p>
             <a:r>
               <a:rPr lang="en-GB" baseline="0" dirty="0" smtClean="0"/>
-              <a:t>OK, I’m </a:t>
+              <a:t>I’m assuming that if you’re at this conference then you’re likely to have seen this </a:t>
+            </a:r>
+            <a:r>
+              <a:rPr lang="en-GB" baseline="0" dirty="0" err="1" smtClean="0"/>
+              <a:t>diagram.There</a:t>
             </a:r>
             <a:r>
               <a:rPr lang="en-GB" baseline="0" dirty="0" smtClean="0"/>
-              <a:t>assuming that if you’re at this conference then you’re likely to have seen this diagram.</a:t>
-            </a:r>
-          </a:p>
-          <a:p>
+              <a:t> has been some recent discussion on the Not So Standard Deviations podcast about this diagram, which I think concluded with the agreement that this was a mental model and just a  “Theoretical” framework. I don’t have a problem with that definition. </a:t>
+            </a:r>
             <a:endParaRPr lang="en-GB" baseline="0" dirty="0" smtClean="0"/>
-          </a:p>
-          <a:p>
-            <a:r>
-              <a:rPr lang="en-GB" baseline="0" dirty="0" smtClean="0"/>
-              <a:t>There has been some recent discussion on the Not So Standard Deviations podcast about this diagram, which I think concluded with the agreement that this was a “Theoretical” framework. I don’t have a problem with that definition. </a:t>
-            </a:r>
           </a:p>
         </p:txBody>
       </p:sp>
@@ -4909,7 +4947,7 @@
           </a:ln>
           <a:extLst>
             <a:ext uri="{C572A759-6A51-4108-AA02-DFA0A04FC94B}">
-              <ma14:wrappingTextBoxFlag xmlns="" xmlns:m="http://schemas.openxmlformats.org/officeDocument/2006/math" xmlns:a14="http://schemas.microsoft.com/office/drawing/2010/main" xmlns:ma14="http://schemas.microsoft.com/office/mac/drawingml/2011/main" val="1"/>
+              <ma14:wrappingTextBoxFlag xmlns:ma14="http://schemas.microsoft.com/office/mac/drawingml/2011/main" xmlns:a14="http://schemas.microsoft.com/office/drawing/2010/main" xmlns:m="http://schemas.openxmlformats.org/officeDocument/2006/math" xmlns="" val="1"/>
             </a:ext>
           </a:extLst>
         </p:spPr>
@@ -4948,7 +4986,7 @@
           </a:ln>
           <a:extLst>
             <a:ext uri="{C572A759-6A51-4108-AA02-DFA0A04FC94B}">
-              <ma14:wrappingTextBoxFlag xmlns="" xmlns:m="http://schemas.openxmlformats.org/officeDocument/2006/math" xmlns:a14="http://schemas.microsoft.com/office/drawing/2010/main" xmlns:ma14="http://schemas.microsoft.com/office/mac/drawingml/2011/main" val="1"/>
+              <ma14:wrappingTextBoxFlag xmlns:ma14="http://schemas.microsoft.com/office/mac/drawingml/2011/main" xmlns:a14="http://schemas.microsoft.com/office/drawing/2010/main" xmlns:m="http://schemas.openxmlformats.org/officeDocument/2006/math" xmlns="" val="1"/>
             </a:ext>
           </a:extLst>
         </p:spPr>
@@ -8400,7 +8438,7 @@
       </p:sp>
       <p:pic>
         <p:nvPicPr>
-          <p:cNvPr id="2" name="Picture 1"/>
+          <p:cNvPr id="2" name="Picture 1" title="rmarkdown hex sticker image"/>
           <p:cNvPicPr>
             <a:picLocks noChangeAspect="1"/>
           </p:cNvPicPr>
@@ -8430,7 +8468,7 @@
       </p:pic>
       <p:pic>
         <p:nvPicPr>
-          <p:cNvPr id="3" name="Picture 2"/>
+          <p:cNvPr id="3" name="Picture 2" title="knitr hex sticker image"/>
           <p:cNvPicPr>
             <a:picLocks noChangeAspect="1"/>
           </p:cNvPicPr>
@@ -8674,7 +8712,7 @@
       </p:sp>
       <p:pic>
         <p:nvPicPr>
-          <p:cNvPr id="6146" name="Picture 2"/>
+          <p:cNvPr id="6146" name="Picture 2" descr="Tweet saying &quot;My opinion: If you write more comments (explanation) than code, use rmarkdown. If you write more code than comments, then write more comments and use rmarkdown. Tweet mentions StatGarrett and has the hashtag earlconf for the EARL conference in London 2018." title="Tweet from MikeKSmith including Garrett Grolemund"/>
           <p:cNvPicPr>
             <a:picLocks noChangeAspect="1" noChangeArrowheads="1"/>
           </p:cNvPicPr>
@@ -9424,19 +9462,11 @@
             </a:pPr>
             <a:r>
               <a:rPr dirty="0" smtClean="0"/>
-              <a:t>Clinical </a:t>
-            </a:r>
-            <a:r>
-              <a:rPr dirty="0" smtClean="0"/>
-              <a:t>Pharmacologist</a:t>
+              <a:t>Clinical Pharmacologist</a:t>
             </a:r>
             <a:r>
               <a:rPr lang="en-GB" dirty="0" smtClean="0"/>
-              <a:t>s </a:t>
-            </a:r>
-            <a:r>
-              <a:rPr lang="en-GB" dirty="0" smtClean="0"/>
-              <a:t>(including my manager)</a:t>
+              <a:t>s (including my manager)</a:t>
             </a:r>
             <a:endParaRPr dirty="0" smtClean="0"/>
           </a:p>
@@ -9670,7 +9700,7 @@
       </p:grpSpPr>
       <p:pic>
         <p:nvPicPr>
-          <p:cNvPr id="1027" name="Picture 3"/>
+          <p:cNvPr id="1027" name="Picture 3" descr="The screen capture shows the YAML header of an rmarkdown report. A box highlights the params input which has a variable called endpoint which has the default value of HAMDTL17 but other choices includign HAMDTL17, HAMATOTL and PGIIMP. There is another variable called quantAudience which is boolean." title="Screengrab of YAML header showing parameters "/>
           <p:cNvPicPr>
             <a:picLocks noChangeAspect="1" noChangeArrowheads="1"/>
           </p:cNvPicPr>
@@ -10184,7 +10214,7 @@
       </p:sp>
       <p:pic>
         <p:nvPicPr>
-          <p:cNvPr id="4" name="Picture 3"/>
+          <p:cNvPr id="4" name="Picture 3" descr="The screengrab shows the dialogue box that opens when the user selects to knit the document. There is an option highlighted saying knit with parameters." title="Screengrab of knitting the rmarkdown report with parameters"/>
           <p:cNvPicPr>
             <a:picLocks noChangeAspect="1"/>
           </p:cNvPicPr>
@@ -10273,7 +10303,7 @@
       </p:sp>
       <p:pic>
         <p:nvPicPr>
-          <p:cNvPr id="5" name="Picture 4"/>
+          <p:cNvPr id="5" name="Picture 4" descr="The screengrab shows the knit with parameters selection box which has three radio buttons, one for each endpoint choice and a check box for the quantAudience parameter" title="Screengrab showing parameter options"/>
           <p:cNvPicPr>
             <a:picLocks noChangeAspect="1"/>
           </p:cNvPicPr>
@@ -10340,7 +10370,7 @@
       </p:grpSpPr>
       <p:pic>
         <p:nvPicPr>
-          <p:cNvPr id="7170" name="Picture 2"/>
+          <p:cNvPr id="7170" name="Picture 2" descr="The screengrab shows how the parameter endpoint HAMDTL17 has been used in textual elements throughout the report. Appearances in text, graph titles and axes labels are highlighted." title="Screengrab of rendered HTML report"/>
           <p:cNvPicPr>
             <a:picLocks noChangeAspect="1" noChangeArrowheads="1"/>
           </p:cNvPicPr>
@@ -11199,7 +11229,7 @@
       </p:grpSpPr>
       <p:grpSp>
         <p:nvGrpSpPr>
-          <p:cNvPr id="2" name="Group 1"/>
+          <p:cNvPr id="2" name="Group 1" descr="The screengrab shows markdown code and a knitr chunk showing how parameters can be used within code. An statement is highlighted showing an if statement which computes using the boolean quantAudience parameter to control knitr chunk options, turning off the option to show code if the quantAudience parameter is FALSE." title="Screengrab of knitr code showing use of parameters in chunks"/>
           <p:cNvGrpSpPr/>
           <p:nvPr/>
         </p:nvGrpSpPr>
@@ -11518,7 +11548,7 @@
       </p:grpSpPr>
       <p:grpSp>
         <p:nvGrpSpPr>
-          <p:cNvPr id="28" name="Group 27"/>
+          <p:cNvPr id="28" name="Group 27" descr="The screengrab shows using the dplyr rename_all function replacing the endpoint parameter name with the text &quot;outcome&quot;. " title="Screengrab showing renaming data variables using endpoint parameter"/>
           <p:cNvGrpSpPr/>
           <p:nvPr/>
         </p:nvGrpSpPr>
@@ -11668,7 +11698,7 @@
       </p:grpSp>
       <p:grpSp>
         <p:nvGrpSpPr>
-          <p:cNvPr id="26" name="Group 25"/>
+          <p:cNvPr id="26" name="Group 25" descr="The screengrab shows using the quantAudience boolean parameter with the knitr chunk option eval. " title="Screengrab showing use of the quantAudience parameter in chunk options"/>
           <p:cNvGrpSpPr/>
           <p:nvPr/>
         </p:nvGrpSpPr>
@@ -12029,7 +12059,7 @@
       </p:grpSp>
       <p:grpSp>
         <p:nvGrpSpPr>
-          <p:cNvPr id="21" name="Group 20"/>
+          <p:cNvPr id="21" name="Group 20" descr="The screengrab shows using knitr chunk options eval with a child documents. eval is set to the boolean parameter quantAudience and a child document is set to &quot;DataManipulation_text.Rmd&quot;" title="Screengrab showing how child documents are included"/>
           <p:cNvGrpSpPr/>
           <p:nvPr/>
         </p:nvGrpSpPr>
@@ -12809,7 +12839,7 @@
       </p:sp>
       <p:pic>
         <p:nvPicPr>
-          <p:cNvPr id="5" name="Picture 2"/>
+          <p:cNvPr id="5" name="Picture 2" descr="The Screengrab shows a rendered HTML report for a quantitative audience showing that code is visible, a dataset is shown and child document text is included." title="Screengrab showing quantAudience rendered HTML"/>
           <p:cNvPicPr>
             <a:picLocks noChangeAspect="1" noChangeArrowheads="1"/>
           </p:cNvPicPr>
@@ -13666,7 +13696,7 @@
       </p:sp>
       <p:pic>
         <p:nvPicPr>
-          <p:cNvPr id="5" name="Picture 2"/>
+          <p:cNvPr id="5" name="Picture 2" descr="The screengrab shows the rendered report in RStudio Connect. There is a highlighted sliding box called &quot;Input&quot; where users input parameters. There is also a highlighted drop-down box at the top marked &quot;HAMDTL17 quantitative audience&quot; where pre-rendered and saved reports are easily accessible." title="Screengrab of RStudio Connect presentation of rendered report"/>
           <p:cNvPicPr>
             <a:picLocks noChangeAspect="1" noChangeArrowheads="1"/>
           </p:cNvPicPr>
@@ -14594,14 +14624,7 @@
                 <a:latin typeface="Courier New" panose="02070309020205020404" pitchFamily="49" charset="0"/>
                 <a:cs typeface="Courier New" panose="02070309020205020404" pitchFamily="49" charset="0"/>
               </a:rPr>
-              <a:t>render</a:t>
-            </a:r>
-            <a:r>
-              <a:rPr lang="en-GB" b="1" dirty="0" smtClean="0">
-                <a:latin typeface="Courier New" panose="02070309020205020404" pitchFamily="49" charset="0"/>
-                <a:cs typeface="Courier New" panose="02070309020205020404" pitchFamily="49" charset="0"/>
-              </a:rPr>
-              <a:t>(… , </a:t>
+              <a:t>render(… , </a:t>
             </a:r>
             <a:r>
               <a:rPr lang="en-GB" b="1" dirty="0" err="1" smtClean="0">
@@ -14840,7 +14863,7 @@
       </p:sp>
       <p:pic>
         <p:nvPicPr>
-          <p:cNvPr id="122" name="cutlery_Hadley.jpg" descr="cutlery_Hadley.jpg"/>
+          <p:cNvPr id="122" name="cutlery_Hadley.jpg" descr="A very neat cutlery drawer with knives arranged on the left, large forks next, smaller forks after that, teaspoons, then desert spoons and finally steak knieves on the far right. There are stirrers and metal straws along the top." title="Hadley Wickham's cutlery drawer"/>
           <p:cNvPicPr>
             <a:picLocks noChangeAspect="1"/>
           </p:cNvPicPr>
@@ -14869,7 +14892,7 @@
       </p:pic>
       <p:pic>
         <p:nvPicPr>
-          <p:cNvPr id="123" name="cutlery_JimHester.jpg" descr="cutlery_JimHester.jpg"/>
+          <p:cNvPr id="123" name="cutlery_JimHester.jpg" descr="Another very neat cutlery drawer. Large forks are arranged on the left, followed by smaller forks, teaspoons, desert spoons and finally knives. Miscellaneous items of cutlery are arranged in the top slot including a cheese parer." title="Jim Hester's cutlery drawer"/>
           <p:cNvPicPr>
             <a:picLocks noChangeAspect="1"/>
           </p:cNvPicPr>
@@ -14899,7 +14922,7 @@
       </p:pic>
       <p:pic>
         <p:nvPicPr>
-          <p:cNvPr id="124" name="cutlery_Mara.jpg" descr="cutlery_Mara.jpg"/>
+          <p:cNvPr id="124" name="cutlery_Mara.jpg" descr="Mara's cutlery drawer is not quite as neat as Hadley's or Jim's but is well organised. She has forks arranged on the left, teaspoons in the middle and knives on the right. Desert spoons are in the slot on the top. Mara tells me she arranges her cutlery according to frequency of use." title="Mara Averick's cutlery drawer"/>
           <p:cNvPicPr>
             <a:picLocks noChangeAspect="1"/>
           </p:cNvPicPr>
@@ -15153,7 +15176,7 @@
       </p:grpSpPr>
       <p:pic>
         <p:nvPicPr>
-          <p:cNvPr id="163" name="is_it_worth_the_time.png" descr="is_it_worth_the_time.png"/>
+          <p:cNvPr id="163" name="is_it_worth_the_time.png" descr="There is a matrix of boxes showing how much time you should spend on a given task, where the columns represent how often you do the task (ranging from 50 times per day to yearly) and how much time you shave off the task (ranging from 1 second to 1 day)." title="XKCD cartoon - &quot;Is it worth the time&quot;"/>
           <p:cNvPicPr>
             <a:picLocks noChangeAspect="1"/>
           </p:cNvPicPr>
@@ -15320,11 +15343,7 @@
             </a:br>
             <a:r>
               <a:rPr lang="en-GB" dirty="0" smtClean="0"/>
-              <a:t>but remember</a:t>
-            </a:r>
-            <a:r>
-              <a:rPr lang="en-GB" dirty="0" smtClean="0"/>
-              <a:t>….</a:t>
+              <a:t>but remember….</a:t>
             </a:r>
             <a:br>
               <a:rPr lang="en-GB" dirty="0" smtClean="0"/>
@@ -15515,7 +15534,7 @@
       </p:sp>
       <p:pic>
         <p:nvPicPr>
-          <p:cNvPr id="6" name="cutlery_MKS.jpg" descr="cutlery_MKS.jpg"/>
+          <p:cNvPr id="6" name="cutlery_MKS.jpg" descr="The earlier image of Mike Smith's messy cutlery drawer." title="Mike Smith's cutlery drawer"/>
           <p:cNvPicPr>
             <a:picLocks noChangeAspect="1"/>
           </p:cNvPicPr>
@@ -15721,7 +15740,7 @@
       </p:sp>
       <p:pic>
         <p:nvPicPr>
-          <p:cNvPr id="127" name="cutlery_MKS.jpg" descr="cutlery_MKS.jpg"/>
+          <p:cNvPr id="127" name="cutlery_MKS.jpg" descr="This cutlery drawer is a mess. There are different cutlery sets all mixed together. Items are not well organised at all. There is a large area to the right of a small cutlery organiser where there are forks, spoons, knives, scissors, a yellow, plastic figure from a child's toy." title="Mike Smith's cutlery drawer"/>
           <p:cNvPicPr>
             <a:picLocks noChangeAspect="1"/>
           </p:cNvPicPr>
@@ -16257,7 +16276,7 @@
       </p:grpSpPr>
       <p:pic>
         <p:nvPicPr>
-          <p:cNvPr id="129" name="home_organization.png" descr="home_organization.png"/>
+          <p:cNvPr id="129" name="home_organization.png" descr="A figure sits in a bare room working on a laptop. On the right of the room a wifi router is plugged in. There is a huge box in the middle of the room marked &quot;miscellaneous&quot; and in it there are chairs, a broom, a mattress, a bookcase and a standard lamp." title="XKCD cartoon - Home Organization"/>
           <p:cNvPicPr>
             <a:picLocks noChangeAspect="1"/>
           </p:cNvPicPr>
@@ -16409,7 +16428,7 @@
           </a:ln>
           <a:extLst>
             <a:ext uri="{C572A759-6A51-4108-AA02-DFA0A04FC94B}">
-              <ma14:wrappingTextBoxFlag xmlns="" xmlns:m="http://schemas.openxmlformats.org/officeDocument/2006/math" xmlns:a14="http://schemas.microsoft.com/office/drawing/2010/main" xmlns:ma14="http://schemas.microsoft.com/office/mac/drawingml/2011/main" val="1"/>
+              <ma14:wrappingTextBoxFlag xmlns:ma14="http://schemas.microsoft.com/office/mac/drawingml/2011/main" xmlns:a14="http://schemas.microsoft.com/office/drawing/2010/main" xmlns:m="http://schemas.openxmlformats.org/officeDocument/2006/math" xmlns="" val="1"/>
             </a:ext>
           </a:extLst>
         </p:spPr>
@@ -16449,7 +16468,7 @@
           </a:ln>
           <a:extLst>
             <a:ext uri="{C572A759-6A51-4108-AA02-DFA0A04FC94B}">
-              <ma14:wrappingTextBoxFlag xmlns="" xmlns:m="http://schemas.openxmlformats.org/officeDocument/2006/math" xmlns:a14="http://schemas.microsoft.com/office/drawing/2010/main" xmlns:ma14="http://schemas.microsoft.com/office/mac/drawingml/2011/main" val="1"/>
+              <ma14:wrappingTextBoxFlag xmlns:ma14="http://schemas.microsoft.com/office/mac/drawingml/2011/main" xmlns:a14="http://schemas.microsoft.com/office/drawing/2010/main" xmlns:m="http://schemas.openxmlformats.org/officeDocument/2006/math" xmlns="" val="1"/>
             </a:ext>
           </a:extLst>
         </p:spPr>
@@ -16556,7 +16575,7 @@
       </p:sp>
       <p:pic>
         <p:nvPicPr>
-          <p:cNvPr id="4" name="Picture 3"/>
+          <p:cNvPr id="4" name="Picture 3" descr="The diagram shows the steps of Data Science as explained in the R for Data Science book. Steps start with Import, to Tidy and then an &quot;Understand&quot; cycle including Visualize, Transform and Model which then flows out to the Communicate step." title="R for Data Science diagram"/>
           <p:cNvPicPr>
             <a:picLocks noChangeAspect="1"/>
           </p:cNvPicPr>
